--- a/CV/Two_Stage_Detector/PT_Matl/SPPNet.pptx
+++ b/CV/Two_Stage_Detector/PT_Matl/SPPNet.pptx
@@ -1,8 +1,8 @@
 
 <file path=ppt/presentation.xml><?xml version="1.0" encoding="utf-8"?>
-<p:presentation xmlns:a="http://schemas.openxmlformats.org/drawingml/2006/main" xmlns:r="http://schemas.openxmlformats.org/officeDocument/2006/relationships" xmlns:p="http://schemas.openxmlformats.org/presentationml/2006/main">
+<p:presentation xmlns:r="http://schemas.openxmlformats.org/officeDocument/2006/relationships" xmlns:c="http://schemas.openxmlformats.org/drawingml/2006/chart" xmlns:a="http://schemas.openxmlformats.org/drawingml/2006/main" xmlns:dgm="http://schemas.openxmlformats.org/drawingml/2006/diagram" xmlns:dsp="http://schemas.microsoft.com/office/drawing/2008/diagram" xmlns:p="http://schemas.openxmlformats.org/presentationml/2006/main">
   <p:sldMasterIdLst>
-    <p:sldMasterId id="2147483698" r:id="rId1"/>
+    <p:sldMasterId id="2147483660" r:id="rId1"/>
   </p:sldMasterIdLst>
   <p:sldIdLst>
     <p:sldId id="276" r:id="rId2"/>
@@ -129,3507 +129,7 @@
       </a:defRPr>
     </a:lvl9pPr>
   </p:defaultTextStyle>
-  <p:extLst>
-    <p:ext uri="{EFAFB233-063F-42B5-8137-9DF3F51BA10A}">
-      <p15:sldGuideLst xmlns:p15="http://schemas.microsoft.com/office/powerpoint/2012/main">
-        <p15:guide id="1" orient="horz" pos="2156">
-          <p15:clr>
-            <a:srgbClr val="A4A3A4"/>
-          </p15:clr>
-        </p15:guide>
-        <p15:guide id="2" pos="2880">
-          <p15:clr>
-            <a:srgbClr val="A4A3A4"/>
-          </p15:clr>
-        </p15:guide>
-      </p15:sldGuideLst>
-    </p:ext>
-  </p:extLst>
 </p:presentation>
-</file>
-
-<file path=ppt/revisionInfo.xml><?xml version="1.0" encoding="utf-8"?>
-<p1510:revInfo xmlns:a="http://schemas.openxmlformats.org/drawingml/2006/main" xmlns:r="http://schemas.openxmlformats.org/officeDocument/2006/relationships" xmlns:p1510="http://schemas.microsoft.com/office/powerpoint/2015/10/main">
-  <p1510:revLst>
-    <p1510:client id="{2B3331C0-106D-47FE-96DC-961FF2E91C3F}" v="1" dt="2021-05-18T13:07:38.345"/>
-    <p1510:client id="{2BB266FB-2409-4C5E-B71A-D12D434D6C17}" v="279" dt="2021-05-23T07:17:00.111"/>
-    <p1510:client id="{CC4C286C-218A-473F-8DB1-E27B16DC99A0}" v="3959" dt="2021-05-23T06:22:03.669"/>
-    <p1510:client id="{CF6D462C-408B-467F-BB26-5721F73AE4A9}" v="18" dt="2021-05-25T00:18:00.538"/>
-  </p1510:revLst>
-</p1510:revInfo>
-</file>
-
-<file path=ppt/changesInfos/changesInfo1.xml><?xml version="1.0" encoding="utf-8"?>
-<pc:chgInfo xmlns:a="http://schemas.openxmlformats.org/drawingml/2006/main" xmlns:r="http://schemas.openxmlformats.org/officeDocument/2006/relationships" xmlns:ac="http://schemas.microsoft.com/office/drawing/2013/main/command" xmlns:pc="http://schemas.microsoft.com/office/powerpoint/2013/main/command">
-  <pc:docChgLst>
-    <pc:chgData name="손 경일" userId="0d74cfca41046d23" providerId="Windows Live" clId="Web-{CF6D462C-408B-467F-BB26-5721F73AE4A9}"/>
-    <pc:docChg chg="delSld modSld">
-      <pc:chgData name="손 경일" userId="0d74cfca41046d23" providerId="Windows Live" clId="Web-{CF6D462C-408B-467F-BB26-5721F73AE4A9}" dt="2021-05-25T00:17:59.694" v="11" actId="20577"/>
-      <pc:docMkLst>
-        <pc:docMk/>
-      </pc:docMkLst>
-      <pc:sldChg chg="del">
-        <pc:chgData name="손 경일" userId="0d74cfca41046d23" providerId="Windows Live" clId="Web-{CF6D462C-408B-467F-BB26-5721F73AE4A9}" dt="2021-05-25T00:16:40.695" v="2"/>
-        <pc:sldMkLst>
-          <pc:docMk/>
-          <pc:sldMk cId="0" sldId="291"/>
-        </pc:sldMkLst>
-      </pc:sldChg>
-      <pc:sldChg chg="del">
-        <pc:chgData name="손 경일" userId="0d74cfca41046d23" providerId="Windows Live" clId="Web-{CF6D462C-408B-467F-BB26-5721F73AE4A9}" dt="2021-05-25T00:16:59.007" v="6"/>
-        <pc:sldMkLst>
-          <pc:docMk/>
-          <pc:sldMk cId="0" sldId="295"/>
-        </pc:sldMkLst>
-      </pc:sldChg>
-      <pc:sldChg chg="del">
-        <pc:chgData name="손 경일" userId="0d74cfca41046d23" providerId="Windows Live" clId="Web-{CF6D462C-408B-467F-BB26-5721F73AE4A9}" dt="2021-05-25T00:16:44.117" v="4"/>
-        <pc:sldMkLst>
-          <pc:docMk/>
-          <pc:sldMk cId="0" sldId="313"/>
-        </pc:sldMkLst>
-      </pc:sldChg>
-      <pc:sldChg chg="del">
-        <pc:chgData name="손 경일" userId="0d74cfca41046d23" providerId="Windows Live" clId="Web-{CF6D462C-408B-467F-BB26-5721F73AE4A9}" dt="2021-05-25T00:16:42.898" v="3"/>
-        <pc:sldMkLst>
-          <pc:docMk/>
-          <pc:sldMk cId="0" sldId="314"/>
-        </pc:sldMkLst>
-      </pc:sldChg>
-      <pc:sldChg chg="del">
-        <pc:chgData name="손 경일" userId="0d74cfca41046d23" providerId="Windows Live" clId="Web-{CF6D462C-408B-467F-BB26-5721F73AE4A9}" dt="2021-05-25T00:16:45.616" v="5"/>
-        <pc:sldMkLst>
-          <pc:docMk/>
-          <pc:sldMk cId="0" sldId="323"/>
-        </pc:sldMkLst>
-      </pc:sldChg>
-      <pc:sldChg chg="del">
-        <pc:chgData name="손 경일" userId="0d74cfca41046d23" providerId="Windows Live" clId="Web-{CF6D462C-408B-467F-BB26-5721F73AE4A9}" dt="2021-05-25T00:16:36.913" v="1"/>
-        <pc:sldMkLst>
-          <pc:docMk/>
-          <pc:sldMk cId="0" sldId="324"/>
-        </pc:sldMkLst>
-      </pc:sldChg>
-      <pc:sldChg chg="del">
-        <pc:chgData name="손 경일" userId="0d74cfca41046d23" providerId="Windows Live" clId="Web-{CF6D462C-408B-467F-BB26-5721F73AE4A9}" dt="2021-05-25T00:16:35.257" v="0"/>
-        <pc:sldMkLst>
-          <pc:docMk/>
-          <pc:sldMk cId="0" sldId="325"/>
-        </pc:sldMkLst>
-      </pc:sldChg>
-      <pc:sldChg chg="del">
-        <pc:chgData name="손 경일" userId="0d74cfca41046d23" providerId="Windows Live" clId="Web-{CF6D462C-408B-467F-BB26-5721F73AE4A9}" dt="2021-05-25T00:17:05.054" v="7"/>
-        <pc:sldMkLst>
-          <pc:docMk/>
-          <pc:sldMk cId="0" sldId="326"/>
-        </pc:sldMkLst>
-      </pc:sldChg>
-      <pc:sldChg chg="modSp">
-        <pc:chgData name="손 경일" userId="0d74cfca41046d23" providerId="Windows Live" clId="Web-{CF6D462C-408B-467F-BB26-5721F73AE4A9}" dt="2021-05-25T00:17:59.694" v="11" actId="20577"/>
-        <pc:sldMkLst>
-          <pc:docMk/>
-          <pc:sldMk cId="0" sldId="327"/>
-        </pc:sldMkLst>
-        <pc:spChg chg="mod">
-          <ac:chgData name="손 경일" userId="0d74cfca41046d23" providerId="Windows Live" clId="Web-{CF6D462C-408B-467F-BB26-5721F73AE4A9}" dt="2021-05-25T00:17:59.694" v="11" actId="20577"/>
-          <ac:spMkLst>
-            <pc:docMk/>
-            <pc:sldMk cId="0" sldId="327"/>
-            <ac:spMk id="3" creationId="{00000000-0000-0000-0000-000000000000}"/>
-          </ac:spMkLst>
-        </pc:spChg>
-      </pc:sldChg>
-    </pc:docChg>
-  </pc:docChgLst>
-  <pc:docChgLst>
-    <pc:chgData name="손 경일" userId="0d74cfca41046d23" providerId="LiveId" clId="{2B3331C0-106D-47FE-96DC-961FF2E91C3F}"/>
-    <pc:docChg chg="undo custSel delSld modSld">
-      <pc:chgData name="손 경일" userId="0d74cfca41046d23" providerId="LiveId" clId="{2B3331C0-106D-47FE-96DC-961FF2E91C3F}" dt="2021-05-18T13:08:36.677" v="148" actId="20577"/>
-      <pc:docMkLst>
-        <pc:docMk/>
-      </pc:docMkLst>
-      <pc:sldChg chg="del">
-        <pc:chgData name="손 경일" userId="0d74cfca41046d23" providerId="LiveId" clId="{2B3331C0-106D-47FE-96DC-961FF2E91C3F}" dt="2021-05-18T13:06:47.053" v="84" actId="47"/>
-        <pc:sldMkLst>
-          <pc:docMk/>
-          <pc:sldMk cId="0" sldId="288"/>
-        </pc:sldMkLst>
-      </pc:sldChg>
-      <pc:sldChg chg="del">
-        <pc:chgData name="손 경일" userId="0d74cfca41046d23" providerId="LiveId" clId="{2B3331C0-106D-47FE-96DC-961FF2E91C3F}" dt="2021-05-18T13:06:53.415" v="88" actId="47"/>
-        <pc:sldMkLst>
-          <pc:docMk/>
-          <pc:sldMk cId="0" sldId="299"/>
-        </pc:sldMkLst>
-      </pc:sldChg>
-      <pc:sldChg chg="del">
-        <pc:chgData name="손 경일" userId="0d74cfca41046d23" providerId="LiveId" clId="{2B3331C0-106D-47FE-96DC-961FF2E91C3F}" dt="2021-05-18T13:06:48.257" v="85" actId="47"/>
-        <pc:sldMkLst>
-          <pc:docMk/>
-          <pc:sldMk cId="0" sldId="304"/>
-        </pc:sldMkLst>
-      </pc:sldChg>
-      <pc:sldChg chg="del">
-        <pc:chgData name="손 경일" userId="0d74cfca41046d23" providerId="LiveId" clId="{2B3331C0-106D-47FE-96DC-961FF2E91C3F}" dt="2021-05-18T13:06:50.992" v="86" actId="47"/>
-        <pc:sldMkLst>
-          <pc:docMk/>
-          <pc:sldMk cId="0" sldId="306"/>
-        </pc:sldMkLst>
-      </pc:sldChg>
-      <pc:sldChg chg="del">
-        <pc:chgData name="손 경일" userId="0d74cfca41046d23" providerId="LiveId" clId="{2B3331C0-106D-47FE-96DC-961FF2E91C3F}" dt="2021-05-18T13:06:52.385" v="87" actId="47"/>
-        <pc:sldMkLst>
-          <pc:docMk/>
-          <pc:sldMk cId="0" sldId="308"/>
-        </pc:sldMkLst>
-      </pc:sldChg>
-      <pc:sldChg chg="del">
-        <pc:chgData name="손 경일" userId="0d74cfca41046d23" providerId="LiveId" clId="{2B3331C0-106D-47FE-96DC-961FF2E91C3F}" dt="2021-05-18T13:06:43.215" v="83" actId="47"/>
-        <pc:sldMkLst>
-          <pc:docMk/>
-          <pc:sldMk cId="0" sldId="309"/>
-        </pc:sldMkLst>
-      </pc:sldChg>
-      <pc:sldChg chg="del">
-        <pc:chgData name="손 경일" userId="0d74cfca41046d23" providerId="LiveId" clId="{2B3331C0-106D-47FE-96DC-961FF2E91C3F}" dt="2021-05-18T13:06:42.144" v="82" actId="47"/>
-        <pc:sldMkLst>
-          <pc:docMk/>
-          <pc:sldMk cId="0" sldId="310"/>
-        </pc:sldMkLst>
-      </pc:sldChg>
-      <pc:sldChg chg="addSp delSp modSp mod">
-        <pc:chgData name="손 경일" userId="0d74cfca41046d23" providerId="LiveId" clId="{2B3331C0-106D-47FE-96DC-961FF2E91C3F}" dt="2021-05-18T13:08:36.677" v="148" actId="20577"/>
-        <pc:sldMkLst>
-          <pc:docMk/>
-          <pc:sldMk cId="0" sldId="311"/>
-        </pc:sldMkLst>
-        <pc:spChg chg="mod">
-          <ac:chgData name="손 경일" userId="0d74cfca41046d23" providerId="LiveId" clId="{2B3331C0-106D-47FE-96DC-961FF2E91C3F}" dt="2021-05-18T13:08:36.677" v="148" actId="20577"/>
-          <ac:spMkLst>
-            <pc:docMk/>
-            <pc:sldMk cId="0" sldId="311"/>
-            <ac:spMk id="27" creationId="{00000000-0000-0000-0000-000000000000}"/>
-          </ac:spMkLst>
-        </pc:spChg>
-        <pc:picChg chg="add mod">
-          <ac:chgData name="손 경일" userId="0d74cfca41046d23" providerId="LiveId" clId="{2B3331C0-106D-47FE-96DC-961FF2E91C3F}" dt="2021-05-18T13:04:56.825" v="2" actId="1076"/>
-          <ac:picMkLst>
-            <pc:docMk/>
-            <pc:sldMk cId="0" sldId="311"/>
-            <ac:picMk id="3" creationId="{BE9E5840-00A9-4A72-A12D-42567D764C7A}"/>
-          </ac:picMkLst>
-        </pc:picChg>
-        <pc:picChg chg="del">
-          <ac:chgData name="손 경일" userId="0d74cfca41046d23" providerId="LiveId" clId="{2B3331C0-106D-47FE-96DC-961FF2E91C3F}" dt="2021-05-18T13:04:36.408" v="0" actId="478"/>
-          <ac:picMkLst>
-            <pc:docMk/>
-            <pc:sldMk cId="0" sldId="311"/>
-            <ac:picMk id="50" creationId="{00000000-0000-0000-0000-000000000000}"/>
-          </ac:picMkLst>
-        </pc:picChg>
-      </pc:sldChg>
-      <pc:sldChg chg="addSp delSp modSp mod">
-        <pc:chgData name="손 경일" userId="0d74cfca41046d23" providerId="LiveId" clId="{2B3331C0-106D-47FE-96DC-961FF2E91C3F}" dt="2021-05-18T13:08:09.677" v="133" actId="20577"/>
-        <pc:sldMkLst>
-          <pc:docMk/>
-          <pc:sldMk cId="0" sldId="312"/>
-        </pc:sldMkLst>
-        <pc:spChg chg="add mod">
-          <ac:chgData name="손 경일" userId="0d74cfca41046d23" providerId="LiveId" clId="{2B3331C0-106D-47FE-96DC-961FF2E91C3F}" dt="2021-05-18T13:07:52.387" v="95" actId="1076"/>
-          <ac:spMkLst>
-            <pc:docMk/>
-            <pc:sldMk cId="0" sldId="312"/>
-            <ac:spMk id="25" creationId="{10E3EA80-4331-4006-A0F6-307D09D13530}"/>
-          </ac:spMkLst>
-        </pc:spChg>
-        <pc:spChg chg="mod">
-          <ac:chgData name="손 경일" userId="0d74cfca41046d23" providerId="LiveId" clId="{2B3331C0-106D-47FE-96DC-961FF2E91C3F}" dt="2021-05-18T13:08:09.677" v="133" actId="20577"/>
-          <ac:spMkLst>
-            <pc:docMk/>
-            <pc:sldMk cId="0" sldId="312"/>
-            <ac:spMk id="54" creationId="{00000000-0000-0000-0000-000000000000}"/>
-          </ac:spMkLst>
-        </pc:spChg>
-        <pc:picChg chg="del">
-          <ac:chgData name="손 경일" userId="0d74cfca41046d23" providerId="LiveId" clId="{2B3331C0-106D-47FE-96DC-961FF2E91C3F}" dt="2021-05-18T13:07:28.988" v="89" actId="478"/>
-          <ac:picMkLst>
-            <pc:docMk/>
-            <pc:sldMk cId="0" sldId="312"/>
-            <ac:picMk id="52" creationId="{00000000-0000-0000-0000-000000000000}"/>
-          </ac:picMkLst>
-        </pc:picChg>
-        <pc:picChg chg="del">
-          <ac:chgData name="손 경일" userId="0d74cfca41046d23" providerId="LiveId" clId="{2B3331C0-106D-47FE-96DC-961FF2E91C3F}" dt="2021-05-18T13:07:30.049" v="90" actId="478"/>
-          <ac:picMkLst>
-            <pc:docMk/>
-            <pc:sldMk cId="0" sldId="312"/>
-            <ac:picMk id="53" creationId="{00000000-0000-0000-0000-000000000000}"/>
-          </ac:picMkLst>
-        </pc:picChg>
-      </pc:sldChg>
-      <pc:sldChg chg="addSp delSp modSp mod">
-        <pc:chgData name="손 경일" userId="0d74cfca41046d23" providerId="LiveId" clId="{2B3331C0-106D-47FE-96DC-961FF2E91C3F}" dt="2021-05-18T13:06:35.508" v="81"/>
-        <pc:sldMkLst>
-          <pc:docMk/>
-          <pc:sldMk cId="0" sldId="316"/>
-        </pc:sldMkLst>
-        <pc:spChg chg="add del mod">
-          <ac:chgData name="손 경일" userId="0d74cfca41046d23" providerId="LiveId" clId="{2B3331C0-106D-47FE-96DC-961FF2E91C3F}" dt="2021-05-18T13:05:55.078" v="20" actId="20577"/>
-          <ac:spMkLst>
-            <pc:docMk/>
-            <pc:sldMk cId="0" sldId="316"/>
-            <ac:spMk id="27" creationId="{00000000-0000-0000-0000-000000000000}"/>
-          </ac:spMkLst>
-        </pc:spChg>
-        <pc:spChg chg="mod">
-          <ac:chgData name="손 경일" userId="0d74cfca41046d23" providerId="LiveId" clId="{2B3331C0-106D-47FE-96DC-961FF2E91C3F}" dt="2021-05-18T13:06:35.508" v="81"/>
-          <ac:spMkLst>
-            <pc:docMk/>
-            <pc:sldMk cId="0" sldId="316"/>
-            <ac:spMk id="53" creationId="{00000000-0000-0000-0000-000000000000}"/>
-          </ac:spMkLst>
-        </pc:spChg>
-        <pc:picChg chg="del">
-          <ac:chgData name="손 경일" userId="0d74cfca41046d23" providerId="LiveId" clId="{2B3331C0-106D-47FE-96DC-961FF2E91C3F}" dt="2021-05-18T13:05:04.588" v="4" actId="478"/>
-          <ac:picMkLst>
-            <pc:docMk/>
-            <pc:sldMk cId="0" sldId="316"/>
-            <ac:picMk id="54" creationId="{00000000-0000-0000-0000-000000000000}"/>
-          </ac:picMkLst>
-        </pc:picChg>
-      </pc:sldChg>
-      <pc:sldChg chg="delSp mod">
-        <pc:chgData name="손 경일" userId="0d74cfca41046d23" providerId="LiveId" clId="{2B3331C0-106D-47FE-96DC-961FF2E91C3F}" dt="2021-05-18T13:05:02.373" v="3" actId="478"/>
-        <pc:sldMkLst>
-          <pc:docMk/>
-          <pc:sldMk cId="0" sldId="317"/>
-        </pc:sldMkLst>
-        <pc:picChg chg="del">
-          <ac:chgData name="손 경일" userId="0d74cfca41046d23" providerId="LiveId" clId="{2B3331C0-106D-47FE-96DC-961FF2E91C3F}" dt="2021-05-18T13:05:02.373" v="3" actId="478"/>
-          <ac:picMkLst>
-            <pc:docMk/>
-            <pc:sldMk cId="0" sldId="317"/>
-            <ac:picMk id="52" creationId="{00000000-0000-0000-0000-000000000000}"/>
-          </ac:picMkLst>
-        </pc:picChg>
-      </pc:sldChg>
-    </pc:docChg>
-  </pc:docChgLst>
-  <pc:docChgLst>
-    <pc:chgData name="손 경일" userId="0d74cfca41046d23" providerId="Windows Live" clId="Web-{2BB266FB-2409-4C5E-B71A-D12D434D6C17}"/>
-    <pc:docChg chg="addSld delSld modSld">
-      <pc:chgData name="손 경일" userId="0d74cfca41046d23" providerId="Windows Live" clId="Web-{2BB266FB-2409-4C5E-B71A-D12D434D6C17}" dt="2021-05-23T07:17:00.111" v="185" actId="14100"/>
-      <pc:docMkLst>
-        <pc:docMk/>
-      </pc:docMkLst>
-      <pc:sldChg chg="del">
-        <pc:chgData name="손 경일" userId="0d74cfca41046d23" providerId="Windows Live" clId="Web-{2BB266FB-2409-4C5E-B71A-D12D434D6C17}" dt="2021-05-23T07:15:32.110" v="169"/>
-        <pc:sldMkLst>
-          <pc:docMk/>
-          <pc:sldMk cId="0" sldId="316"/>
-        </pc:sldMkLst>
-      </pc:sldChg>
-      <pc:sldChg chg="del">
-        <pc:chgData name="손 경일" userId="0d74cfca41046d23" providerId="Windows Live" clId="Web-{2BB266FB-2409-4C5E-B71A-D12D434D6C17}" dt="2021-05-23T07:15:32.126" v="170"/>
-        <pc:sldMkLst>
-          <pc:docMk/>
-          <pc:sldMk cId="0" sldId="318"/>
-        </pc:sldMkLst>
-      </pc:sldChg>
-      <pc:sldChg chg="addSp modSp">
-        <pc:chgData name="손 경일" userId="0d74cfca41046d23" providerId="Windows Live" clId="Web-{2BB266FB-2409-4C5E-B71A-D12D434D6C17}" dt="2021-05-23T07:14:02.375" v="136"/>
-        <pc:sldMkLst>
-          <pc:docMk/>
-          <pc:sldMk cId="0" sldId="319"/>
-        </pc:sldMkLst>
-        <pc:spChg chg="mod">
-          <ac:chgData name="손 경일" userId="0d74cfca41046d23" providerId="Windows Live" clId="Web-{2BB266FB-2409-4C5E-B71A-D12D434D6C17}" dt="2021-05-23T07:13:47.578" v="109" actId="20577"/>
-          <ac:spMkLst>
-            <pc:docMk/>
-            <pc:sldMk cId="0" sldId="319"/>
-            <ac:spMk id="2" creationId="{D947EDEC-87FB-49C7-85A8-E21CE2ED0720}"/>
-          </ac:spMkLst>
-        </pc:spChg>
-        <pc:inkChg chg="add">
-          <ac:chgData name="손 경일" userId="0d74cfca41046d23" providerId="Windows Live" clId="Web-{2BB266FB-2409-4C5E-B71A-D12D434D6C17}" dt="2021-05-23T07:13:48" v="110"/>
-          <ac:inkMkLst>
-            <pc:docMk/>
-            <pc:sldMk cId="0" sldId="319"/>
-            <ac:inkMk id="3" creationId="{07D28BD5-157A-444E-AF27-DDBFDC62E3ED}"/>
-          </ac:inkMkLst>
-        </pc:inkChg>
-        <pc:inkChg chg="add">
-          <ac:chgData name="손 경일" userId="0d74cfca41046d23" providerId="Windows Live" clId="Web-{2BB266FB-2409-4C5E-B71A-D12D434D6C17}" dt="2021-05-23T07:13:50.172" v="111"/>
-          <ac:inkMkLst>
-            <pc:docMk/>
-            <pc:sldMk cId="0" sldId="319"/>
-            <ac:inkMk id="6" creationId="{15A25127-261F-4E6B-B22A-B747E0AADFC2}"/>
-          </ac:inkMkLst>
-        </pc:inkChg>
-        <pc:inkChg chg="add">
-          <ac:chgData name="손 경일" userId="0d74cfca41046d23" providerId="Windows Live" clId="Web-{2BB266FB-2409-4C5E-B71A-D12D434D6C17}" dt="2021-05-23T07:13:51.750" v="112"/>
-          <ac:inkMkLst>
-            <pc:docMk/>
-            <pc:sldMk cId="0" sldId="319"/>
-            <ac:inkMk id="7" creationId="{44544EC3-456B-41E7-922C-3E9D639B2758}"/>
-          </ac:inkMkLst>
-        </pc:inkChg>
-        <pc:inkChg chg="add">
-          <ac:chgData name="손 경일" userId="0d74cfca41046d23" providerId="Windows Live" clId="Web-{2BB266FB-2409-4C5E-B71A-D12D434D6C17}" dt="2021-05-23T07:13:51.781" v="113"/>
-          <ac:inkMkLst>
-            <pc:docMk/>
-            <pc:sldMk cId="0" sldId="319"/>
-            <ac:inkMk id="8" creationId="{F0CDBF00-DF70-4E8A-9645-AEBC6D3776F6}"/>
-          </ac:inkMkLst>
-        </pc:inkChg>
-        <pc:inkChg chg="add">
-          <ac:chgData name="손 경일" userId="0d74cfca41046d23" providerId="Windows Live" clId="Web-{2BB266FB-2409-4C5E-B71A-D12D434D6C17}" dt="2021-05-23T07:13:51.844" v="114"/>
-          <ac:inkMkLst>
-            <pc:docMk/>
-            <pc:sldMk cId="0" sldId="319"/>
-            <ac:inkMk id="11" creationId="{60763953-F34B-441B-8568-187C2E33601A}"/>
-          </ac:inkMkLst>
-        </pc:inkChg>
-        <pc:inkChg chg="add">
-          <ac:chgData name="손 경일" userId="0d74cfca41046d23" providerId="Windows Live" clId="Web-{2BB266FB-2409-4C5E-B71A-D12D434D6C17}" dt="2021-05-23T07:13:51.875" v="115"/>
-          <ac:inkMkLst>
-            <pc:docMk/>
-            <pc:sldMk cId="0" sldId="319"/>
-            <ac:inkMk id="12" creationId="{7F404959-6E9D-4DC1-89C9-750A92C196BA}"/>
-          </ac:inkMkLst>
-        </pc:inkChg>
-        <pc:inkChg chg="add">
-          <ac:chgData name="손 경일" userId="0d74cfca41046d23" providerId="Windows Live" clId="Web-{2BB266FB-2409-4C5E-B71A-D12D434D6C17}" dt="2021-05-23T07:13:53.360" v="116"/>
-          <ac:inkMkLst>
-            <pc:docMk/>
-            <pc:sldMk cId="0" sldId="319"/>
-            <ac:inkMk id="13" creationId="{5B91A275-DC3F-4515-B927-0F7851C9D453}"/>
-          </ac:inkMkLst>
-        </pc:inkChg>
-        <pc:inkChg chg="add">
-          <ac:chgData name="손 경일" userId="0d74cfca41046d23" providerId="Windows Live" clId="Web-{2BB266FB-2409-4C5E-B71A-D12D434D6C17}" dt="2021-05-23T07:13:53.391" v="117"/>
-          <ac:inkMkLst>
-            <pc:docMk/>
-            <pc:sldMk cId="0" sldId="319"/>
-            <ac:inkMk id="14" creationId="{D9801FE8-B2BA-4C0B-9757-E1D5F51E4A45}"/>
-          </ac:inkMkLst>
-        </pc:inkChg>
-        <pc:inkChg chg="add">
-          <ac:chgData name="손 경일" userId="0d74cfca41046d23" providerId="Windows Live" clId="Web-{2BB266FB-2409-4C5E-B71A-D12D434D6C17}" dt="2021-05-23T07:13:53.438" v="118"/>
-          <ac:inkMkLst>
-            <pc:docMk/>
-            <pc:sldMk cId="0" sldId="319"/>
-            <ac:inkMk id="15" creationId="{B78C0E00-5209-41BA-BA07-4C833BEBED12}"/>
-          </ac:inkMkLst>
-        </pc:inkChg>
-        <pc:inkChg chg="add">
-          <ac:chgData name="손 경일" userId="0d74cfca41046d23" providerId="Windows Live" clId="Web-{2BB266FB-2409-4C5E-B71A-D12D434D6C17}" dt="2021-05-23T07:13:57.250" v="119"/>
-          <ac:inkMkLst>
-            <pc:docMk/>
-            <pc:sldMk cId="0" sldId="319"/>
-            <ac:inkMk id="16" creationId="{DF854B05-585C-4EC7-BCF2-990115EA2570}"/>
-          </ac:inkMkLst>
-        </pc:inkChg>
-        <pc:inkChg chg="add">
-          <ac:chgData name="손 경일" userId="0d74cfca41046d23" providerId="Windows Live" clId="Web-{2BB266FB-2409-4C5E-B71A-D12D434D6C17}" dt="2021-05-23T07:13:57.297" v="120"/>
-          <ac:inkMkLst>
-            <pc:docMk/>
-            <pc:sldMk cId="0" sldId="319"/>
-            <ac:inkMk id="17" creationId="{D5578518-C83E-4410-A5FF-3DA085424BDD}"/>
-          </ac:inkMkLst>
-        </pc:inkChg>
-        <pc:inkChg chg="add">
-          <ac:chgData name="손 경일" userId="0d74cfca41046d23" providerId="Windows Live" clId="Web-{2BB266FB-2409-4C5E-B71A-D12D434D6C17}" dt="2021-05-23T07:13:57.344" v="121"/>
-          <ac:inkMkLst>
-            <pc:docMk/>
-            <pc:sldMk cId="0" sldId="319"/>
-            <ac:inkMk id="18" creationId="{E4056D54-EC3E-4018-A9FA-1E0F7BE474F4}"/>
-          </ac:inkMkLst>
-        </pc:inkChg>
-        <pc:inkChg chg="add">
-          <ac:chgData name="손 경일" userId="0d74cfca41046d23" providerId="Windows Live" clId="Web-{2BB266FB-2409-4C5E-B71A-D12D434D6C17}" dt="2021-05-23T07:13:57.391" v="122"/>
-          <ac:inkMkLst>
-            <pc:docMk/>
-            <pc:sldMk cId="0" sldId="319"/>
-            <ac:inkMk id="19" creationId="{338E7E0B-EAFE-4AF0-9E67-A5F4BDE70B1D}"/>
-          </ac:inkMkLst>
-        </pc:inkChg>
-        <pc:inkChg chg="add">
-          <ac:chgData name="손 경일" userId="0d74cfca41046d23" providerId="Windows Live" clId="Web-{2BB266FB-2409-4C5E-B71A-D12D434D6C17}" dt="2021-05-23T07:13:57.438" v="123"/>
-          <ac:inkMkLst>
-            <pc:docMk/>
-            <pc:sldMk cId="0" sldId="319"/>
-            <ac:inkMk id="20" creationId="{39928B39-E532-473C-B2B0-250639BC2C79}"/>
-          </ac:inkMkLst>
-        </pc:inkChg>
-        <pc:inkChg chg="add">
-          <ac:chgData name="손 경일" userId="0d74cfca41046d23" providerId="Windows Live" clId="Web-{2BB266FB-2409-4C5E-B71A-D12D434D6C17}" dt="2021-05-23T07:13:59.031" v="124"/>
-          <ac:inkMkLst>
-            <pc:docMk/>
-            <pc:sldMk cId="0" sldId="319"/>
-            <ac:inkMk id="25" creationId="{F13C3AD8-69B3-41B8-AACE-02CF223C426B}"/>
-          </ac:inkMkLst>
-        </pc:inkChg>
-        <pc:inkChg chg="add">
-          <ac:chgData name="손 경일" userId="0d74cfca41046d23" providerId="Windows Live" clId="Web-{2BB266FB-2409-4C5E-B71A-D12D434D6C17}" dt="2021-05-23T07:13:59.078" v="125"/>
-          <ac:inkMkLst>
-            <pc:docMk/>
-            <pc:sldMk cId="0" sldId="319"/>
-            <ac:inkMk id="28" creationId="{135B5C10-3E96-4F1C-87D4-7BA67D3299A3}"/>
-          </ac:inkMkLst>
-        </pc:inkChg>
-        <pc:inkChg chg="add">
-          <ac:chgData name="손 경일" userId="0d74cfca41046d23" providerId="Windows Live" clId="Web-{2BB266FB-2409-4C5E-B71A-D12D434D6C17}" dt="2021-05-23T07:13:59.125" v="126"/>
-          <ac:inkMkLst>
-            <pc:docMk/>
-            <pc:sldMk cId="0" sldId="319"/>
-            <ac:inkMk id="29" creationId="{E89F3910-8291-431A-8234-EA6E0FA15B78}"/>
-          </ac:inkMkLst>
-        </pc:inkChg>
-        <pc:inkChg chg="add">
-          <ac:chgData name="손 경일" userId="0d74cfca41046d23" providerId="Windows Live" clId="Web-{2BB266FB-2409-4C5E-B71A-D12D434D6C17}" dt="2021-05-23T07:13:59.172" v="127"/>
-          <ac:inkMkLst>
-            <pc:docMk/>
-            <pc:sldMk cId="0" sldId="319"/>
-            <ac:inkMk id="30" creationId="{EAADAA07-C145-46F9-B6FE-BF12706EA81A}"/>
-          </ac:inkMkLst>
-        </pc:inkChg>
-        <pc:inkChg chg="add">
-          <ac:chgData name="손 경일" userId="0d74cfca41046d23" providerId="Windows Live" clId="Web-{2BB266FB-2409-4C5E-B71A-D12D434D6C17}" dt="2021-05-23T07:13:59.219" v="128"/>
-          <ac:inkMkLst>
-            <pc:docMk/>
-            <pc:sldMk cId="0" sldId="319"/>
-            <ac:inkMk id="31" creationId="{AA5BF538-D6E7-44E3-AA93-0B5E071E9167}"/>
-          </ac:inkMkLst>
-        </pc:inkChg>
-        <pc:inkChg chg="add">
-          <ac:chgData name="손 경일" userId="0d74cfca41046d23" providerId="Windows Live" clId="Web-{2BB266FB-2409-4C5E-B71A-D12D434D6C17}" dt="2021-05-23T07:14:02.063" v="129"/>
-          <ac:inkMkLst>
-            <pc:docMk/>
-            <pc:sldMk cId="0" sldId="319"/>
-            <ac:inkMk id="32" creationId="{E166583A-B6B0-4F92-905C-72AEE2AE1DB2}"/>
-          </ac:inkMkLst>
-        </pc:inkChg>
-        <pc:inkChg chg="add">
-          <ac:chgData name="손 경일" userId="0d74cfca41046d23" providerId="Windows Live" clId="Web-{2BB266FB-2409-4C5E-B71A-D12D434D6C17}" dt="2021-05-23T07:14:02.110" v="130"/>
-          <ac:inkMkLst>
-            <pc:docMk/>
-            <pc:sldMk cId="0" sldId="319"/>
-            <ac:inkMk id="33" creationId="{8EDA820F-F242-49D1-9622-ED17DD308167}"/>
-          </ac:inkMkLst>
-        </pc:inkChg>
-        <pc:inkChg chg="add">
-          <ac:chgData name="손 경일" userId="0d74cfca41046d23" providerId="Windows Live" clId="Web-{2BB266FB-2409-4C5E-B71A-D12D434D6C17}" dt="2021-05-23T07:14:02.156" v="131"/>
-          <ac:inkMkLst>
-            <pc:docMk/>
-            <pc:sldMk cId="0" sldId="319"/>
-            <ac:inkMk id="34" creationId="{548F7E9C-195D-4010-9A0B-C422EE82F49B}"/>
-          </ac:inkMkLst>
-        </pc:inkChg>
-        <pc:inkChg chg="add">
-          <ac:chgData name="손 경일" userId="0d74cfca41046d23" providerId="Windows Live" clId="Web-{2BB266FB-2409-4C5E-B71A-D12D434D6C17}" dt="2021-05-23T07:14:02.203" v="132"/>
-          <ac:inkMkLst>
-            <pc:docMk/>
-            <pc:sldMk cId="0" sldId="319"/>
-            <ac:inkMk id="35" creationId="{72AED9B3-C2B9-4307-AF65-F5E63FBA05ED}"/>
-          </ac:inkMkLst>
-        </pc:inkChg>
-        <pc:inkChg chg="add">
-          <ac:chgData name="손 경일" userId="0d74cfca41046d23" providerId="Windows Live" clId="Web-{2BB266FB-2409-4C5E-B71A-D12D434D6C17}" dt="2021-05-23T07:14:02.250" v="133"/>
-          <ac:inkMkLst>
-            <pc:docMk/>
-            <pc:sldMk cId="0" sldId="319"/>
-            <ac:inkMk id="36" creationId="{40216153-06E6-42D8-A286-5185916CE455}"/>
-          </ac:inkMkLst>
-        </pc:inkChg>
-        <pc:inkChg chg="add">
-          <ac:chgData name="손 경일" userId="0d74cfca41046d23" providerId="Windows Live" clId="Web-{2BB266FB-2409-4C5E-B71A-D12D434D6C17}" dt="2021-05-23T07:14:02.297" v="134"/>
-          <ac:inkMkLst>
-            <pc:docMk/>
-            <pc:sldMk cId="0" sldId="319"/>
-            <ac:inkMk id="41" creationId="{5CDF90E4-9252-4D2C-9FFA-17660F233885}"/>
-          </ac:inkMkLst>
-        </pc:inkChg>
-        <pc:inkChg chg="add">
-          <ac:chgData name="손 경일" userId="0d74cfca41046d23" providerId="Windows Live" clId="Web-{2BB266FB-2409-4C5E-B71A-D12D434D6C17}" dt="2021-05-23T07:14:02.328" v="135"/>
-          <ac:inkMkLst>
-            <pc:docMk/>
-            <pc:sldMk cId="0" sldId="319"/>
-            <ac:inkMk id="42" creationId="{AF4D0859-52DB-4FCD-A0A7-6B5AC89DA5C8}"/>
-          </ac:inkMkLst>
-        </pc:inkChg>
-        <pc:inkChg chg="add">
-          <ac:chgData name="손 경일" userId="0d74cfca41046d23" providerId="Windows Live" clId="Web-{2BB266FB-2409-4C5E-B71A-D12D434D6C17}" dt="2021-05-23T07:14:02.375" v="136"/>
-          <ac:inkMkLst>
-            <pc:docMk/>
-            <pc:sldMk cId="0" sldId="319"/>
-            <ac:inkMk id="43" creationId="{C9A76115-37BC-4ABD-B57E-35ADB3CCA85E}"/>
-          </ac:inkMkLst>
-        </pc:inkChg>
-      </pc:sldChg>
-      <pc:sldChg chg="del">
-        <pc:chgData name="손 경일" userId="0d74cfca41046d23" providerId="Windows Live" clId="Web-{2BB266FB-2409-4C5E-B71A-D12D434D6C17}" dt="2021-05-23T07:14:17.032" v="138"/>
-        <pc:sldMkLst>
-          <pc:docMk/>
-          <pc:sldMk cId="0" sldId="320"/>
-        </pc:sldMkLst>
-      </pc:sldChg>
-      <pc:sldChg chg="addSp delSp modSp add replId">
-        <pc:chgData name="손 경일" userId="0d74cfca41046d23" providerId="Windows Live" clId="Web-{2BB266FB-2409-4C5E-B71A-D12D434D6C17}" dt="2021-05-23T07:16:02.470" v="173"/>
-        <pc:sldMkLst>
-          <pc:docMk/>
-          <pc:sldMk cId="4011740840" sldId="336"/>
-        </pc:sldMkLst>
-        <pc:spChg chg="del">
-          <ac:chgData name="손 경일" userId="0d74cfca41046d23" providerId="Windows Live" clId="Web-{2BB266FB-2409-4C5E-B71A-D12D434D6C17}" dt="2021-05-23T07:15:10.719" v="165"/>
-          <ac:spMkLst>
-            <pc:docMk/>
-            <pc:sldMk cId="4011740840" sldId="336"/>
-            <ac:spMk id="2" creationId="{D947EDEC-87FB-49C7-85A8-E21CE2ED0720}"/>
-          </ac:spMkLst>
-        </pc:spChg>
-        <pc:picChg chg="add mod">
-          <ac:chgData name="손 경일" userId="0d74cfca41046d23" providerId="Windows Live" clId="Web-{2BB266FB-2409-4C5E-B71A-D12D434D6C17}" dt="2021-05-23T07:15:25.985" v="168" actId="14100"/>
-          <ac:picMkLst>
-            <pc:docMk/>
-            <pc:sldMk cId="4011740840" sldId="336"/>
-            <ac:picMk id="44" creationId="{269C450C-09FE-4E2D-98FB-9B926CA38723}"/>
-          </ac:picMkLst>
-        </pc:picChg>
-        <pc:picChg chg="add del mod">
-          <ac:chgData name="손 경일" userId="0d74cfca41046d23" providerId="Windows Live" clId="Web-{2BB266FB-2409-4C5E-B71A-D12D434D6C17}" dt="2021-05-23T07:16:02.470" v="173"/>
-          <ac:picMkLst>
-            <pc:docMk/>
-            <pc:sldMk cId="4011740840" sldId="336"/>
-            <ac:picMk id="45" creationId="{766E8BB8-ADAD-4288-98B4-0A2A19F11C30}"/>
-          </ac:picMkLst>
-        </pc:picChg>
-        <pc:inkChg chg="del">
-          <ac:chgData name="손 경일" userId="0d74cfca41046d23" providerId="Windows Live" clId="Web-{2BB266FB-2409-4C5E-B71A-D12D434D6C17}" dt="2021-05-23T07:14:25.110" v="164"/>
-          <ac:inkMkLst>
-            <pc:docMk/>
-            <pc:sldMk cId="4011740840" sldId="336"/>
-            <ac:inkMk id="6" creationId="{15A25127-261F-4E6B-B22A-B747E0AADFC2}"/>
-          </ac:inkMkLst>
-        </pc:inkChg>
-        <pc:inkChg chg="del">
-          <ac:chgData name="손 경일" userId="0d74cfca41046d23" providerId="Windows Live" clId="Web-{2BB266FB-2409-4C5E-B71A-D12D434D6C17}" dt="2021-05-23T07:14:25.110" v="163"/>
-          <ac:inkMkLst>
-            <pc:docMk/>
-            <pc:sldMk cId="4011740840" sldId="336"/>
-            <ac:inkMk id="7" creationId="{44544EC3-456B-41E7-922C-3E9D639B2758}"/>
-          </ac:inkMkLst>
-        </pc:inkChg>
-        <pc:inkChg chg="del">
-          <ac:chgData name="손 경일" userId="0d74cfca41046d23" providerId="Windows Live" clId="Web-{2BB266FB-2409-4C5E-B71A-D12D434D6C17}" dt="2021-05-23T07:14:25.110" v="162"/>
-          <ac:inkMkLst>
-            <pc:docMk/>
-            <pc:sldMk cId="4011740840" sldId="336"/>
-            <ac:inkMk id="8" creationId="{F0CDBF00-DF70-4E8A-9645-AEBC6D3776F6}"/>
-          </ac:inkMkLst>
-        </pc:inkChg>
-        <pc:inkChg chg="del">
-          <ac:chgData name="손 경일" userId="0d74cfca41046d23" providerId="Windows Live" clId="Web-{2BB266FB-2409-4C5E-B71A-D12D434D6C17}" dt="2021-05-23T07:14:25.110" v="161"/>
-          <ac:inkMkLst>
-            <pc:docMk/>
-            <pc:sldMk cId="4011740840" sldId="336"/>
-            <ac:inkMk id="11" creationId="{60763953-F34B-441B-8568-187C2E33601A}"/>
-          </ac:inkMkLst>
-        </pc:inkChg>
-        <pc:inkChg chg="del">
-          <ac:chgData name="손 경일" userId="0d74cfca41046d23" providerId="Windows Live" clId="Web-{2BB266FB-2409-4C5E-B71A-D12D434D6C17}" dt="2021-05-23T07:14:25.110" v="160"/>
-          <ac:inkMkLst>
-            <pc:docMk/>
-            <pc:sldMk cId="4011740840" sldId="336"/>
-            <ac:inkMk id="12" creationId="{7F404959-6E9D-4DC1-89C9-750A92C196BA}"/>
-          </ac:inkMkLst>
-        </pc:inkChg>
-        <pc:inkChg chg="del">
-          <ac:chgData name="손 경일" userId="0d74cfca41046d23" providerId="Windows Live" clId="Web-{2BB266FB-2409-4C5E-B71A-D12D434D6C17}" dt="2021-05-23T07:14:25.094" v="159"/>
-          <ac:inkMkLst>
-            <pc:docMk/>
-            <pc:sldMk cId="4011740840" sldId="336"/>
-            <ac:inkMk id="13" creationId="{5B91A275-DC3F-4515-B927-0F7851C9D453}"/>
-          </ac:inkMkLst>
-        </pc:inkChg>
-        <pc:inkChg chg="del">
-          <ac:chgData name="손 경일" userId="0d74cfca41046d23" providerId="Windows Live" clId="Web-{2BB266FB-2409-4C5E-B71A-D12D434D6C17}" dt="2021-05-23T07:14:25.094" v="158"/>
-          <ac:inkMkLst>
-            <pc:docMk/>
-            <pc:sldMk cId="4011740840" sldId="336"/>
-            <ac:inkMk id="14" creationId="{D9801FE8-B2BA-4C0B-9757-E1D5F51E4A45}"/>
-          </ac:inkMkLst>
-        </pc:inkChg>
-        <pc:inkChg chg="del">
-          <ac:chgData name="손 경일" userId="0d74cfca41046d23" providerId="Windows Live" clId="Web-{2BB266FB-2409-4C5E-B71A-D12D434D6C17}" dt="2021-05-23T07:14:25.094" v="157"/>
-          <ac:inkMkLst>
-            <pc:docMk/>
-            <pc:sldMk cId="4011740840" sldId="336"/>
-            <ac:inkMk id="15" creationId="{B78C0E00-5209-41BA-BA07-4C833BEBED12}"/>
-          </ac:inkMkLst>
-        </pc:inkChg>
-        <pc:inkChg chg="del">
-          <ac:chgData name="손 경일" userId="0d74cfca41046d23" providerId="Windows Live" clId="Web-{2BB266FB-2409-4C5E-B71A-D12D434D6C17}" dt="2021-05-23T07:14:25.094" v="156"/>
-          <ac:inkMkLst>
-            <pc:docMk/>
-            <pc:sldMk cId="4011740840" sldId="336"/>
-            <ac:inkMk id="16" creationId="{DF854B05-585C-4EC7-BCF2-990115EA2570}"/>
-          </ac:inkMkLst>
-        </pc:inkChg>
-        <pc:inkChg chg="del">
-          <ac:chgData name="손 경일" userId="0d74cfca41046d23" providerId="Windows Live" clId="Web-{2BB266FB-2409-4C5E-B71A-D12D434D6C17}" dt="2021-05-23T07:14:25.094" v="155"/>
-          <ac:inkMkLst>
-            <pc:docMk/>
-            <pc:sldMk cId="4011740840" sldId="336"/>
-            <ac:inkMk id="17" creationId="{D5578518-C83E-4410-A5FF-3DA085424BDD}"/>
-          </ac:inkMkLst>
-        </pc:inkChg>
-        <pc:inkChg chg="del">
-          <ac:chgData name="손 경일" userId="0d74cfca41046d23" providerId="Windows Live" clId="Web-{2BB266FB-2409-4C5E-B71A-D12D434D6C17}" dt="2021-05-23T07:14:25.094" v="154"/>
-          <ac:inkMkLst>
-            <pc:docMk/>
-            <pc:sldMk cId="4011740840" sldId="336"/>
-            <ac:inkMk id="18" creationId="{E4056D54-EC3E-4018-A9FA-1E0F7BE474F4}"/>
-          </ac:inkMkLst>
-        </pc:inkChg>
-        <pc:inkChg chg="del">
-          <ac:chgData name="손 경일" userId="0d74cfca41046d23" providerId="Windows Live" clId="Web-{2BB266FB-2409-4C5E-B71A-D12D434D6C17}" dt="2021-05-23T07:14:25.094" v="153"/>
-          <ac:inkMkLst>
-            <pc:docMk/>
-            <pc:sldMk cId="4011740840" sldId="336"/>
-            <ac:inkMk id="19" creationId="{338E7E0B-EAFE-4AF0-9E67-A5F4BDE70B1D}"/>
-          </ac:inkMkLst>
-        </pc:inkChg>
-        <pc:inkChg chg="del">
-          <ac:chgData name="손 경일" userId="0d74cfca41046d23" providerId="Windows Live" clId="Web-{2BB266FB-2409-4C5E-B71A-D12D434D6C17}" dt="2021-05-23T07:14:25.094" v="152"/>
-          <ac:inkMkLst>
-            <pc:docMk/>
-            <pc:sldMk cId="4011740840" sldId="336"/>
-            <ac:inkMk id="20" creationId="{39928B39-E532-473C-B2B0-250639BC2C79}"/>
-          </ac:inkMkLst>
-        </pc:inkChg>
-        <pc:inkChg chg="del">
-          <ac:chgData name="손 경일" userId="0d74cfca41046d23" providerId="Windows Live" clId="Web-{2BB266FB-2409-4C5E-B71A-D12D434D6C17}" dt="2021-05-23T07:14:25.094" v="151"/>
-          <ac:inkMkLst>
-            <pc:docMk/>
-            <pc:sldMk cId="4011740840" sldId="336"/>
-            <ac:inkMk id="25" creationId="{F13C3AD8-69B3-41B8-AACE-02CF223C426B}"/>
-          </ac:inkMkLst>
-        </pc:inkChg>
-        <pc:inkChg chg="del">
-          <ac:chgData name="손 경일" userId="0d74cfca41046d23" providerId="Windows Live" clId="Web-{2BB266FB-2409-4C5E-B71A-D12D434D6C17}" dt="2021-05-23T07:14:25.094" v="150"/>
-          <ac:inkMkLst>
-            <pc:docMk/>
-            <pc:sldMk cId="4011740840" sldId="336"/>
-            <ac:inkMk id="28" creationId="{135B5C10-3E96-4F1C-87D4-7BA67D3299A3}"/>
-          </ac:inkMkLst>
-        </pc:inkChg>
-        <pc:inkChg chg="del">
-          <ac:chgData name="손 경일" userId="0d74cfca41046d23" providerId="Windows Live" clId="Web-{2BB266FB-2409-4C5E-B71A-D12D434D6C17}" dt="2021-05-23T07:14:25.079" v="149"/>
-          <ac:inkMkLst>
-            <pc:docMk/>
-            <pc:sldMk cId="4011740840" sldId="336"/>
-            <ac:inkMk id="29" creationId="{E89F3910-8291-431A-8234-EA6E0FA15B78}"/>
-          </ac:inkMkLst>
-        </pc:inkChg>
-        <pc:inkChg chg="del">
-          <ac:chgData name="손 경일" userId="0d74cfca41046d23" providerId="Windows Live" clId="Web-{2BB266FB-2409-4C5E-B71A-D12D434D6C17}" dt="2021-05-23T07:14:25.079" v="148"/>
-          <ac:inkMkLst>
-            <pc:docMk/>
-            <pc:sldMk cId="4011740840" sldId="336"/>
-            <ac:inkMk id="30" creationId="{EAADAA07-C145-46F9-B6FE-BF12706EA81A}"/>
-          </ac:inkMkLst>
-        </pc:inkChg>
-        <pc:inkChg chg="del">
-          <ac:chgData name="손 경일" userId="0d74cfca41046d23" providerId="Windows Live" clId="Web-{2BB266FB-2409-4C5E-B71A-D12D434D6C17}" dt="2021-05-23T07:14:25.079" v="147"/>
-          <ac:inkMkLst>
-            <pc:docMk/>
-            <pc:sldMk cId="4011740840" sldId="336"/>
-            <ac:inkMk id="31" creationId="{AA5BF538-D6E7-44E3-AA93-0B5E071E9167}"/>
-          </ac:inkMkLst>
-        </pc:inkChg>
-        <pc:inkChg chg="del">
-          <ac:chgData name="손 경일" userId="0d74cfca41046d23" providerId="Windows Live" clId="Web-{2BB266FB-2409-4C5E-B71A-D12D434D6C17}" dt="2021-05-23T07:14:25.079" v="146"/>
-          <ac:inkMkLst>
-            <pc:docMk/>
-            <pc:sldMk cId="4011740840" sldId="336"/>
-            <ac:inkMk id="32" creationId="{E166583A-B6B0-4F92-905C-72AEE2AE1DB2}"/>
-          </ac:inkMkLst>
-        </pc:inkChg>
-        <pc:inkChg chg="del">
-          <ac:chgData name="손 경일" userId="0d74cfca41046d23" providerId="Windows Live" clId="Web-{2BB266FB-2409-4C5E-B71A-D12D434D6C17}" dt="2021-05-23T07:14:25.079" v="145"/>
-          <ac:inkMkLst>
-            <pc:docMk/>
-            <pc:sldMk cId="4011740840" sldId="336"/>
-            <ac:inkMk id="33" creationId="{8EDA820F-F242-49D1-9622-ED17DD308167}"/>
-          </ac:inkMkLst>
-        </pc:inkChg>
-        <pc:inkChg chg="del">
-          <ac:chgData name="손 경일" userId="0d74cfca41046d23" providerId="Windows Live" clId="Web-{2BB266FB-2409-4C5E-B71A-D12D434D6C17}" dt="2021-05-23T07:14:25.079" v="144"/>
-          <ac:inkMkLst>
-            <pc:docMk/>
-            <pc:sldMk cId="4011740840" sldId="336"/>
-            <ac:inkMk id="34" creationId="{548F7E9C-195D-4010-9A0B-C422EE82F49B}"/>
-          </ac:inkMkLst>
-        </pc:inkChg>
-        <pc:inkChg chg="del">
-          <ac:chgData name="손 경일" userId="0d74cfca41046d23" providerId="Windows Live" clId="Web-{2BB266FB-2409-4C5E-B71A-D12D434D6C17}" dt="2021-05-23T07:14:25.079" v="143"/>
-          <ac:inkMkLst>
-            <pc:docMk/>
-            <pc:sldMk cId="4011740840" sldId="336"/>
-            <ac:inkMk id="35" creationId="{72AED9B3-C2B9-4307-AF65-F5E63FBA05ED}"/>
-          </ac:inkMkLst>
-        </pc:inkChg>
-        <pc:inkChg chg="del">
-          <ac:chgData name="손 경일" userId="0d74cfca41046d23" providerId="Windows Live" clId="Web-{2BB266FB-2409-4C5E-B71A-D12D434D6C17}" dt="2021-05-23T07:14:25.079" v="142"/>
-          <ac:inkMkLst>
-            <pc:docMk/>
-            <pc:sldMk cId="4011740840" sldId="336"/>
-            <ac:inkMk id="36" creationId="{40216153-06E6-42D8-A286-5185916CE455}"/>
-          </ac:inkMkLst>
-        </pc:inkChg>
-        <pc:inkChg chg="del">
-          <ac:chgData name="손 경일" userId="0d74cfca41046d23" providerId="Windows Live" clId="Web-{2BB266FB-2409-4C5E-B71A-D12D434D6C17}" dt="2021-05-23T07:14:25.079" v="141"/>
-          <ac:inkMkLst>
-            <pc:docMk/>
-            <pc:sldMk cId="4011740840" sldId="336"/>
-            <ac:inkMk id="41" creationId="{5CDF90E4-9252-4D2C-9FFA-17660F233885}"/>
-          </ac:inkMkLst>
-        </pc:inkChg>
-        <pc:inkChg chg="del">
-          <ac:chgData name="손 경일" userId="0d74cfca41046d23" providerId="Windows Live" clId="Web-{2BB266FB-2409-4C5E-B71A-D12D434D6C17}" dt="2021-05-23T07:14:25.063" v="140"/>
-          <ac:inkMkLst>
-            <pc:docMk/>
-            <pc:sldMk cId="4011740840" sldId="336"/>
-            <ac:inkMk id="42" creationId="{AF4D0859-52DB-4FCD-A0A7-6B5AC89DA5C8}"/>
-          </ac:inkMkLst>
-        </pc:inkChg>
-        <pc:inkChg chg="del">
-          <ac:chgData name="손 경일" userId="0d74cfca41046d23" providerId="Windows Live" clId="Web-{2BB266FB-2409-4C5E-B71A-D12D434D6C17}" dt="2021-05-23T07:14:25.063" v="139"/>
-          <ac:inkMkLst>
-            <pc:docMk/>
-            <pc:sldMk cId="4011740840" sldId="336"/>
-            <ac:inkMk id="43" creationId="{C9A76115-37BC-4ABD-B57E-35ADB3CCA85E}"/>
-          </ac:inkMkLst>
-        </pc:inkChg>
-      </pc:sldChg>
-      <pc:sldChg chg="addSp delSp modSp add replId">
-        <pc:chgData name="손 경일" userId="0d74cfca41046d23" providerId="Windows Live" clId="Web-{2BB266FB-2409-4C5E-B71A-D12D434D6C17}" dt="2021-05-23T07:17:00.111" v="185" actId="14100"/>
-        <pc:sldMkLst>
-          <pc:docMk/>
-          <pc:sldMk cId="2376748098" sldId="337"/>
-        </pc:sldMkLst>
-        <pc:picChg chg="add mod">
-          <ac:chgData name="손 경일" userId="0d74cfca41046d23" providerId="Windows Live" clId="Web-{2BB266FB-2409-4C5E-B71A-D12D434D6C17}" dt="2021-05-23T07:17:00.111" v="185" actId="14100"/>
-          <ac:picMkLst>
-            <pc:docMk/>
-            <pc:sldMk cId="2376748098" sldId="337"/>
-            <ac:picMk id="2" creationId="{31EABCC1-E15D-418E-BEF5-CD0045516BE4}"/>
-          </ac:picMkLst>
-        </pc:picChg>
-        <pc:picChg chg="del">
-          <ac:chgData name="손 경일" userId="0d74cfca41046d23" providerId="Windows Live" clId="Web-{2BB266FB-2409-4C5E-B71A-D12D434D6C17}" dt="2021-05-23T07:16:04.110" v="174"/>
-          <ac:picMkLst>
-            <pc:docMk/>
-            <pc:sldMk cId="2376748098" sldId="337"/>
-            <ac:picMk id="44" creationId="{269C450C-09FE-4E2D-98FB-9B926CA38723}"/>
-          </ac:picMkLst>
-        </pc:picChg>
-        <pc:picChg chg="mod">
-          <ac:chgData name="손 경일" userId="0d74cfca41046d23" providerId="Windows Live" clId="Web-{2BB266FB-2409-4C5E-B71A-D12D434D6C17}" dt="2021-05-23T07:16:58.001" v="183" actId="14100"/>
-          <ac:picMkLst>
-            <pc:docMk/>
-            <pc:sldMk cId="2376748098" sldId="337"/>
-            <ac:picMk id="45" creationId="{766E8BB8-ADAD-4288-98B4-0A2A19F11C30}"/>
-          </ac:picMkLst>
-        </pc:picChg>
-      </pc:sldChg>
-      <pc:sldChg chg="add replId">
-        <pc:chgData name="손 경일" userId="0d74cfca41046d23" providerId="Windows Live" clId="Web-{2BB266FB-2409-4C5E-B71A-D12D434D6C17}" dt="2021-05-23T07:16:46.048" v="180"/>
-        <pc:sldMkLst>
-          <pc:docMk/>
-          <pc:sldMk cId="1959191214" sldId="338"/>
-        </pc:sldMkLst>
-      </pc:sldChg>
-    </pc:docChg>
-  </pc:docChgLst>
-  <pc:docChgLst>
-    <pc:chgData name="손 경일" userId="0d74cfca41046d23" providerId="Windows Live" clId="Web-{CC4C286C-218A-473F-8DB1-E27B16DC99A0}"/>
-    <pc:docChg chg="addSld modSld sldOrd">
-      <pc:chgData name="손 경일" userId="0d74cfca41046d23" providerId="Windows Live" clId="Web-{CC4C286C-218A-473F-8DB1-E27B16DC99A0}" dt="2021-05-23T06:22:03.669" v="2277" actId="20577"/>
-      <pc:docMkLst>
-        <pc:docMk/>
-      </pc:docMkLst>
-      <pc:sldChg chg="delSp modSp">
-        <pc:chgData name="손 경일" userId="0d74cfca41046d23" providerId="Windows Live" clId="Web-{CC4C286C-218A-473F-8DB1-E27B16DC99A0}" dt="2021-05-23T01:46:20.074" v="162" actId="1076"/>
-        <pc:sldMkLst>
-          <pc:docMk/>
-          <pc:sldMk cId="0" sldId="276"/>
-        </pc:sldMkLst>
-        <pc:spChg chg="mod">
-          <ac:chgData name="손 경일" userId="0d74cfca41046d23" providerId="Windows Live" clId="Web-{CC4C286C-218A-473F-8DB1-E27B16DC99A0}" dt="2021-05-23T01:46:20.074" v="162" actId="1076"/>
-          <ac:spMkLst>
-            <pc:docMk/>
-            <pc:sldMk cId="0" sldId="276"/>
-            <ac:spMk id="4" creationId="{00000000-0000-0000-0000-000000000000}"/>
-          </ac:spMkLst>
-        </pc:spChg>
-        <pc:spChg chg="mod">
-          <ac:chgData name="손 경일" userId="0d74cfca41046d23" providerId="Windows Live" clId="Web-{CC4C286C-218A-473F-8DB1-E27B16DC99A0}" dt="2021-05-23T01:37:19.124" v="39" actId="20577"/>
-          <ac:spMkLst>
-            <pc:docMk/>
-            <pc:sldMk cId="0" sldId="276"/>
-            <ac:spMk id="5" creationId="{00000000-0000-0000-0000-000000000000}"/>
-          </ac:spMkLst>
-        </pc:spChg>
-        <pc:spChg chg="mod">
-          <ac:chgData name="손 경일" userId="0d74cfca41046d23" providerId="Windows Live" clId="Web-{CC4C286C-218A-473F-8DB1-E27B16DC99A0}" dt="2021-05-22T22:31:23.353" v="14" actId="20577"/>
-          <ac:spMkLst>
-            <pc:docMk/>
-            <pc:sldMk cId="0" sldId="276"/>
-            <ac:spMk id="7" creationId="{00000000-0000-0000-0000-000000000000}"/>
-          </ac:spMkLst>
-        </pc:spChg>
-        <pc:spChg chg="del">
-          <ac:chgData name="손 경일" userId="0d74cfca41046d23" providerId="Windows Live" clId="Web-{CC4C286C-218A-473F-8DB1-E27B16DC99A0}" dt="2021-05-22T22:31:26.775" v="15"/>
-          <ac:spMkLst>
-            <pc:docMk/>
-            <pc:sldMk cId="0" sldId="276"/>
-            <ac:spMk id="8" creationId="{00000000-0000-0000-0000-000000000000}"/>
-          </ac:spMkLst>
-        </pc:spChg>
-      </pc:sldChg>
-      <pc:sldChg chg="addSp delSp modSp">
-        <pc:chgData name="손 경일" userId="0d74cfca41046d23" providerId="Windows Live" clId="Web-{CC4C286C-218A-473F-8DB1-E27B16DC99A0}" dt="2021-05-23T03:56:15.500" v="456" actId="20577"/>
-        <pc:sldMkLst>
-          <pc:docMk/>
-          <pc:sldMk cId="0" sldId="279"/>
-        </pc:sldMkLst>
-        <pc:spChg chg="mod">
-          <ac:chgData name="손 경일" userId="0d74cfca41046d23" providerId="Windows Live" clId="Web-{CC4C286C-218A-473F-8DB1-E27B16DC99A0}" dt="2021-05-23T03:56:15.500" v="456" actId="20577"/>
-          <ac:spMkLst>
-            <pc:docMk/>
-            <pc:sldMk cId="0" sldId="279"/>
-            <ac:spMk id="4" creationId="{00000000-0000-0000-0000-000000000000}"/>
-          </ac:spMkLst>
-        </pc:spChg>
-        <pc:spChg chg="mod">
-          <ac:chgData name="손 경일" userId="0d74cfca41046d23" providerId="Windows Live" clId="Web-{CC4C286C-218A-473F-8DB1-E27B16DC99A0}" dt="2021-05-23T03:56:04.140" v="454" actId="14100"/>
-          <ac:spMkLst>
-            <pc:docMk/>
-            <pc:sldMk cId="0" sldId="279"/>
-            <ac:spMk id="6" creationId="{00000000-0000-0000-0000-000000000000}"/>
-          </ac:spMkLst>
-        </pc:spChg>
-        <pc:grpChg chg="mod">
-          <ac:chgData name="손 경일" userId="0d74cfca41046d23" providerId="Windows Live" clId="Web-{CC4C286C-218A-473F-8DB1-E27B16DC99A0}" dt="2021-05-23T03:56:10.375" v="455" actId="1076"/>
-          <ac:grpSpMkLst>
-            <pc:docMk/>
-            <pc:sldMk cId="0" sldId="279"/>
-            <ac:grpSpMk id="2" creationId="{00000000-0000-0000-0000-000000000000}"/>
-          </ac:grpSpMkLst>
-        </pc:grpChg>
-        <pc:grpChg chg="add del">
-          <ac:chgData name="손 경일" userId="0d74cfca41046d23" providerId="Windows Live" clId="Web-{CC4C286C-218A-473F-8DB1-E27B16DC99A0}" dt="2021-05-23T01:44:14.994" v="137"/>
-          <ac:grpSpMkLst>
-            <pc:docMk/>
-            <pc:sldMk cId="0" sldId="279"/>
-            <ac:grpSpMk id="3" creationId="{58DB1ED2-EBC3-4A6C-BD28-D09252EC73D6}"/>
-          </ac:grpSpMkLst>
-        </pc:grpChg>
-      </pc:sldChg>
-      <pc:sldChg chg="modSp">
-        <pc:chgData name="손 경일" userId="0d74cfca41046d23" providerId="Windows Live" clId="Web-{CC4C286C-218A-473F-8DB1-E27B16DC99A0}" dt="2021-05-23T03:55:47.703" v="453" actId="14100"/>
-        <pc:sldMkLst>
-          <pc:docMk/>
-          <pc:sldMk cId="0" sldId="281"/>
-        </pc:sldMkLst>
-        <pc:spChg chg="mod">
-          <ac:chgData name="손 경일" userId="0d74cfca41046d23" providerId="Windows Live" clId="Web-{CC4C286C-218A-473F-8DB1-E27B16DC99A0}" dt="2021-05-23T03:55:47.703" v="453" actId="14100"/>
-          <ac:spMkLst>
-            <pc:docMk/>
-            <pc:sldMk cId="0" sldId="281"/>
-            <ac:spMk id="4" creationId="{00000000-0000-0000-0000-000000000000}"/>
-          </ac:spMkLst>
-        </pc:spChg>
-      </pc:sldChg>
-      <pc:sldChg chg="modSp ord">
-        <pc:chgData name="손 경일" userId="0d74cfca41046d23" providerId="Windows Live" clId="Web-{CC4C286C-218A-473F-8DB1-E27B16DC99A0}" dt="2021-05-23T04:38:15.165" v="1228" actId="20577"/>
-        <pc:sldMkLst>
-          <pc:docMk/>
-          <pc:sldMk cId="0" sldId="282"/>
-        </pc:sldMkLst>
-        <pc:spChg chg="mod">
-          <ac:chgData name="손 경일" userId="0d74cfca41046d23" providerId="Windows Live" clId="Web-{CC4C286C-218A-473F-8DB1-E27B16DC99A0}" dt="2021-05-23T04:38:15.165" v="1228" actId="20577"/>
-          <ac:spMkLst>
-            <pc:docMk/>
-            <pc:sldMk cId="0" sldId="282"/>
-            <ac:spMk id="4" creationId="{00000000-0000-0000-0000-000000000000}"/>
-          </ac:spMkLst>
-        </pc:spChg>
-      </pc:sldChg>
-      <pc:sldChg chg="addSp delSp modSp">
-        <pc:chgData name="손 경일" userId="0d74cfca41046d23" providerId="Windows Live" clId="Web-{CC4C286C-218A-473F-8DB1-E27B16DC99A0}" dt="2021-05-23T05:29:46.118" v="1754" actId="14100"/>
-        <pc:sldMkLst>
-          <pc:docMk/>
-          <pc:sldMk cId="0" sldId="289"/>
-        </pc:sldMkLst>
-        <pc:picChg chg="add mod">
-          <ac:chgData name="손 경일" userId="0d74cfca41046d23" providerId="Windows Live" clId="Web-{CC4C286C-218A-473F-8DB1-E27B16DC99A0}" dt="2021-05-23T05:29:46.118" v="1754" actId="14100"/>
-          <ac:picMkLst>
-            <pc:docMk/>
-            <pc:sldMk cId="0" sldId="289"/>
-            <ac:picMk id="2" creationId="{23A22E07-BC4C-4D71-B3F1-8431237E8E13}"/>
-          </ac:picMkLst>
-        </pc:picChg>
-        <pc:picChg chg="del">
-          <ac:chgData name="손 경일" userId="0d74cfca41046d23" providerId="Windows Live" clId="Web-{CC4C286C-218A-473F-8DB1-E27B16DC99A0}" dt="2021-05-23T05:29:40.743" v="1751"/>
-          <ac:picMkLst>
-            <pc:docMk/>
-            <pc:sldMk cId="0" sldId="289"/>
-            <ac:picMk id="26" creationId="{00000000-0000-0000-0000-000000000000}"/>
-          </ac:picMkLst>
-        </pc:picChg>
-      </pc:sldChg>
-      <pc:sldChg chg="addSp delSp modSp">
-        <pc:chgData name="손 경일" userId="0d74cfca41046d23" providerId="Windows Live" clId="Web-{CC4C286C-218A-473F-8DB1-E27B16DC99A0}" dt="2021-05-23T04:31:40.311" v="1137"/>
-        <pc:sldMkLst>
-          <pc:docMk/>
-          <pc:sldMk cId="0" sldId="305"/>
-        </pc:sldMkLst>
-        <pc:spChg chg="mod">
-          <ac:chgData name="손 경일" userId="0d74cfca41046d23" providerId="Windows Live" clId="Web-{CC4C286C-218A-473F-8DB1-E27B16DC99A0}" dt="2021-05-23T04:01:58.382" v="612" actId="1076"/>
-          <ac:spMkLst>
-            <pc:docMk/>
-            <pc:sldMk cId="0" sldId="305"/>
-            <ac:spMk id="31" creationId="{00000000-0000-0000-0000-000000000000}"/>
-          </ac:spMkLst>
-        </pc:spChg>
-        <pc:spChg chg="mod">
-          <ac:chgData name="손 경일" userId="0d74cfca41046d23" providerId="Windows Live" clId="Web-{CC4C286C-218A-473F-8DB1-E27B16DC99A0}" dt="2021-05-23T04:01:58.414" v="613" actId="1076"/>
-          <ac:spMkLst>
-            <pc:docMk/>
-            <pc:sldMk cId="0" sldId="305"/>
-            <ac:spMk id="33" creationId="{00000000-0000-0000-0000-000000000000}"/>
-          </ac:spMkLst>
-        </pc:spChg>
-        <pc:spChg chg="mod">
-          <ac:chgData name="손 경일" userId="0d74cfca41046d23" providerId="Windows Live" clId="Web-{CC4C286C-218A-473F-8DB1-E27B16DC99A0}" dt="2021-05-23T04:01:58.445" v="614" actId="1076"/>
-          <ac:spMkLst>
-            <pc:docMk/>
-            <pc:sldMk cId="0" sldId="305"/>
-            <ac:spMk id="34" creationId="{00000000-0000-0000-0000-000000000000}"/>
-          </ac:spMkLst>
-        </pc:spChg>
-        <pc:spChg chg="mod">
-          <ac:chgData name="손 경일" userId="0d74cfca41046d23" providerId="Windows Live" clId="Web-{CC4C286C-218A-473F-8DB1-E27B16DC99A0}" dt="2021-05-23T04:01:58.476" v="615" actId="1076"/>
-          <ac:spMkLst>
-            <pc:docMk/>
-            <pc:sldMk cId="0" sldId="305"/>
-            <ac:spMk id="37" creationId="{00000000-0000-0000-0000-000000000000}"/>
-          </ac:spMkLst>
-        </pc:spChg>
-        <pc:spChg chg="del">
-          <ac:chgData name="손 경일" userId="0d74cfca41046d23" providerId="Windows Live" clId="Web-{CC4C286C-218A-473F-8DB1-E27B16DC99A0}" dt="2021-05-23T03:57:29.689" v="457"/>
-          <ac:spMkLst>
-            <pc:docMk/>
-            <pc:sldMk cId="0" sldId="305"/>
-            <ac:spMk id="40" creationId="{00000000-0000-0000-0000-000000000000}"/>
-          </ac:spMkLst>
-        </pc:spChg>
-        <pc:spChg chg="mod">
-          <ac:chgData name="손 경일" userId="0d74cfca41046d23" providerId="Windows Live" clId="Web-{CC4C286C-218A-473F-8DB1-E27B16DC99A0}" dt="2021-05-23T04:01:58.507" v="616" actId="1076"/>
-          <ac:spMkLst>
-            <pc:docMk/>
-            <pc:sldMk cId="0" sldId="305"/>
-            <ac:spMk id="42" creationId="{00000000-0000-0000-0000-000000000000}"/>
-          </ac:spMkLst>
-        </pc:spChg>
-        <pc:grpChg chg="add">
-          <ac:chgData name="손 경일" userId="0d74cfca41046d23" providerId="Windows Live" clId="Web-{CC4C286C-218A-473F-8DB1-E27B16DC99A0}" dt="2021-05-23T01:43:19.025" v="135"/>
-          <ac:grpSpMkLst>
-            <pc:docMk/>
-            <pc:sldMk cId="0" sldId="305"/>
-            <ac:grpSpMk id="2" creationId="{966BAFBC-7589-4BE4-A99C-163493B8F6D2}"/>
-          </ac:grpSpMkLst>
-        </pc:grpChg>
-        <pc:picChg chg="add mod">
-          <ac:chgData name="손 경일" userId="0d74cfca41046d23" providerId="Windows Live" clId="Web-{CC4C286C-218A-473F-8DB1-E27B16DC99A0}" dt="2021-05-23T04:01:58.539" v="617" actId="1076"/>
-          <ac:picMkLst>
-            <pc:docMk/>
-            <pc:sldMk cId="0" sldId="305"/>
-            <ac:picMk id="3" creationId="{EA27B03F-6388-43F0-8AA0-D27861B0C4F1}"/>
-          </ac:picMkLst>
-        </pc:picChg>
-        <pc:picChg chg="add del mod">
-          <ac:chgData name="손 경일" userId="0d74cfca41046d23" providerId="Windows Live" clId="Web-{CC4C286C-218A-473F-8DB1-E27B16DC99A0}" dt="2021-05-23T04:31:36.046" v="1135"/>
-          <ac:picMkLst>
-            <pc:docMk/>
-            <pc:sldMk cId="0" sldId="305"/>
-            <ac:picMk id="4" creationId="{B3443FC7-8D89-4CA9-89E7-8EA17D7F9F4C}"/>
-          </ac:picMkLst>
-        </pc:picChg>
-        <pc:inkChg chg="add del">
-          <ac:chgData name="손 경일" userId="0d74cfca41046d23" providerId="Windows Live" clId="Web-{CC4C286C-218A-473F-8DB1-E27B16DC99A0}" dt="2021-05-23T04:31:40.311" v="1137"/>
-          <ac:inkMkLst>
-            <pc:docMk/>
-            <pc:sldMk cId="0" sldId="305"/>
-            <ac:inkMk id="5" creationId="{18F7C689-3C38-4E7A-9529-15C9FD0C5738}"/>
-          </ac:inkMkLst>
-        </pc:inkChg>
-        <pc:inkChg chg="add del">
-          <ac:chgData name="손 경일" userId="0d74cfca41046d23" providerId="Windows Live" clId="Web-{CC4C286C-218A-473F-8DB1-E27B16DC99A0}" dt="2021-05-23T04:31:40.311" v="1136"/>
-          <ac:inkMkLst>
-            <pc:docMk/>
-            <pc:sldMk cId="0" sldId="305"/>
-            <ac:inkMk id="6" creationId="{CDCDBB90-F1C7-4EAE-AFDB-122BAE840B92}"/>
-          </ac:inkMkLst>
-        </pc:inkChg>
-      </pc:sldChg>
-      <pc:sldChg chg="addSp delSp modSp">
-        <pc:chgData name="손 경일" userId="0d74cfca41046d23" providerId="Windows Live" clId="Web-{CC4C286C-218A-473F-8DB1-E27B16DC99A0}" dt="2021-05-23T06:07:36.126" v="2017" actId="20577"/>
-        <pc:sldMkLst>
-          <pc:docMk/>
-          <pc:sldMk cId="0" sldId="311"/>
-        </pc:sldMkLst>
-        <pc:spChg chg="add mod">
-          <ac:chgData name="손 경일" userId="0d74cfca41046d23" providerId="Windows Live" clId="Web-{CC4C286C-218A-473F-8DB1-E27B16DC99A0}" dt="2021-05-23T06:07:36.126" v="2017" actId="20577"/>
-          <ac:spMkLst>
-            <pc:docMk/>
-            <pc:sldMk cId="0" sldId="311"/>
-            <ac:spMk id="2" creationId="{0FDB38B1-759A-47AB-B610-0FBB124B4C14}"/>
-          </ac:spMkLst>
-        </pc:spChg>
-        <pc:spChg chg="mod">
-          <ac:chgData name="손 경일" userId="0d74cfca41046d23" providerId="Windows Live" clId="Web-{CC4C286C-218A-473F-8DB1-E27B16DC99A0}" dt="2021-05-23T05:10:45.930" v="1750" actId="20577"/>
-          <ac:spMkLst>
-            <pc:docMk/>
-            <pc:sldMk cId="0" sldId="311"/>
-            <ac:spMk id="27" creationId="{00000000-0000-0000-0000-000000000000}"/>
-          </ac:spMkLst>
-        </pc:spChg>
-        <pc:picChg chg="add del mod">
-          <ac:chgData name="손 경일" userId="0d74cfca41046d23" providerId="Windows Live" clId="Web-{CC4C286C-218A-473F-8DB1-E27B16DC99A0}" dt="2021-05-23T05:01:24.715" v="1612"/>
-          <ac:picMkLst>
-            <pc:docMk/>
-            <pc:sldMk cId="0" sldId="311"/>
-            <ac:picMk id="2" creationId="{98897502-79B7-42CD-A56D-CEA9001B1212}"/>
-          </ac:picMkLst>
-        </pc:picChg>
-        <pc:picChg chg="del">
-          <ac:chgData name="손 경일" userId="0d74cfca41046d23" providerId="Windows Live" clId="Web-{CC4C286C-218A-473F-8DB1-E27B16DC99A0}" dt="2021-05-23T04:59:28.334" v="1575"/>
-          <ac:picMkLst>
-            <pc:docMk/>
-            <pc:sldMk cId="0" sldId="311"/>
-            <ac:picMk id="3" creationId="{BE9E5840-00A9-4A72-A12D-42567D764C7A}"/>
-          </ac:picMkLst>
-        </pc:picChg>
-        <pc:picChg chg="del">
-          <ac:chgData name="손 경일" userId="0d74cfca41046d23" providerId="Windows Live" clId="Web-{CC4C286C-218A-473F-8DB1-E27B16DC99A0}" dt="2021-05-23T04:59:31.053" v="1576"/>
-          <ac:picMkLst>
-            <pc:docMk/>
-            <pc:sldMk cId="0" sldId="311"/>
-            <ac:picMk id="51" creationId="{00000000-0000-0000-0000-000000000000}"/>
-          </ac:picMkLst>
-        </pc:picChg>
-      </pc:sldChg>
-      <pc:sldChg chg="addSp delSp modSp">
-        <pc:chgData name="손 경일" userId="0d74cfca41046d23" providerId="Windows Live" clId="Web-{CC4C286C-218A-473F-8DB1-E27B16DC99A0}" dt="2021-05-23T05:10:28.305" v="1726"/>
-        <pc:sldMkLst>
-          <pc:docMk/>
-          <pc:sldMk cId="0" sldId="312"/>
-        </pc:sldMkLst>
-        <pc:spChg chg="del mod">
-          <ac:chgData name="손 경일" userId="0d74cfca41046d23" providerId="Windows Live" clId="Web-{CC4C286C-218A-473F-8DB1-E27B16DC99A0}" dt="2021-05-23T05:10:27.602" v="1725"/>
-          <ac:spMkLst>
-            <pc:docMk/>
-            <pc:sldMk cId="0" sldId="312"/>
-            <ac:spMk id="25" creationId="{10E3EA80-4331-4006-A0F6-307D09D13530}"/>
-          </ac:spMkLst>
-        </pc:spChg>
-        <pc:spChg chg="mod">
-          <ac:chgData name="손 경일" userId="0d74cfca41046d23" providerId="Windows Live" clId="Web-{CC4C286C-218A-473F-8DB1-E27B16DC99A0}" dt="2021-05-23T04:55:54.189" v="1502" actId="1076"/>
-          <ac:spMkLst>
-            <pc:docMk/>
-            <pc:sldMk cId="0" sldId="312"/>
-            <ac:spMk id="54" creationId="{00000000-0000-0000-0000-000000000000}"/>
-          </ac:spMkLst>
-        </pc:spChg>
-        <pc:picChg chg="add del mod">
-          <ac:chgData name="손 경일" userId="0d74cfca41046d23" providerId="Windows Live" clId="Web-{CC4C286C-218A-473F-8DB1-E27B16DC99A0}" dt="2021-05-23T04:52:37.044" v="1430"/>
-          <ac:picMkLst>
-            <pc:docMk/>
-            <pc:sldMk cId="0" sldId="312"/>
-            <ac:picMk id="2" creationId="{369C4C65-E4AB-4078-BCDC-0507C0924237}"/>
-          </ac:picMkLst>
-        </pc:picChg>
-        <pc:picChg chg="add del mod">
-          <ac:chgData name="손 경일" userId="0d74cfca41046d23" providerId="Windows Live" clId="Web-{CC4C286C-218A-473F-8DB1-E27B16DC99A0}" dt="2021-05-23T05:10:28.305" v="1726"/>
-          <ac:picMkLst>
-            <pc:docMk/>
-            <pc:sldMk cId="0" sldId="312"/>
-            <ac:picMk id="3" creationId="{85362A04-7721-4EF0-9D48-3B694ABC41D9}"/>
-          </ac:picMkLst>
-        </pc:picChg>
-        <pc:picChg chg="add del mod">
-          <ac:chgData name="손 경일" userId="0d74cfca41046d23" providerId="Windows Live" clId="Web-{CC4C286C-218A-473F-8DB1-E27B16DC99A0}" dt="2021-05-23T04:56:11.892" v="1508"/>
-          <ac:picMkLst>
-            <pc:docMk/>
-            <pc:sldMk cId="0" sldId="312"/>
-            <ac:picMk id="6" creationId="{34D27E30-AB50-46BB-8C65-B9441F23B1B8}"/>
-          </ac:picMkLst>
-        </pc:picChg>
-        <pc:picChg chg="add mod">
-          <ac:chgData name="손 경일" userId="0d74cfca41046d23" providerId="Windows Live" clId="Web-{CC4C286C-218A-473F-8DB1-E27B16DC99A0}" dt="2021-05-23T04:56:19.830" v="1511" actId="14100"/>
-          <ac:picMkLst>
-            <pc:docMk/>
-            <pc:sldMk cId="0" sldId="312"/>
-            <ac:picMk id="7" creationId="{4319BAAB-3758-4908-9F23-0F8F4DF78B23}"/>
-          </ac:picMkLst>
-        </pc:picChg>
-        <pc:inkChg chg="add">
-          <ac:chgData name="손 경일" userId="0d74cfca41046d23" providerId="Windows Live" clId="Web-{CC4C286C-218A-473F-8DB1-E27B16DC99A0}" dt="2021-05-23T04:56:52.083" v="1514"/>
-          <ac:inkMkLst>
-            <pc:docMk/>
-            <pc:sldMk cId="0" sldId="312"/>
-            <ac:inkMk id="8" creationId="{45BEEFBC-4F27-4937-94B0-992DB6351216}"/>
-          </ac:inkMkLst>
-        </pc:inkChg>
-        <pc:inkChg chg="add">
-          <ac:chgData name="손 경일" userId="0d74cfca41046d23" providerId="Windows Live" clId="Web-{CC4C286C-218A-473F-8DB1-E27B16DC99A0}" dt="2021-05-23T04:56:52.752" v="1515"/>
-          <ac:inkMkLst>
-            <pc:docMk/>
-            <pc:sldMk cId="0" sldId="312"/>
-            <ac:inkMk id="11" creationId="{19C028A8-6728-43D3-A805-9E0ED89C552D}"/>
-          </ac:inkMkLst>
-        </pc:inkChg>
-        <pc:inkChg chg="add">
-          <ac:chgData name="손 경일" userId="0d74cfca41046d23" providerId="Windows Live" clId="Web-{CC4C286C-218A-473F-8DB1-E27B16DC99A0}" dt="2021-05-23T04:56:55.893" v="1516"/>
-          <ac:inkMkLst>
-            <pc:docMk/>
-            <pc:sldMk cId="0" sldId="312"/>
-            <ac:inkMk id="12" creationId="{2BCFCB97-71A1-4983-97D3-F9B13109A065}"/>
-          </ac:inkMkLst>
-        </pc:inkChg>
-        <pc:inkChg chg="add">
-          <ac:chgData name="손 경일" userId="0d74cfca41046d23" providerId="Windows Live" clId="Web-{CC4C286C-218A-473F-8DB1-E27B16DC99A0}" dt="2021-05-23T04:56:55.909" v="1517"/>
-          <ac:inkMkLst>
-            <pc:docMk/>
-            <pc:sldMk cId="0" sldId="312"/>
-            <ac:inkMk id="13" creationId="{8759E299-0787-4A3C-95BF-E3732D59EDAE}"/>
-          </ac:inkMkLst>
-        </pc:inkChg>
-        <pc:inkChg chg="add">
-          <ac:chgData name="손 경일" userId="0d74cfca41046d23" providerId="Windows Live" clId="Web-{CC4C286C-218A-473F-8DB1-E27B16DC99A0}" dt="2021-05-23T04:56:55.924" v="1518"/>
-          <ac:inkMkLst>
-            <pc:docMk/>
-            <pc:sldMk cId="0" sldId="312"/>
-            <ac:inkMk id="14" creationId="{E9B016AA-BD54-4AFF-9BF4-17006382C2F8}"/>
-          </ac:inkMkLst>
-        </pc:inkChg>
-        <pc:inkChg chg="add">
-          <ac:chgData name="손 경일" userId="0d74cfca41046d23" providerId="Windows Live" clId="Web-{CC4C286C-218A-473F-8DB1-E27B16DC99A0}" dt="2021-05-23T04:56:55.940" v="1519"/>
-          <ac:inkMkLst>
-            <pc:docMk/>
-            <pc:sldMk cId="0" sldId="312"/>
-            <ac:inkMk id="15" creationId="{CC0B45E6-F382-4886-B0D9-454FCACC04BC}"/>
-          </ac:inkMkLst>
-        </pc:inkChg>
-        <pc:inkChg chg="add">
-          <ac:chgData name="손 경일" userId="0d74cfca41046d23" providerId="Windows Live" clId="Web-{CC4C286C-218A-473F-8DB1-E27B16DC99A0}" dt="2021-05-23T04:56:59.925" v="1520"/>
-          <ac:inkMkLst>
-            <pc:docMk/>
-            <pc:sldMk cId="0" sldId="312"/>
-            <ac:inkMk id="16" creationId="{7B01C307-F5E3-4B66-BC56-F7A1BC3C32E1}"/>
-          </ac:inkMkLst>
-        </pc:inkChg>
-        <pc:inkChg chg="add">
-          <ac:chgData name="손 경일" userId="0d74cfca41046d23" providerId="Windows Live" clId="Web-{CC4C286C-218A-473F-8DB1-E27B16DC99A0}" dt="2021-05-23T04:56:59.940" v="1521"/>
-          <ac:inkMkLst>
-            <pc:docMk/>
-            <pc:sldMk cId="0" sldId="312"/>
-            <ac:inkMk id="17" creationId="{609252FF-7D95-4FC4-8124-9AAD38E34DBC}"/>
-          </ac:inkMkLst>
-        </pc:inkChg>
-        <pc:inkChg chg="add">
-          <ac:chgData name="손 경일" userId="0d74cfca41046d23" providerId="Windows Live" clId="Web-{CC4C286C-218A-473F-8DB1-E27B16DC99A0}" dt="2021-05-23T04:56:59.971" v="1522"/>
-          <ac:inkMkLst>
-            <pc:docMk/>
-            <pc:sldMk cId="0" sldId="312"/>
-            <ac:inkMk id="18" creationId="{D22A1587-379E-4E36-9917-2C837FFC5FA6}"/>
-          </ac:inkMkLst>
-        </pc:inkChg>
-        <pc:inkChg chg="add">
-          <ac:chgData name="손 경일" userId="0d74cfca41046d23" providerId="Windows Live" clId="Web-{CC4C286C-218A-473F-8DB1-E27B16DC99A0}" dt="2021-05-23T04:57:00.003" v="1523"/>
-          <ac:inkMkLst>
-            <pc:docMk/>
-            <pc:sldMk cId="0" sldId="312"/>
-            <ac:inkMk id="19" creationId="{0E1B06C2-5567-42AE-9166-AA949F0C6F42}"/>
-          </ac:inkMkLst>
-        </pc:inkChg>
-        <pc:inkChg chg="add">
-          <ac:chgData name="손 경일" userId="0d74cfca41046d23" providerId="Windows Live" clId="Web-{CC4C286C-218A-473F-8DB1-E27B16DC99A0}" dt="2021-05-23T04:57:00.018" v="1524"/>
-          <ac:inkMkLst>
-            <pc:docMk/>
-            <pc:sldMk cId="0" sldId="312"/>
-            <ac:inkMk id="20" creationId="{49759663-3B17-4BED-9A3A-2ECD9EED51C3}"/>
-          </ac:inkMkLst>
-        </pc:inkChg>
-        <pc:inkChg chg="add">
-          <ac:chgData name="손 경일" userId="0d74cfca41046d23" providerId="Windows Live" clId="Web-{CC4C286C-218A-473F-8DB1-E27B16DC99A0}" dt="2021-05-23T04:57:05.315" v="1525"/>
-          <ac:inkMkLst>
-            <pc:docMk/>
-            <pc:sldMk cId="0" sldId="312"/>
-            <ac:inkMk id="27" creationId="{1545B0EF-1442-4949-B54A-A93B058DFC2B}"/>
-          </ac:inkMkLst>
-        </pc:inkChg>
-        <pc:inkChg chg="add">
-          <ac:chgData name="손 경일" userId="0d74cfca41046d23" providerId="Windows Live" clId="Web-{CC4C286C-218A-473F-8DB1-E27B16DC99A0}" dt="2021-05-23T04:57:05.331" v="1526"/>
-          <ac:inkMkLst>
-            <pc:docMk/>
-            <pc:sldMk cId="0" sldId="312"/>
-            <ac:inkMk id="29" creationId="{7450DE9D-1760-4D50-8CF4-8E2E1F4B0BD0}"/>
-          </ac:inkMkLst>
-        </pc:inkChg>
-        <pc:inkChg chg="add">
-          <ac:chgData name="손 경일" userId="0d74cfca41046d23" providerId="Windows Live" clId="Web-{CC4C286C-218A-473F-8DB1-E27B16DC99A0}" dt="2021-05-23T04:57:07.925" v="1527"/>
-          <ac:inkMkLst>
-            <pc:docMk/>
-            <pc:sldMk cId="0" sldId="312"/>
-            <ac:inkMk id="30" creationId="{A3476321-008E-48A7-9579-076482FAC7FC}"/>
-          </ac:inkMkLst>
-        </pc:inkChg>
-        <pc:inkChg chg="add">
-          <ac:chgData name="손 경일" userId="0d74cfca41046d23" providerId="Windows Live" clId="Web-{CC4C286C-218A-473F-8DB1-E27B16DC99A0}" dt="2021-05-23T04:57:07.940" v="1528"/>
-          <ac:inkMkLst>
-            <pc:docMk/>
-            <pc:sldMk cId="0" sldId="312"/>
-            <ac:inkMk id="31" creationId="{3008E8F2-0FC9-4E63-B361-9C9EDA07E0CF}"/>
-          </ac:inkMkLst>
-        </pc:inkChg>
-        <pc:inkChg chg="add">
-          <ac:chgData name="손 경일" userId="0d74cfca41046d23" providerId="Windows Live" clId="Web-{CC4C286C-218A-473F-8DB1-E27B16DC99A0}" dt="2021-05-23T04:57:07.956" v="1529"/>
-          <ac:inkMkLst>
-            <pc:docMk/>
-            <pc:sldMk cId="0" sldId="312"/>
-            <ac:inkMk id="32" creationId="{23BA6B86-16DB-44A0-A0E5-A541A22EDB67}"/>
-          </ac:inkMkLst>
-        </pc:inkChg>
-        <pc:inkChg chg="add">
-          <ac:chgData name="손 경일" userId="0d74cfca41046d23" providerId="Windows Live" clId="Web-{CC4C286C-218A-473F-8DB1-E27B16DC99A0}" dt="2021-05-23T04:57:07.972" v="1530"/>
-          <ac:inkMkLst>
-            <pc:docMk/>
-            <pc:sldMk cId="0" sldId="312"/>
-            <ac:inkMk id="33" creationId="{17429FCA-03C1-460B-BB4E-271E154C87E5}"/>
-          </ac:inkMkLst>
-        </pc:inkChg>
-        <pc:inkChg chg="add">
-          <ac:chgData name="손 경일" userId="0d74cfca41046d23" providerId="Windows Live" clId="Web-{CC4C286C-218A-473F-8DB1-E27B16DC99A0}" dt="2021-05-23T04:57:07.987" v="1531"/>
-          <ac:inkMkLst>
-            <pc:docMk/>
-            <pc:sldMk cId="0" sldId="312"/>
-            <ac:inkMk id="34" creationId="{9A4D84A8-6137-4EB3-9C9D-14C3650DABC8}"/>
-          </ac:inkMkLst>
-        </pc:inkChg>
-        <pc:inkChg chg="add">
-          <ac:chgData name="손 경일" userId="0d74cfca41046d23" providerId="Windows Live" clId="Web-{CC4C286C-218A-473F-8DB1-E27B16DC99A0}" dt="2021-05-23T04:57:09.581" v="1532"/>
-          <ac:inkMkLst>
-            <pc:docMk/>
-            <pc:sldMk cId="0" sldId="312"/>
-            <ac:inkMk id="35" creationId="{CEEFF3CA-7668-4030-9B06-CA66271D32A7}"/>
-          </ac:inkMkLst>
-        </pc:inkChg>
-        <pc:inkChg chg="add">
-          <ac:chgData name="손 경일" userId="0d74cfca41046d23" providerId="Windows Live" clId="Web-{CC4C286C-218A-473F-8DB1-E27B16DC99A0}" dt="2021-05-23T04:57:12.097" v="1533"/>
-          <ac:inkMkLst>
-            <pc:docMk/>
-            <pc:sldMk cId="0" sldId="312"/>
-            <ac:inkMk id="36" creationId="{3768A5B5-3962-46BD-9406-7696AF0D72FE}"/>
-          </ac:inkMkLst>
-        </pc:inkChg>
-        <pc:inkChg chg="add">
-          <ac:chgData name="손 경일" userId="0d74cfca41046d23" providerId="Windows Live" clId="Web-{CC4C286C-218A-473F-8DB1-E27B16DC99A0}" dt="2021-05-23T04:57:12.128" v="1534"/>
-          <ac:inkMkLst>
-            <pc:docMk/>
-            <pc:sldMk cId="0" sldId="312"/>
-            <ac:inkMk id="41" creationId="{1A8F7101-9309-46BA-A8E7-635280941E24}"/>
-          </ac:inkMkLst>
-        </pc:inkChg>
-        <pc:inkChg chg="add">
-          <ac:chgData name="손 경일" userId="0d74cfca41046d23" providerId="Windows Live" clId="Web-{CC4C286C-218A-473F-8DB1-E27B16DC99A0}" dt="2021-05-23T04:57:12.128" v="1535"/>
-          <ac:inkMkLst>
-            <pc:docMk/>
-            <pc:sldMk cId="0" sldId="312"/>
-            <ac:inkMk id="42" creationId="{FA8CEEE8-1B6A-44A8-9152-4249DB61D5AB}"/>
-          </ac:inkMkLst>
-        </pc:inkChg>
-        <pc:inkChg chg="add">
-          <ac:chgData name="손 경일" userId="0d74cfca41046d23" providerId="Windows Live" clId="Web-{CC4C286C-218A-473F-8DB1-E27B16DC99A0}" dt="2021-05-23T04:57:49.941" v="1536"/>
-          <ac:inkMkLst>
-            <pc:docMk/>
-            <pc:sldMk cId="0" sldId="312"/>
-            <ac:inkMk id="43" creationId="{76246FB1-2498-400E-8077-108616A0D24F}"/>
-          </ac:inkMkLst>
-        </pc:inkChg>
-        <pc:inkChg chg="add">
-          <ac:chgData name="손 경일" userId="0d74cfca41046d23" providerId="Windows Live" clId="Web-{CC4C286C-218A-473F-8DB1-E27B16DC99A0}" dt="2021-05-23T04:57:53.004" v="1537"/>
-          <ac:inkMkLst>
-            <pc:docMk/>
-            <pc:sldMk cId="0" sldId="312"/>
-            <ac:inkMk id="44" creationId="{85A11820-E61E-499D-94A1-98A0CF1FD37F}"/>
-          </ac:inkMkLst>
-        </pc:inkChg>
-        <pc:inkChg chg="add">
-          <ac:chgData name="손 경일" userId="0d74cfca41046d23" providerId="Windows Live" clId="Web-{CC4C286C-218A-473F-8DB1-E27B16DC99A0}" dt="2021-05-23T04:57:53.019" v="1538"/>
-          <ac:inkMkLst>
-            <pc:docMk/>
-            <pc:sldMk cId="0" sldId="312"/>
-            <ac:inkMk id="45" creationId="{5045CB92-CA1C-45E7-9A21-E9B4AE8EF76B}"/>
-          </ac:inkMkLst>
-        </pc:inkChg>
-        <pc:inkChg chg="add">
-          <ac:chgData name="손 경일" userId="0d74cfca41046d23" providerId="Windows Live" clId="Web-{CC4C286C-218A-473F-8DB1-E27B16DC99A0}" dt="2021-05-23T04:57:53.035" v="1539"/>
-          <ac:inkMkLst>
-            <pc:docMk/>
-            <pc:sldMk cId="0" sldId="312"/>
-            <ac:inkMk id="46" creationId="{A4D2D0FE-3B41-47A1-8E90-5F494A5750D5}"/>
-          </ac:inkMkLst>
-        </pc:inkChg>
-        <pc:inkChg chg="add">
-          <ac:chgData name="손 경일" userId="0d74cfca41046d23" providerId="Windows Live" clId="Web-{CC4C286C-218A-473F-8DB1-E27B16DC99A0}" dt="2021-05-23T04:57:53.051" v="1540"/>
-          <ac:inkMkLst>
-            <pc:docMk/>
-            <pc:sldMk cId="0" sldId="312"/>
-            <ac:inkMk id="50" creationId="{D97AA3FD-4B4E-4748-8BC9-1497AB242EF9}"/>
-          </ac:inkMkLst>
-        </pc:inkChg>
-        <pc:inkChg chg="add">
-          <ac:chgData name="손 경일" userId="0d74cfca41046d23" providerId="Windows Live" clId="Web-{CC4C286C-218A-473F-8DB1-E27B16DC99A0}" dt="2021-05-23T04:57:53.066" v="1541"/>
-          <ac:inkMkLst>
-            <pc:docMk/>
-            <pc:sldMk cId="0" sldId="312"/>
-            <ac:inkMk id="51" creationId="{A7D9CD57-2C11-4350-8524-D34BE6E2D82D}"/>
-          </ac:inkMkLst>
-        </pc:inkChg>
-        <pc:inkChg chg="add">
-          <ac:chgData name="손 경일" userId="0d74cfca41046d23" providerId="Windows Live" clId="Web-{CC4C286C-218A-473F-8DB1-E27B16DC99A0}" dt="2021-05-23T04:57:53.082" v="1542"/>
-          <ac:inkMkLst>
-            <pc:docMk/>
-            <pc:sldMk cId="0" sldId="312"/>
-            <ac:inkMk id="52" creationId="{FB22158B-1D89-47D7-BF6A-BD1D8A253A4A}"/>
-          </ac:inkMkLst>
-        </pc:inkChg>
-        <pc:inkChg chg="add">
-          <ac:chgData name="손 경일" userId="0d74cfca41046d23" providerId="Windows Live" clId="Web-{CC4C286C-218A-473F-8DB1-E27B16DC99A0}" dt="2021-05-23T04:57:53.098" v="1543"/>
-          <ac:inkMkLst>
-            <pc:docMk/>
-            <pc:sldMk cId="0" sldId="312"/>
-            <ac:inkMk id="53" creationId="{D8B898F2-8152-42F1-A413-8EB6B91B936A}"/>
-          </ac:inkMkLst>
-        </pc:inkChg>
-        <pc:inkChg chg="add">
-          <ac:chgData name="손 경일" userId="0d74cfca41046d23" providerId="Windows Live" clId="Web-{CC4C286C-218A-473F-8DB1-E27B16DC99A0}" dt="2021-05-23T04:57:53.113" v="1544"/>
-          <ac:inkMkLst>
-            <pc:docMk/>
-            <pc:sldMk cId="0" sldId="312"/>
-            <ac:inkMk id="55" creationId="{3D0D6E13-A603-4309-99C5-776EECD17491}"/>
-          </ac:inkMkLst>
-        </pc:inkChg>
-        <pc:inkChg chg="add">
-          <ac:chgData name="손 경일" userId="0d74cfca41046d23" providerId="Windows Live" clId="Web-{CC4C286C-218A-473F-8DB1-E27B16DC99A0}" dt="2021-05-23T04:57:53.129" v="1545"/>
-          <ac:inkMkLst>
-            <pc:docMk/>
-            <pc:sldMk cId="0" sldId="312"/>
-            <ac:inkMk id="56" creationId="{35C14523-7FFD-4ABC-B128-37E9718B8ABD}"/>
-          </ac:inkMkLst>
-        </pc:inkChg>
-        <pc:inkChg chg="add">
-          <ac:chgData name="손 경일" userId="0d74cfca41046d23" providerId="Windows Live" clId="Web-{CC4C286C-218A-473F-8DB1-E27B16DC99A0}" dt="2021-05-23T04:57:55.879" v="1546"/>
-          <ac:inkMkLst>
-            <pc:docMk/>
-            <pc:sldMk cId="0" sldId="312"/>
-            <ac:inkMk id="57" creationId="{45BF7F92-2CA9-4874-84B7-33E1CD2C42CC}"/>
-          </ac:inkMkLst>
-        </pc:inkChg>
-        <pc:inkChg chg="add">
-          <ac:chgData name="손 경일" userId="0d74cfca41046d23" providerId="Windows Live" clId="Web-{CC4C286C-218A-473F-8DB1-E27B16DC99A0}" dt="2021-05-23T04:57:55.894" v="1547"/>
-          <ac:inkMkLst>
-            <pc:docMk/>
-            <pc:sldMk cId="0" sldId="312"/>
-            <ac:inkMk id="58" creationId="{8E4E0F1E-31A4-400F-9F4F-8E92D5E9BAF0}"/>
-          </ac:inkMkLst>
-        </pc:inkChg>
-        <pc:inkChg chg="add">
-          <ac:chgData name="손 경일" userId="0d74cfca41046d23" providerId="Windows Live" clId="Web-{CC4C286C-218A-473F-8DB1-E27B16DC99A0}" dt="2021-05-23T04:57:55.910" v="1548"/>
-          <ac:inkMkLst>
-            <pc:docMk/>
-            <pc:sldMk cId="0" sldId="312"/>
-            <ac:inkMk id="59" creationId="{B4E9666A-8959-40C3-A7B5-332D0F0AD873}"/>
-          </ac:inkMkLst>
-        </pc:inkChg>
-        <pc:inkChg chg="add">
-          <ac:chgData name="손 경일" userId="0d74cfca41046d23" providerId="Windows Live" clId="Web-{CC4C286C-218A-473F-8DB1-E27B16DC99A0}" dt="2021-05-23T04:57:55.926" v="1549"/>
-          <ac:inkMkLst>
-            <pc:docMk/>
-            <pc:sldMk cId="0" sldId="312"/>
-            <ac:inkMk id="60" creationId="{5B86D0D8-FFB5-47EC-AC9F-44FAC04F90FB}"/>
-          </ac:inkMkLst>
-        </pc:inkChg>
-        <pc:inkChg chg="add">
-          <ac:chgData name="손 경일" userId="0d74cfca41046d23" providerId="Windows Live" clId="Web-{CC4C286C-218A-473F-8DB1-E27B16DC99A0}" dt="2021-05-23T04:57:57.395" v="1550"/>
-          <ac:inkMkLst>
-            <pc:docMk/>
-            <pc:sldMk cId="0" sldId="312"/>
-            <ac:inkMk id="61" creationId="{C0311683-4B8F-4552-BCAA-2B2F93CB1062}"/>
-          </ac:inkMkLst>
-        </pc:inkChg>
-        <pc:inkChg chg="add">
-          <ac:chgData name="손 경일" userId="0d74cfca41046d23" providerId="Windows Live" clId="Web-{CC4C286C-218A-473F-8DB1-E27B16DC99A0}" dt="2021-05-23T04:57:57.410" v="1551"/>
-          <ac:inkMkLst>
-            <pc:docMk/>
-            <pc:sldMk cId="0" sldId="312"/>
-            <ac:inkMk id="62" creationId="{1095FF5E-9F43-4DB1-B154-ED6363A97EDC}"/>
-          </ac:inkMkLst>
-        </pc:inkChg>
-        <pc:inkChg chg="add">
-          <ac:chgData name="손 경일" userId="0d74cfca41046d23" providerId="Windows Live" clId="Web-{CC4C286C-218A-473F-8DB1-E27B16DC99A0}" dt="2021-05-23T04:57:57.426" v="1552"/>
-          <ac:inkMkLst>
-            <pc:docMk/>
-            <pc:sldMk cId="0" sldId="312"/>
-            <ac:inkMk id="63" creationId="{43A7C00F-5B3E-4438-A2AE-600F1073ED9E}"/>
-          </ac:inkMkLst>
-        </pc:inkChg>
-        <pc:inkChg chg="add">
-          <ac:chgData name="손 경일" userId="0d74cfca41046d23" providerId="Windows Live" clId="Web-{CC4C286C-218A-473F-8DB1-E27B16DC99A0}" dt="2021-05-23T04:57:57.441" v="1553"/>
-          <ac:inkMkLst>
-            <pc:docMk/>
-            <pc:sldMk cId="0" sldId="312"/>
-            <ac:inkMk id="64" creationId="{6B76ECDC-CD5F-4A65-AF44-F5114F4BBE7E}"/>
-          </ac:inkMkLst>
-        </pc:inkChg>
-        <pc:inkChg chg="add">
-          <ac:chgData name="손 경일" userId="0d74cfca41046d23" providerId="Windows Live" clId="Web-{CC4C286C-218A-473F-8DB1-E27B16DC99A0}" dt="2021-05-23T04:58:00.410" v="1554"/>
-          <ac:inkMkLst>
-            <pc:docMk/>
-            <pc:sldMk cId="0" sldId="312"/>
-            <ac:inkMk id="65" creationId="{0D43EC0E-8564-4B0D-B1D2-80E617BBC3E7}"/>
-          </ac:inkMkLst>
-        </pc:inkChg>
-        <pc:inkChg chg="add">
-          <ac:chgData name="손 경일" userId="0d74cfca41046d23" providerId="Windows Live" clId="Web-{CC4C286C-218A-473F-8DB1-E27B16DC99A0}" dt="2021-05-23T04:58:00.426" v="1555"/>
-          <ac:inkMkLst>
-            <pc:docMk/>
-            <pc:sldMk cId="0" sldId="312"/>
-            <ac:inkMk id="66" creationId="{DF0AE77D-DFAD-48C0-87E3-0F3B3ABFAAFB}"/>
-          </ac:inkMkLst>
-        </pc:inkChg>
-        <pc:inkChg chg="add">
-          <ac:chgData name="손 경일" userId="0d74cfca41046d23" providerId="Windows Live" clId="Web-{CC4C286C-218A-473F-8DB1-E27B16DC99A0}" dt="2021-05-23T04:58:00.441" v="1556"/>
-          <ac:inkMkLst>
-            <pc:docMk/>
-            <pc:sldMk cId="0" sldId="312"/>
-            <ac:inkMk id="67" creationId="{00F272E5-1EA6-4CDD-877A-E64AE83336D4}"/>
-          </ac:inkMkLst>
-        </pc:inkChg>
-        <pc:inkChg chg="add">
-          <ac:chgData name="손 경일" userId="0d74cfca41046d23" providerId="Windows Live" clId="Web-{CC4C286C-218A-473F-8DB1-E27B16DC99A0}" dt="2021-05-23T04:58:00.457" v="1557"/>
-          <ac:inkMkLst>
-            <pc:docMk/>
-            <pc:sldMk cId="0" sldId="312"/>
-            <ac:inkMk id="68" creationId="{AC8BF208-DB3A-462F-BFAB-22A1C7304151}"/>
-          </ac:inkMkLst>
-        </pc:inkChg>
-        <pc:inkChg chg="add">
-          <ac:chgData name="손 경일" userId="0d74cfca41046d23" providerId="Windows Live" clId="Web-{CC4C286C-218A-473F-8DB1-E27B16DC99A0}" dt="2021-05-23T04:58:00.473" v="1558"/>
-          <ac:inkMkLst>
-            <pc:docMk/>
-            <pc:sldMk cId="0" sldId="312"/>
-            <ac:inkMk id="69" creationId="{74F622D7-535B-4312-BBBE-4A66B20BB139}"/>
-          </ac:inkMkLst>
-        </pc:inkChg>
-        <pc:inkChg chg="add">
-          <ac:chgData name="손 경일" userId="0d74cfca41046d23" providerId="Windows Live" clId="Web-{CC4C286C-218A-473F-8DB1-E27B16DC99A0}" dt="2021-05-23T04:58:14.770" v="1559"/>
-          <ac:inkMkLst>
-            <pc:docMk/>
-            <pc:sldMk cId="0" sldId="312"/>
-            <ac:inkMk id="70" creationId="{C9008AA8-6ABF-4098-BB8A-8D7E70985AF7}"/>
-          </ac:inkMkLst>
-        </pc:inkChg>
-        <pc:inkChg chg="add">
-          <ac:chgData name="손 경일" userId="0d74cfca41046d23" providerId="Windows Live" clId="Web-{CC4C286C-218A-473F-8DB1-E27B16DC99A0}" dt="2021-05-23T04:58:14.786" v="1560"/>
-          <ac:inkMkLst>
-            <pc:docMk/>
-            <pc:sldMk cId="0" sldId="312"/>
-            <ac:inkMk id="71" creationId="{21F080E9-59C0-4A71-AD25-B73ACD233671}"/>
-          </ac:inkMkLst>
-        </pc:inkChg>
-        <pc:inkChg chg="add">
-          <ac:chgData name="손 경일" userId="0d74cfca41046d23" providerId="Windows Live" clId="Web-{CC4C286C-218A-473F-8DB1-E27B16DC99A0}" dt="2021-05-23T04:58:14.801" v="1561"/>
-          <ac:inkMkLst>
-            <pc:docMk/>
-            <pc:sldMk cId="0" sldId="312"/>
-            <ac:inkMk id="72" creationId="{48EC5300-70F3-4F0A-8DFC-AEB903862F3D}"/>
-          </ac:inkMkLst>
-        </pc:inkChg>
-        <pc:inkChg chg="add">
-          <ac:chgData name="손 경일" userId="0d74cfca41046d23" providerId="Windows Live" clId="Web-{CC4C286C-218A-473F-8DB1-E27B16DC99A0}" dt="2021-05-23T04:58:14.817" v="1562"/>
-          <ac:inkMkLst>
-            <pc:docMk/>
-            <pc:sldMk cId="0" sldId="312"/>
-            <ac:inkMk id="73" creationId="{43175A09-EF70-44B7-9D30-2F84FD029F6F}"/>
-          </ac:inkMkLst>
-        </pc:inkChg>
-        <pc:inkChg chg="add">
-          <ac:chgData name="손 경일" userId="0d74cfca41046d23" providerId="Windows Live" clId="Web-{CC4C286C-218A-473F-8DB1-E27B16DC99A0}" dt="2021-05-23T04:58:14.832" v="1563"/>
-          <ac:inkMkLst>
-            <pc:docMk/>
-            <pc:sldMk cId="0" sldId="312"/>
-            <ac:inkMk id="74" creationId="{0F4B6A0A-9082-498C-8B99-2C46C2FB995A}"/>
-          </ac:inkMkLst>
-        </pc:inkChg>
-        <pc:inkChg chg="add">
-          <ac:chgData name="손 경일" userId="0d74cfca41046d23" providerId="Windows Live" clId="Web-{CC4C286C-218A-473F-8DB1-E27B16DC99A0}" dt="2021-05-23T04:58:14.848" v="1564"/>
-          <ac:inkMkLst>
-            <pc:docMk/>
-            <pc:sldMk cId="0" sldId="312"/>
-            <ac:inkMk id="75" creationId="{28D27CF9-998C-4AF7-90A7-C818B530BE75}"/>
-          </ac:inkMkLst>
-        </pc:inkChg>
-        <pc:inkChg chg="add">
-          <ac:chgData name="손 경일" userId="0d74cfca41046d23" providerId="Windows Live" clId="Web-{CC4C286C-218A-473F-8DB1-E27B16DC99A0}" dt="2021-05-23T04:58:14.864" v="1565"/>
-          <ac:inkMkLst>
-            <pc:docMk/>
-            <pc:sldMk cId="0" sldId="312"/>
-            <ac:inkMk id="76" creationId="{4B502B26-9BAD-405B-8337-CFC476445DD7}"/>
-          </ac:inkMkLst>
-        </pc:inkChg>
-        <pc:inkChg chg="add">
-          <ac:chgData name="손 경일" userId="0d74cfca41046d23" providerId="Windows Live" clId="Web-{CC4C286C-218A-473F-8DB1-E27B16DC99A0}" dt="2021-05-23T04:58:14.879" v="1566"/>
-          <ac:inkMkLst>
-            <pc:docMk/>
-            <pc:sldMk cId="0" sldId="312"/>
-            <ac:inkMk id="77" creationId="{A0E9994C-3D98-4A22-9B6B-65ACF6231267}"/>
-          </ac:inkMkLst>
-        </pc:inkChg>
-        <pc:inkChg chg="add">
-          <ac:chgData name="손 경일" userId="0d74cfca41046d23" providerId="Windows Live" clId="Web-{CC4C286C-218A-473F-8DB1-E27B16DC99A0}" dt="2021-05-23T04:58:14.895" v="1567"/>
-          <ac:inkMkLst>
-            <pc:docMk/>
-            <pc:sldMk cId="0" sldId="312"/>
-            <ac:inkMk id="78" creationId="{9DE0B252-1F58-4164-A8A8-62DA65BEBD0E}"/>
-          </ac:inkMkLst>
-        </pc:inkChg>
-        <pc:inkChg chg="add">
-          <ac:chgData name="손 경일" userId="0d74cfca41046d23" providerId="Windows Live" clId="Web-{CC4C286C-218A-473F-8DB1-E27B16DC99A0}" dt="2021-05-23T04:58:14.911" v="1568"/>
-          <ac:inkMkLst>
-            <pc:docMk/>
-            <pc:sldMk cId="0" sldId="312"/>
-            <ac:inkMk id="79" creationId="{08C423CF-45BD-4FD9-8597-B13F77894000}"/>
-          </ac:inkMkLst>
-        </pc:inkChg>
-        <pc:inkChg chg="add">
-          <ac:chgData name="손 경일" userId="0d74cfca41046d23" providerId="Windows Live" clId="Web-{CC4C286C-218A-473F-8DB1-E27B16DC99A0}" dt="2021-05-23T04:58:14.926" v="1569"/>
-          <ac:inkMkLst>
-            <pc:docMk/>
-            <pc:sldMk cId="0" sldId="312"/>
-            <ac:inkMk id="80" creationId="{F6356C9C-67BE-4E99-829A-11477C1E44E3}"/>
-          </ac:inkMkLst>
-        </pc:inkChg>
-        <pc:inkChg chg="add">
-          <ac:chgData name="손 경일" userId="0d74cfca41046d23" providerId="Windows Live" clId="Web-{CC4C286C-218A-473F-8DB1-E27B16DC99A0}" dt="2021-05-23T04:58:14.942" v="1570"/>
-          <ac:inkMkLst>
-            <pc:docMk/>
-            <pc:sldMk cId="0" sldId="312"/>
-            <ac:inkMk id="81" creationId="{A197BDBB-526E-446C-9F85-5BBBB7C970A3}"/>
-          </ac:inkMkLst>
-        </pc:inkChg>
-        <pc:inkChg chg="add">
-          <ac:chgData name="손 경일" userId="0d74cfca41046d23" providerId="Windows Live" clId="Web-{CC4C286C-218A-473F-8DB1-E27B16DC99A0}" dt="2021-05-23T04:58:14.957" v="1571"/>
-          <ac:inkMkLst>
-            <pc:docMk/>
-            <pc:sldMk cId="0" sldId="312"/>
-            <ac:inkMk id="82" creationId="{843B8EF4-4A08-4039-9EA4-316E0A5C15E8}"/>
-          </ac:inkMkLst>
-        </pc:inkChg>
-        <pc:inkChg chg="add">
-          <ac:chgData name="손 경일" userId="0d74cfca41046d23" providerId="Windows Live" clId="Web-{CC4C286C-218A-473F-8DB1-E27B16DC99A0}" dt="2021-05-23T04:58:14.973" v="1572"/>
-          <ac:inkMkLst>
-            <pc:docMk/>
-            <pc:sldMk cId="0" sldId="312"/>
-            <ac:inkMk id="83" creationId="{E929B5EB-FF4C-4A19-A3CA-8C0D62CF9D69}"/>
-          </ac:inkMkLst>
-        </pc:inkChg>
-        <pc:inkChg chg="add">
-          <ac:chgData name="손 경일" userId="0d74cfca41046d23" providerId="Windows Live" clId="Web-{CC4C286C-218A-473F-8DB1-E27B16DC99A0}" dt="2021-05-23T04:58:14.989" v="1573"/>
-          <ac:inkMkLst>
-            <pc:docMk/>
-            <pc:sldMk cId="0" sldId="312"/>
-            <ac:inkMk id="84" creationId="{B9212A39-191A-4B8B-997D-07E462686C25}"/>
-          </ac:inkMkLst>
-        </pc:inkChg>
-        <pc:inkChg chg="add">
-          <ac:chgData name="손 경일" userId="0d74cfca41046d23" providerId="Windows Live" clId="Web-{CC4C286C-218A-473F-8DB1-E27B16DC99A0}" dt="2021-05-23T04:58:15.004" v="1574"/>
-          <ac:inkMkLst>
-            <pc:docMk/>
-            <pc:sldMk cId="0" sldId="312"/>
-            <ac:inkMk id="85" creationId="{C811B09A-BC52-4ADC-8565-B19C5A5E1BDD}"/>
-          </ac:inkMkLst>
-        </pc:inkChg>
-      </pc:sldChg>
-      <pc:sldChg chg="addSp delSp modSp">
-        <pc:chgData name="손 경일" userId="0d74cfca41046d23" providerId="Windows Live" clId="Web-{CC4C286C-218A-473F-8DB1-E27B16DC99A0}" dt="2021-05-23T01:42:57.618" v="134" actId="1076"/>
-        <pc:sldMkLst>
-          <pc:docMk/>
-          <pc:sldMk cId="0" sldId="315"/>
-        </pc:sldMkLst>
-        <pc:spChg chg="add mod">
-          <ac:chgData name="손 경일" userId="0d74cfca41046d23" providerId="Windows Live" clId="Web-{CC4C286C-218A-473F-8DB1-E27B16DC99A0}" dt="2021-05-23T01:42:57.618" v="134" actId="1076"/>
-          <ac:spMkLst>
-            <pc:docMk/>
-            <pc:sldMk cId="0" sldId="315"/>
-            <ac:spMk id="7" creationId="{2DBF117D-8C66-474D-9078-371776145648}"/>
-          </ac:spMkLst>
-        </pc:spChg>
-        <pc:spChg chg="mod">
-          <ac:chgData name="손 경일" userId="0d74cfca41046d23" providerId="Windows Live" clId="Web-{CC4C286C-218A-473F-8DB1-E27B16DC99A0}" dt="2021-05-23T01:42:55.056" v="130" actId="1076"/>
-          <ac:spMkLst>
-            <pc:docMk/>
-            <pc:sldMk cId="0" sldId="315"/>
-            <ac:spMk id="15" creationId="{00000000-0000-0000-0000-000000000000}"/>
-          </ac:spMkLst>
-        </pc:spChg>
-        <pc:spChg chg="mod">
-          <ac:chgData name="손 경일" userId="0d74cfca41046d23" providerId="Windows Live" clId="Web-{CC4C286C-218A-473F-8DB1-E27B16DC99A0}" dt="2021-05-23T01:42:55.071" v="131" actId="1076"/>
-          <ac:spMkLst>
-            <pc:docMk/>
-            <pc:sldMk cId="0" sldId="315"/>
-            <ac:spMk id="16" creationId="{00000000-0000-0000-0000-000000000000}"/>
-          </ac:spMkLst>
-        </pc:spChg>
-        <pc:spChg chg="mod">
-          <ac:chgData name="손 경일" userId="0d74cfca41046d23" providerId="Windows Live" clId="Web-{CC4C286C-218A-473F-8DB1-E27B16DC99A0}" dt="2021-05-23T01:42:55.087" v="132" actId="1076"/>
-          <ac:spMkLst>
-            <pc:docMk/>
-            <pc:sldMk cId="0" sldId="315"/>
-            <ac:spMk id="17" creationId="{00000000-0000-0000-0000-000000000000}"/>
-          </ac:spMkLst>
-        </pc:spChg>
-        <pc:spChg chg="mod">
-          <ac:chgData name="손 경일" userId="0d74cfca41046d23" providerId="Windows Live" clId="Web-{CC4C286C-218A-473F-8DB1-E27B16DC99A0}" dt="2021-05-23T01:42:55.102" v="133" actId="1076"/>
-          <ac:spMkLst>
-            <pc:docMk/>
-            <pc:sldMk cId="0" sldId="315"/>
-            <ac:spMk id="18" creationId="{00000000-0000-0000-0000-000000000000}"/>
-          </ac:spMkLst>
-        </pc:spChg>
-        <pc:inkChg chg="add">
-          <ac:chgData name="손 경일" userId="0d74cfca41046d23" providerId="Windows Live" clId="Web-{CC4C286C-218A-473F-8DB1-E27B16DC99A0}" dt="2021-05-23T01:03:41.913" v="26"/>
-          <ac:inkMkLst>
-            <pc:docMk/>
-            <pc:sldMk cId="0" sldId="315"/>
-            <ac:inkMk id="2" creationId="{296E53BB-6697-4DA2-883E-7C423F4B098D}"/>
-          </ac:inkMkLst>
-        </pc:inkChg>
-        <pc:inkChg chg="add del">
-          <ac:chgData name="손 경일" userId="0d74cfca41046d23" providerId="Windows Live" clId="Web-{CC4C286C-218A-473F-8DB1-E27B16DC99A0}" dt="2021-05-23T01:05:45.947" v="34"/>
-          <ac:inkMkLst>
-            <pc:docMk/>
-            <pc:sldMk cId="0" sldId="315"/>
-            <ac:inkMk id="3" creationId="{5E4806DE-6D50-4C5E-BEC5-3AA9405F367A}"/>
-          </ac:inkMkLst>
-        </pc:inkChg>
-        <pc:inkChg chg="add del">
-          <ac:chgData name="손 경일" userId="0d74cfca41046d23" providerId="Windows Live" clId="Web-{CC4C286C-218A-473F-8DB1-E27B16DC99A0}" dt="2021-05-23T01:05:45.947" v="33"/>
-          <ac:inkMkLst>
-            <pc:docMk/>
-            <pc:sldMk cId="0" sldId="315"/>
-            <ac:inkMk id="4" creationId="{87193A77-8DB0-409B-86FF-333272F78BC9}"/>
-          </ac:inkMkLst>
-        </pc:inkChg>
-        <pc:inkChg chg="add del">
-          <ac:chgData name="손 경일" userId="0d74cfca41046d23" providerId="Windows Live" clId="Web-{CC4C286C-218A-473F-8DB1-E27B16DC99A0}" dt="2021-05-23T01:05:45.947" v="32"/>
-          <ac:inkMkLst>
-            <pc:docMk/>
-            <pc:sldMk cId="0" sldId="315"/>
-            <ac:inkMk id="5" creationId="{96F0DAD2-82C8-4F1C-9BF0-E96D9972BB16}"/>
-          </ac:inkMkLst>
-        </pc:inkChg>
-        <pc:inkChg chg="add del">
-          <ac:chgData name="손 경일" userId="0d74cfca41046d23" providerId="Windows Live" clId="Web-{CC4C286C-218A-473F-8DB1-E27B16DC99A0}" dt="2021-05-23T01:05:45.947" v="31"/>
-          <ac:inkMkLst>
-            <pc:docMk/>
-            <pc:sldMk cId="0" sldId="315"/>
-            <ac:inkMk id="6" creationId="{BEEB4FB3-FB7B-4501-BF5C-04817849A257}"/>
-          </ac:inkMkLst>
-        </pc:inkChg>
-      </pc:sldChg>
-      <pc:sldChg chg="addSp modSp ord">
-        <pc:chgData name="손 경일" userId="0d74cfca41046d23" providerId="Windows Live" clId="Web-{CC4C286C-218A-473F-8DB1-E27B16DC99A0}" dt="2021-05-23T04:39:57.152" v="1258" actId="1076"/>
-        <pc:sldMkLst>
-          <pc:docMk/>
-          <pc:sldMk cId="0" sldId="317"/>
-        </pc:sldMkLst>
-        <pc:spChg chg="add mod">
-          <ac:chgData name="손 경일" userId="0d74cfca41046d23" providerId="Windows Live" clId="Web-{CC4C286C-218A-473F-8DB1-E27B16DC99A0}" dt="2021-05-23T04:19:52.343" v="997" actId="1076"/>
-          <ac:spMkLst>
-            <pc:docMk/>
-            <pc:sldMk cId="0" sldId="317"/>
-            <ac:spMk id="3" creationId="{C767FBF1-CA54-47F6-B52C-34EE552DB237}"/>
-          </ac:spMkLst>
-        </pc:spChg>
-        <pc:spChg chg="mod">
-          <ac:chgData name="손 경일" userId="0d74cfca41046d23" providerId="Windows Live" clId="Web-{CC4C286C-218A-473F-8DB1-E27B16DC99A0}" dt="2021-05-23T04:16:02.760" v="861" actId="1076"/>
-          <ac:spMkLst>
-            <pc:docMk/>
-            <pc:sldMk cId="0" sldId="317"/>
-            <ac:spMk id="26" creationId="{00000000-0000-0000-0000-000000000000}"/>
-          </ac:spMkLst>
-        </pc:spChg>
-        <pc:spChg chg="mod">
-          <ac:chgData name="손 경일" userId="0d74cfca41046d23" providerId="Windows Live" clId="Web-{CC4C286C-218A-473F-8DB1-E27B16DC99A0}" dt="2021-05-23T04:39:53.839" v="1257" actId="20577"/>
-          <ac:spMkLst>
-            <pc:docMk/>
-            <pc:sldMk cId="0" sldId="317"/>
-            <ac:spMk id="27" creationId="{00000000-0000-0000-0000-000000000000}"/>
-          </ac:spMkLst>
-        </pc:spChg>
-        <pc:picChg chg="add mod">
-          <ac:chgData name="손 경일" userId="0d74cfca41046d23" providerId="Windows Live" clId="Web-{CC4C286C-218A-473F-8DB1-E27B16DC99A0}" dt="2021-05-23T04:39:57.152" v="1258" actId="1076"/>
-          <ac:picMkLst>
-            <pc:docMk/>
-            <pc:sldMk cId="0" sldId="317"/>
-            <ac:picMk id="2" creationId="{981ED798-4AFC-4C40-BDA2-B97B484B5AFB}"/>
-          </ac:picMkLst>
-        </pc:picChg>
-        <pc:picChg chg="add mod">
-          <ac:chgData name="손 경일" userId="0d74cfca41046d23" providerId="Windows Live" clId="Web-{CC4C286C-218A-473F-8DB1-E27B16DC99A0}" dt="2021-05-23T04:27:46.384" v="1093" actId="1076"/>
-          <ac:picMkLst>
-            <pc:docMk/>
-            <pc:sldMk cId="0" sldId="317"/>
-            <ac:picMk id="6" creationId="{8C54BB57-FFCF-468A-9825-C9B185572EF6}"/>
-          </ac:picMkLst>
-        </pc:picChg>
-      </pc:sldChg>
-      <pc:sldChg chg="addSp delSp modSp">
-        <pc:chgData name="손 경일" userId="0d74cfca41046d23" providerId="Windows Live" clId="Web-{CC4C286C-218A-473F-8DB1-E27B16DC99A0}" dt="2021-05-23T06:22:03.669" v="2277" actId="20577"/>
-        <pc:sldMkLst>
-          <pc:docMk/>
-          <pc:sldMk cId="0" sldId="319"/>
-        </pc:sldMkLst>
-        <pc:spChg chg="add mod">
-          <ac:chgData name="손 경일" userId="0d74cfca41046d23" providerId="Windows Live" clId="Web-{CC4C286C-218A-473F-8DB1-E27B16DC99A0}" dt="2021-05-23T06:22:03.669" v="2277" actId="20577"/>
-          <ac:spMkLst>
-            <pc:docMk/>
-            <pc:sldMk cId="0" sldId="319"/>
-            <ac:spMk id="2" creationId="{D947EDEC-87FB-49C7-85A8-E21CE2ED0720}"/>
-          </ac:spMkLst>
-        </pc:spChg>
-        <pc:spChg chg="mod">
-          <ac:chgData name="손 경일" userId="0d74cfca41046d23" providerId="Windows Live" clId="Web-{CC4C286C-218A-473F-8DB1-E27B16DC99A0}" dt="2021-05-23T06:17:49.119" v="2227" actId="20577"/>
-          <ac:spMkLst>
-            <pc:docMk/>
-            <pc:sldMk cId="0" sldId="319"/>
-            <ac:spMk id="27" creationId="{00000000-0000-0000-0000-000000000000}"/>
-          </ac:spMkLst>
-        </pc:spChg>
-        <pc:picChg chg="del">
-          <ac:chgData name="손 경일" userId="0d74cfca41046d23" providerId="Windows Live" clId="Web-{CC4C286C-218A-473F-8DB1-E27B16DC99A0}" dt="2021-05-23T06:17:52.462" v="2228"/>
-          <ac:picMkLst>
-            <pc:docMk/>
-            <pc:sldMk cId="0" sldId="319"/>
-            <ac:picMk id="62" creationId="{00000000-0000-0000-0000-000000000000}"/>
-          </ac:picMkLst>
-        </pc:picChg>
-      </pc:sldChg>
-      <pc:sldChg chg="addSp delSp modSp">
-        <pc:chgData name="손 경일" userId="0d74cfca41046d23" providerId="Windows Live" clId="Web-{CC4C286C-218A-473F-8DB1-E27B16DC99A0}" dt="2021-05-23T04:41:14.044" v="1288" actId="20577"/>
-        <pc:sldMkLst>
-          <pc:docMk/>
-          <pc:sldMk cId="0" sldId="321"/>
-        </pc:sldMkLst>
-        <pc:spChg chg="add mod">
-          <ac:chgData name="손 경일" userId="0d74cfca41046d23" providerId="Windows Live" clId="Web-{CC4C286C-218A-473F-8DB1-E27B16DC99A0}" dt="2021-05-23T04:41:14.044" v="1288" actId="20577"/>
-          <ac:spMkLst>
-            <pc:docMk/>
-            <pc:sldMk cId="0" sldId="321"/>
-            <ac:spMk id="2" creationId="{ABB81558-8BB3-43A8-8005-C7F0019358A0}"/>
-          </ac:spMkLst>
-        </pc:spChg>
-        <pc:spChg chg="mod">
-          <ac:chgData name="손 경일" userId="0d74cfca41046d23" providerId="Windows Live" clId="Web-{CC4C286C-218A-473F-8DB1-E27B16DC99A0}" dt="2021-05-23T04:36:25.319" v="1220" actId="1076"/>
-          <ac:spMkLst>
-            <pc:docMk/>
-            <pc:sldMk cId="0" sldId="321"/>
-            <ac:spMk id="27" creationId="{00000000-0000-0000-0000-000000000000}"/>
-          </ac:spMkLst>
-        </pc:spChg>
-        <pc:spChg chg="del">
-          <ac:chgData name="손 경일" userId="0d74cfca41046d23" providerId="Windows Live" clId="Web-{CC4C286C-218A-473F-8DB1-E27B16DC99A0}" dt="2021-05-23T04:36:03.741" v="1206"/>
-          <ac:spMkLst>
-            <pc:docMk/>
-            <pc:sldMk cId="0" sldId="321"/>
-            <ac:spMk id="61" creationId="{00000000-0000-0000-0000-000000000000}"/>
-          </ac:spMkLst>
-        </pc:spChg>
-        <pc:picChg chg="add mod">
-          <ac:chgData name="손 경일" userId="0d74cfca41046d23" providerId="Windows Live" clId="Web-{CC4C286C-218A-473F-8DB1-E27B16DC99A0}" dt="2021-05-23T04:41:09.231" v="1284" actId="14100"/>
-          <ac:picMkLst>
-            <pc:docMk/>
-            <pc:sldMk cId="0" sldId="321"/>
-            <ac:picMk id="3" creationId="{2CE2BAA7-129F-462C-A0E7-041B7CCB40AE}"/>
-          </ac:picMkLst>
-        </pc:picChg>
-        <pc:picChg chg="del">
-          <ac:chgData name="손 경일" userId="0d74cfca41046d23" providerId="Windows Live" clId="Web-{CC4C286C-218A-473F-8DB1-E27B16DC99A0}" dt="2021-05-23T04:36:05.053" v="1207"/>
-          <ac:picMkLst>
-            <pc:docMk/>
-            <pc:sldMk cId="0" sldId="321"/>
-            <ac:picMk id="62" creationId="{00000000-0000-0000-0000-000000000000}"/>
-          </ac:picMkLst>
-        </pc:picChg>
-      </pc:sldChg>
-      <pc:sldChg chg="addSp delSp modSp">
-        <pc:chgData name="손 경일" userId="0d74cfca41046d23" providerId="Windows Live" clId="Web-{CC4C286C-218A-473F-8DB1-E27B16DC99A0}" dt="2021-05-23T05:35:19.093" v="1770"/>
-        <pc:sldMkLst>
-          <pc:docMk/>
-          <pc:sldMk cId="0" sldId="322"/>
-        </pc:sldMkLst>
-        <pc:spChg chg="del">
-          <ac:chgData name="손 경일" userId="0d74cfca41046d23" providerId="Windows Live" clId="Web-{CC4C286C-218A-473F-8DB1-E27B16DC99A0}" dt="2021-05-23T05:34:04.639" v="1761"/>
-          <ac:spMkLst>
-            <pc:docMk/>
-            <pc:sldMk cId="0" sldId="322"/>
-            <ac:spMk id="40" creationId="{00000000-0000-0000-0000-000000000000}"/>
-          </ac:spMkLst>
-        </pc:spChg>
-        <pc:spChg chg="del">
-          <ac:chgData name="손 경일" userId="0d74cfca41046d23" providerId="Windows Live" clId="Web-{CC4C286C-218A-473F-8DB1-E27B16DC99A0}" dt="2021-05-23T05:34:04.639" v="1760"/>
-          <ac:spMkLst>
-            <pc:docMk/>
-            <pc:sldMk cId="0" sldId="322"/>
-            <ac:spMk id="41" creationId="{00000000-0000-0000-0000-000000000000}"/>
-          </ac:spMkLst>
-        </pc:spChg>
-        <pc:spChg chg="del">
-          <ac:chgData name="손 경일" userId="0d74cfca41046d23" providerId="Windows Live" clId="Web-{CC4C286C-218A-473F-8DB1-E27B16DC99A0}" dt="2021-05-23T05:34:04.639" v="1759"/>
-          <ac:spMkLst>
-            <pc:docMk/>
-            <pc:sldMk cId="0" sldId="322"/>
-            <ac:spMk id="42" creationId="{00000000-0000-0000-0000-000000000000}"/>
-          </ac:spMkLst>
-        </pc:spChg>
-        <pc:spChg chg="del">
-          <ac:chgData name="손 경일" userId="0d74cfca41046d23" providerId="Windows Live" clId="Web-{CC4C286C-218A-473F-8DB1-E27B16DC99A0}" dt="2021-05-23T05:34:05.967" v="1762"/>
-          <ac:spMkLst>
-            <pc:docMk/>
-            <pc:sldMk cId="0" sldId="322"/>
-            <ac:spMk id="43" creationId="{00000000-0000-0000-0000-000000000000}"/>
-          </ac:spMkLst>
-        </pc:spChg>
-        <pc:spChg chg="del">
-          <ac:chgData name="손 경일" userId="0d74cfca41046d23" providerId="Windows Live" clId="Web-{CC4C286C-218A-473F-8DB1-E27B16DC99A0}" dt="2021-05-23T05:34:04.639" v="1758"/>
-          <ac:spMkLst>
-            <pc:docMk/>
-            <pc:sldMk cId="0" sldId="322"/>
-            <ac:spMk id="44" creationId="{00000000-0000-0000-0000-000000000000}"/>
-          </ac:spMkLst>
-        </pc:spChg>
-        <pc:spChg chg="del">
-          <ac:chgData name="손 경일" userId="0d74cfca41046d23" providerId="Windows Live" clId="Web-{CC4C286C-218A-473F-8DB1-E27B16DC99A0}" dt="2021-05-23T05:34:04.639" v="1757"/>
-          <ac:spMkLst>
-            <pc:docMk/>
-            <pc:sldMk cId="0" sldId="322"/>
-            <ac:spMk id="45" creationId="{00000000-0000-0000-0000-000000000000}"/>
-          </ac:spMkLst>
-        </pc:spChg>
-        <pc:picChg chg="add mod">
-          <ac:chgData name="손 경일" userId="0d74cfca41046d23" providerId="Windows Live" clId="Web-{CC4C286C-218A-473F-8DB1-E27B16DC99A0}" dt="2021-05-23T05:34:11.623" v="1766" actId="1076"/>
-          <ac:picMkLst>
-            <pc:docMk/>
-            <pc:sldMk cId="0" sldId="322"/>
-            <ac:picMk id="2" creationId="{26FD8A24-C970-4BEB-83CE-41C34AFBDF54}"/>
-          </ac:picMkLst>
-        </pc:picChg>
-        <pc:picChg chg="add mod">
-          <ac:chgData name="손 경일" userId="0d74cfca41046d23" providerId="Windows Live" clId="Web-{CC4C286C-218A-473F-8DB1-E27B16DC99A0}" dt="2021-05-23T05:35:17.375" v="1769" actId="14100"/>
-          <ac:picMkLst>
-            <pc:docMk/>
-            <pc:sldMk cId="0" sldId="322"/>
-            <ac:picMk id="3" creationId="{592BB0E9-56A9-4313-AD6D-0300C3F17041}"/>
-          </ac:picMkLst>
-        </pc:picChg>
-        <pc:picChg chg="del">
-          <ac:chgData name="손 경일" userId="0d74cfca41046d23" providerId="Windows Live" clId="Web-{CC4C286C-218A-473F-8DB1-E27B16DC99A0}" dt="2021-05-23T05:35:19.093" v="1770"/>
-          <ac:picMkLst>
-            <pc:docMk/>
-            <pc:sldMk cId="0" sldId="322"/>
-            <ac:picMk id="34" creationId="{00000000-0000-0000-0000-000000000000}"/>
-          </ac:picMkLst>
-        </pc:picChg>
-        <pc:picChg chg="del">
-          <ac:chgData name="손 경일" userId="0d74cfca41046d23" providerId="Windows Live" clId="Web-{CC4C286C-218A-473F-8DB1-E27B16DC99A0}" dt="2021-05-23T05:34:02.139" v="1756"/>
-          <ac:picMkLst>
-            <pc:docMk/>
-            <pc:sldMk cId="0" sldId="322"/>
-            <ac:picMk id="35" creationId="{00000000-0000-0000-0000-000000000000}"/>
-          </ac:picMkLst>
-        </pc:picChg>
-        <pc:picChg chg="del">
-          <ac:chgData name="손 경일" userId="0d74cfca41046d23" providerId="Windows Live" clId="Web-{CC4C286C-218A-473F-8DB1-E27B16DC99A0}" dt="2021-05-23T05:34:01.404" v="1755"/>
-          <ac:picMkLst>
-            <pc:docMk/>
-            <pc:sldMk cId="0" sldId="322"/>
-            <ac:picMk id="37" creationId="{00000000-0000-0000-0000-000000000000}"/>
-          </ac:picMkLst>
-        </pc:picChg>
-      </pc:sldChg>
-      <pc:sldChg chg="addSp delSp modSp add">
-        <pc:chgData name="손 경일" userId="0d74cfca41046d23" providerId="Windows Live" clId="Web-{CC4C286C-218A-473F-8DB1-E27B16DC99A0}" dt="2021-05-23T04:35:50.193" v="1205" actId="1076"/>
-        <pc:sldMkLst>
-          <pc:docMk/>
-          <pc:sldMk cId="1709245692" sldId="328"/>
-        </pc:sldMkLst>
-        <pc:spChg chg="add mod">
-          <ac:chgData name="손 경일" userId="0d74cfca41046d23" providerId="Windows Live" clId="Web-{CC4C286C-218A-473F-8DB1-E27B16DC99A0}" dt="2021-05-23T04:35:37.896" v="1203" actId="20577"/>
-          <ac:spMkLst>
-            <pc:docMk/>
-            <pc:sldMk cId="1709245692" sldId="328"/>
-            <ac:spMk id="3" creationId="{1F8F19E7-398D-4CC8-8F5D-4BD0AF4CF8B2}"/>
-          </ac:spMkLst>
-        </pc:spChg>
-        <pc:spChg chg="add mod">
-          <ac:chgData name="손 경일" userId="0d74cfca41046d23" providerId="Windows Live" clId="Web-{CC4C286C-218A-473F-8DB1-E27B16DC99A0}" dt="2021-05-23T04:24:50.209" v="1091" actId="20577"/>
-          <ac:spMkLst>
-            <pc:docMk/>
-            <pc:sldMk cId="1709245692" sldId="328"/>
-            <ac:spMk id="4" creationId="{8578D5C4-29FE-4855-8644-7ED5B5383AE4}"/>
-          </ac:spMkLst>
-        </pc:spChg>
-        <pc:spChg chg="add mod">
-          <ac:chgData name="손 경일" userId="0d74cfca41046d23" providerId="Windows Live" clId="Web-{CC4C286C-218A-473F-8DB1-E27B16DC99A0}" dt="2021-05-23T04:24:24.630" v="1068" actId="1076"/>
-          <ac:spMkLst>
-            <pc:docMk/>
-            <pc:sldMk cId="1709245692" sldId="328"/>
-            <ac:spMk id="5" creationId="{BD5C2539-9FFC-49E5-ADDF-CAB0FB89C098}"/>
-          </ac:spMkLst>
-        </pc:spChg>
-        <pc:spChg chg="add mod">
-          <ac:chgData name="손 경일" userId="0d74cfca41046d23" providerId="Windows Live" clId="Web-{CC4C286C-218A-473F-8DB1-E27B16DC99A0}" dt="2021-05-23T04:24:24.661" v="1069" actId="1076"/>
-          <ac:spMkLst>
-            <pc:docMk/>
-            <pc:sldMk cId="1709245692" sldId="328"/>
-            <ac:spMk id="6" creationId="{1A2B582B-4ED3-4D3A-B67D-3B3356CAEAB6}"/>
-          </ac:spMkLst>
-        </pc:spChg>
-        <pc:spChg chg="add mod">
-          <ac:chgData name="손 경일" userId="0d74cfca41046d23" providerId="Windows Live" clId="Web-{CC4C286C-218A-473F-8DB1-E27B16DC99A0}" dt="2021-05-23T04:35:50.193" v="1205" actId="1076"/>
-          <ac:spMkLst>
-            <pc:docMk/>
-            <pc:sldMk cId="1709245692" sldId="328"/>
-            <ac:spMk id="8" creationId="{6657CD8C-AD9F-4460-9CCF-121BF0FC5ACA}"/>
-          </ac:spMkLst>
-        </pc:spChg>
-        <pc:spChg chg="del">
-          <ac:chgData name="손 경일" userId="0d74cfca41046d23" providerId="Windows Live" clId="Web-{CC4C286C-218A-473F-8DB1-E27B16DC99A0}" dt="2021-05-23T04:22:13.268" v="1012"/>
-          <ac:spMkLst>
-            <pc:docMk/>
-            <pc:sldMk cId="1709245692" sldId="328"/>
-            <ac:spMk id="11" creationId="{00000000-0000-0000-0000-000000000000}"/>
-          </ac:spMkLst>
-        </pc:spChg>
-        <pc:spChg chg="del">
-          <ac:chgData name="손 경일" userId="0d74cfca41046d23" providerId="Windows Live" clId="Web-{CC4C286C-218A-473F-8DB1-E27B16DC99A0}" dt="2021-05-23T04:22:13.268" v="1011"/>
-          <ac:spMkLst>
-            <pc:docMk/>
-            <pc:sldMk cId="1709245692" sldId="328"/>
-            <ac:spMk id="12" creationId="{00000000-0000-0000-0000-000000000000}"/>
-          </ac:spMkLst>
-        </pc:spChg>
-        <pc:spChg chg="del">
-          <ac:chgData name="손 경일" userId="0d74cfca41046d23" providerId="Windows Live" clId="Web-{CC4C286C-218A-473F-8DB1-E27B16DC99A0}" dt="2021-05-23T04:22:13.268" v="1010"/>
-          <ac:spMkLst>
-            <pc:docMk/>
-            <pc:sldMk cId="1709245692" sldId="328"/>
-            <ac:spMk id="13" creationId="{00000000-0000-0000-0000-000000000000}"/>
-          </ac:spMkLst>
-        </pc:spChg>
-        <pc:spChg chg="del">
-          <ac:chgData name="손 경일" userId="0d74cfca41046d23" providerId="Windows Live" clId="Web-{CC4C286C-218A-473F-8DB1-E27B16DC99A0}" dt="2021-05-23T04:22:07.018" v="1009"/>
-          <ac:spMkLst>
-            <pc:docMk/>
-            <pc:sldMk cId="1709245692" sldId="328"/>
-            <ac:spMk id="33" creationId="{00000000-0000-0000-0000-000000000000}"/>
-          </ac:spMkLst>
-        </pc:spChg>
-        <pc:grpChg chg="add">
-          <ac:chgData name="손 경일" userId="0d74cfca41046d23" providerId="Windows Live" clId="Web-{CC4C286C-218A-473F-8DB1-E27B16DC99A0}" dt="2021-05-23T01:45:23.277" v="141"/>
-          <ac:grpSpMkLst>
-            <pc:docMk/>
-            <pc:sldMk cId="1709245692" sldId="328"/>
-            <ac:grpSpMk id="2" creationId="{18FA4636-E5B0-45FE-97C8-72C77EBA4BF6}"/>
-          </ac:grpSpMkLst>
-        </pc:grpChg>
-        <pc:picChg chg="add mod">
-          <ac:chgData name="손 경일" userId="0d74cfca41046d23" providerId="Windows Live" clId="Web-{CC4C286C-218A-473F-8DB1-E27B16DC99A0}" dt="2021-05-23T04:35:48.599" v="1204" actId="1076"/>
-          <ac:picMkLst>
-            <pc:docMk/>
-            <pc:sldMk cId="1709245692" sldId="328"/>
-            <ac:picMk id="7" creationId="{2EAC2F17-A346-4B1D-8C67-C7FE39EFE6EF}"/>
-          </ac:picMkLst>
-        </pc:picChg>
-        <pc:picChg chg="add del">
-          <ac:chgData name="손 경일" userId="0d74cfca41046d23" providerId="Windows Live" clId="Web-{CC4C286C-218A-473F-8DB1-E27B16DC99A0}" dt="2021-05-23T04:22:03.283" v="1008"/>
-          <ac:picMkLst>
-            <pc:docMk/>
-            <pc:sldMk cId="1709245692" sldId="328"/>
-            <ac:picMk id="31" creationId="{00000000-0000-0000-0000-000000000000}"/>
-          </ac:picMkLst>
-        </pc:picChg>
-      </pc:sldChg>
-      <pc:sldChg chg="addSp delSp modSp add ord">
-        <pc:chgData name="손 경일" userId="0d74cfca41046d23" providerId="Windows Live" clId="Web-{CC4C286C-218A-473F-8DB1-E27B16DC99A0}" dt="2021-05-23T03:55:18.889" v="433"/>
-        <pc:sldMkLst>
-          <pc:docMk/>
-          <pc:sldMk cId="522071542" sldId="329"/>
-        </pc:sldMkLst>
-        <pc:spChg chg="add mod">
-          <ac:chgData name="손 경일" userId="0d74cfca41046d23" providerId="Windows Live" clId="Web-{CC4C286C-218A-473F-8DB1-E27B16DC99A0}" dt="2021-05-23T01:55:02.762" v="321" actId="14100"/>
-          <ac:spMkLst>
-            <pc:docMk/>
-            <pc:sldMk cId="522071542" sldId="329"/>
-            <ac:spMk id="5" creationId="{B0EDB031-E539-4809-8170-632235E68A4B}"/>
-          </ac:spMkLst>
-        </pc:spChg>
-        <pc:spChg chg="add del mod">
-          <ac:chgData name="손 경일" userId="0d74cfca41046d23" providerId="Windows Live" clId="Web-{CC4C286C-218A-473F-8DB1-E27B16DC99A0}" dt="2021-05-23T01:53:40.245" v="262"/>
-          <ac:spMkLst>
-            <pc:docMk/>
-            <pc:sldMk cId="522071542" sldId="329"/>
-            <ac:spMk id="6" creationId="{366189F8-2600-4BA5-BAA2-F346C3C571DB}"/>
-          </ac:spMkLst>
-        </pc:spChg>
-        <pc:spChg chg="mod">
-          <ac:chgData name="손 경일" userId="0d74cfca41046d23" providerId="Windows Live" clId="Web-{CC4C286C-218A-473F-8DB1-E27B16DC99A0}" dt="2021-05-23T01:50:19.756" v="218" actId="20577"/>
-          <ac:spMkLst>
-            <pc:docMk/>
-            <pc:sldMk cId="522071542" sldId="329"/>
-            <ac:spMk id="8" creationId="{00000000-0000-0000-0000-000000000000}"/>
-          </ac:spMkLst>
-        </pc:spChg>
-        <pc:spChg chg="del">
-          <ac:chgData name="손 경일" userId="0d74cfca41046d23" providerId="Windows Live" clId="Web-{CC4C286C-218A-473F-8DB1-E27B16DC99A0}" dt="2021-05-23T01:50:25.991" v="219"/>
-          <ac:spMkLst>
-            <pc:docMk/>
-            <pc:sldMk cId="522071542" sldId="329"/>
-            <ac:spMk id="10" creationId="{00000000-0000-0000-0000-000000000000}"/>
-          </ac:spMkLst>
-        </pc:spChg>
-        <pc:spChg chg="del mod">
-          <ac:chgData name="손 경일" userId="0d74cfca41046d23" providerId="Windows Live" clId="Web-{CC4C286C-218A-473F-8DB1-E27B16DC99A0}" dt="2021-05-23T01:53:28.995" v="253"/>
-          <ac:spMkLst>
-            <pc:docMk/>
-            <pc:sldMk cId="522071542" sldId="329"/>
-            <ac:spMk id="11" creationId="{00000000-0000-0000-0000-000000000000}"/>
-          </ac:spMkLst>
-        </pc:spChg>
-        <pc:spChg chg="mod">
-          <ac:chgData name="손 경일" userId="0d74cfca41046d23" providerId="Windows Live" clId="Web-{CC4C286C-218A-473F-8DB1-E27B16DC99A0}" dt="2021-05-23T01:53:53.714" v="263" actId="1076"/>
-          <ac:spMkLst>
-            <pc:docMk/>
-            <pc:sldMk cId="522071542" sldId="329"/>
-            <ac:spMk id="12" creationId="{00000000-0000-0000-0000-000000000000}"/>
-          </ac:spMkLst>
-        </pc:spChg>
-        <pc:spChg chg="mod">
-          <ac:chgData name="손 경일" userId="0d74cfca41046d23" providerId="Windows Live" clId="Web-{CC4C286C-218A-473F-8DB1-E27B16DC99A0}" dt="2021-05-23T01:53:53.730" v="264" actId="1076"/>
-          <ac:spMkLst>
-            <pc:docMk/>
-            <pc:sldMk cId="522071542" sldId="329"/>
-            <ac:spMk id="13" creationId="{00000000-0000-0000-0000-000000000000}"/>
-          </ac:spMkLst>
-        </pc:spChg>
-        <pc:spChg chg="add del mod">
-          <ac:chgData name="손 경일" userId="0d74cfca41046d23" providerId="Windows Live" clId="Web-{CC4C286C-218A-473F-8DB1-E27B16DC99A0}" dt="2021-05-23T01:53:40.245" v="261"/>
-          <ac:spMkLst>
-            <pc:docMk/>
-            <pc:sldMk cId="522071542" sldId="329"/>
-            <ac:spMk id="14" creationId="{3262B640-F6D5-464C-B0FF-74B36E38A231}"/>
-          </ac:spMkLst>
-        </pc:spChg>
-        <pc:spChg chg="mod">
-          <ac:chgData name="손 경일" userId="0d74cfca41046d23" providerId="Windows Live" clId="Web-{CC4C286C-218A-473F-8DB1-E27B16DC99A0}" dt="2021-05-23T01:55:15.262" v="324" actId="20577"/>
-          <ac:spMkLst>
-            <pc:docMk/>
-            <pc:sldMk cId="522071542" sldId="329"/>
-            <ac:spMk id="25" creationId="{3C674342-D132-4436-B394-19CA795B732A}"/>
-          </ac:spMkLst>
-        </pc:spChg>
-        <pc:spChg chg="del">
-          <ac:chgData name="손 경일" userId="0d74cfca41046d23" providerId="Windows Live" clId="Web-{CC4C286C-218A-473F-8DB1-E27B16DC99A0}" dt="2021-05-23T03:46:46.081" v="328"/>
-          <ac:spMkLst>
-            <pc:docMk/>
-            <pc:sldMk cId="522071542" sldId="329"/>
-            <ac:spMk id="31" creationId="{00000000-0000-0000-0000-000000000000}"/>
-          </ac:spMkLst>
-        </pc:spChg>
-        <pc:grpChg chg="add">
-          <ac:chgData name="손 경일" userId="0d74cfca41046d23" providerId="Windows Live" clId="Web-{CC4C286C-218A-473F-8DB1-E27B16DC99A0}" dt="2021-05-23T01:45:21.526" v="140"/>
-          <ac:grpSpMkLst>
-            <pc:docMk/>
-            <pc:sldMk cId="522071542" sldId="329"/>
-            <ac:grpSpMk id="2" creationId="{EF46A388-8610-47E7-81EA-F850C62149E3}"/>
-          </ac:grpSpMkLst>
-        </pc:grpChg>
-        <pc:picChg chg="add mod">
-          <ac:chgData name="손 경일" userId="0d74cfca41046d23" providerId="Windows Live" clId="Web-{CC4C286C-218A-473F-8DB1-E27B16DC99A0}" dt="2021-05-23T01:50:35.835" v="222" actId="1076"/>
-          <ac:picMkLst>
-            <pc:docMk/>
-            <pc:sldMk cId="522071542" sldId="329"/>
-            <ac:picMk id="3" creationId="{15F07E15-F06A-4E60-9C25-69F4ABC94D45}"/>
-          </ac:picMkLst>
-        </pc:picChg>
-        <pc:picChg chg="add mod">
-          <ac:chgData name="손 경일" userId="0d74cfca41046d23" providerId="Windows Live" clId="Web-{CC4C286C-218A-473F-8DB1-E27B16DC99A0}" dt="2021-05-23T01:53:36.651" v="260" actId="1076"/>
-          <ac:picMkLst>
-            <pc:docMk/>
-            <pc:sldMk cId="522071542" sldId="329"/>
-            <ac:picMk id="4" creationId="{7B596148-5B99-4ACA-B0D7-F86505D314AB}"/>
-          </ac:picMkLst>
-        </pc:picChg>
-      </pc:sldChg>
-      <pc:sldChg chg="addSp delSp modSp add replId">
-        <pc:chgData name="손 경일" userId="0d74cfca41046d23" providerId="Windows Live" clId="Web-{CC4C286C-218A-473F-8DB1-E27B16DC99A0}" dt="2021-05-23T03:54:47.514" v="432" actId="1076"/>
-        <pc:sldMkLst>
-          <pc:docMk/>
-          <pc:sldMk cId="3750459351" sldId="330"/>
-        </pc:sldMkLst>
-        <pc:spChg chg="mod">
-          <ac:chgData name="손 경일" userId="0d74cfca41046d23" providerId="Windows Live" clId="Web-{CC4C286C-218A-473F-8DB1-E27B16DC99A0}" dt="2021-05-23T03:49:20.710" v="343" actId="1076"/>
-          <ac:spMkLst>
-            <pc:docMk/>
-            <pc:sldMk cId="3750459351" sldId="330"/>
-            <ac:spMk id="7" creationId="{00000000-0000-0000-0000-000000000000}"/>
-          </ac:spMkLst>
-        </pc:spChg>
-        <pc:spChg chg="mod">
-          <ac:chgData name="손 경일" userId="0d74cfca41046d23" providerId="Windows Live" clId="Web-{CC4C286C-218A-473F-8DB1-E27B16DC99A0}" dt="2021-05-23T03:49:20.741" v="344" actId="1076"/>
-          <ac:spMkLst>
-            <pc:docMk/>
-            <pc:sldMk cId="3750459351" sldId="330"/>
-            <ac:spMk id="8" creationId="{00000000-0000-0000-0000-000000000000}"/>
-          </ac:spMkLst>
-        </pc:spChg>
-        <pc:spChg chg="mod">
-          <ac:chgData name="손 경일" userId="0d74cfca41046d23" providerId="Windows Live" clId="Web-{CC4C286C-218A-473F-8DB1-E27B16DC99A0}" dt="2021-05-23T03:49:20.772" v="345" actId="1076"/>
-          <ac:spMkLst>
-            <pc:docMk/>
-            <pc:sldMk cId="3750459351" sldId="330"/>
-            <ac:spMk id="10" creationId="{00000000-0000-0000-0000-000000000000}"/>
-          </ac:spMkLst>
-        </pc:spChg>
-        <pc:spChg chg="mod">
-          <ac:chgData name="손 경일" userId="0d74cfca41046d23" providerId="Windows Live" clId="Web-{CC4C286C-218A-473F-8DB1-E27B16DC99A0}" dt="2021-05-23T03:52:21.542" v="420" actId="1076"/>
-          <ac:spMkLst>
-            <pc:docMk/>
-            <pc:sldMk cId="3750459351" sldId="330"/>
-            <ac:spMk id="11" creationId="{00000000-0000-0000-0000-000000000000}"/>
-          </ac:spMkLst>
-        </pc:spChg>
-        <pc:spChg chg="mod">
-          <ac:chgData name="손 경일" userId="0d74cfca41046d23" providerId="Windows Live" clId="Web-{CC4C286C-218A-473F-8DB1-E27B16DC99A0}" dt="2021-05-23T03:52:21.479" v="418" actId="1076"/>
-          <ac:spMkLst>
-            <pc:docMk/>
-            <pc:sldMk cId="3750459351" sldId="330"/>
-            <ac:spMk id="12" creationId="{00000000-0000-0000-0000-000000000000}"/>
-          </ac:spMkLst>
-        </pc:spChg>
-        <pc:spChg chg="mod">
-          <ac:chgData name="손 경일" userId="0d74cfca41046d23" providerId="Windows Live" clId="Web-{CC4C286C-218A-473F-8DB1-E27B16DC99A0}" dt="2021-05-23T03:52:21.511" v="419" actId="1076"/>
-          <ac:spMkLst>
-            <pc:docMk/>
-            <pc:sldMk cId="3750459351" sldId="330"/>
-            <ac:spMk id="13" creationId="{00000000-0000-0000-0000-000000000000}"/>
-          </ac:spMkLst>
-        </pc:spChg>
-        <pc:spChg chg="mod">
-          <ac:chgData name="손 경일" userId="0d74cfca41046d23" providerId="Windows Live" clId="Web-{CC4C286C-218A-473F-8DB1-E27B16DC99A0}" dt="2021-05-23T01:55:19.950" v="326" actId="20577"/>
-          <ac:spMkLst>
-            <pc:docMk/>
-            <pc:sldMk cId="3750459351" sldId="330"/>
-            <ac:spMk id="25" creationId="{3C674342-D132-4436-B394-19CA795B732A}"/>
-          </ac:spMkLst>
-        </pc:spChg>
-        <pc:spChg chg="add mod">
-          <ac:chgData name="손 경일" userId="0d74cfca41046d23" providerId="Windows Live" clId="Web-{CC4C286C-218A-473F-8DB1-E27B16DC99A0}" dt="2021-05-23T03:54:47.514" v="432" actId="1076"/>
-          <ac:spMkLst>
-            <pc:docMk/>
-            <pc:sldMk cId="3750459351" sldId="330"/>
-            <ac:spMk id="30" creationId="{C2901C59-0924-4181-9A92-CF7EB80DCC9E}"/>
-          </ac:spMkLst>
-        </pc:spChg>
-        <pc:spChg chg="del">
-          <ac:chgData name="손 경일" userId="0d74cfca41046d23" providerId="Windows Live" clId="Web-{CC4C286C-218A-473F-8DB1-E27B16DC99A0}" dt="2021-05-23T03:49:06.631" v="338"/>
-          <ac:spMkLst>
-            <pc:docMk/>
-            <pc:sldMk cId="3750459351" sldId="330"/>
-            <ac:spMk id="31" creationId="{00000000-0000-0000-0000-000000000000}"/>
-          </ac:spMkLst>
-        </pc:spChg>
-        <pc:picChg chg="del">
-          <ac:chgData name="손 경일" userId="0d74cfca41046d23" providerId="Windows Live" clId="Web-{CC4C286C-218A-473F-8DB1-E27B16DC99A0}" dt="2021-05-23T01:55:21.809" v="327"/>
-          <ac:picMkLst>
-            <pc:docMk/>
-            <pc:sldMk cId="3750459351" sldId="330"/>
-            <ac:picMk id="3" creationId="{15F07E15-F06A-4E60-9C25-69F4ABC94D45}"/>
-          </ac:picMkLst>
-        </pc:picChg>
-        <pc:picChg chg="add del mod">
-          <ac:chgData name="손 경일" userId="0d74cfca41046d23" providerId="Windows Live" clId="Web-{CC4C286C-218A-473F-8DB1-E27B16DC99A0}" dt="2021-05-23T03:51:03.634" v="352"/>
-          <ac:picMkLst>
-            <pc:docMk/>
-            <pc:sldMk cId="3750459351" sldId="330"/>
-            <ac:picMk id="3" creationId="{28F3A847-7953-4944-AE4C-FB4D3F7C32B7}"/>
-          </ac:picMkLst>
-        </pc:picChg>
-        <pc:picChg chg="add mod">
-          <ac:chgData name="손 경일" userId="0d74cfca41046d23" providerId="Windows Live" clId="Web-{CC4C286C-218A-473F-8DB1-E27B16DC99A0}" dt="2021-05-23T03:51:16.072" v="359" actId="1076"/>
-          <ac:picMkLst>
-            <pc:docMk/>
-            <pc:sldMk cId="3750459351" sldId="330"/>
-            <ac:picMk id="4" creationId="{C060E1BD-9403-43EB-A334-15D24B01B58F}"/>
-          </ac:picMkLst>
-        </pc:picChg>
-        <pc:picChg chg="add mod">
-          <ac:chgData name="손 경일" userId="0d74cfca41046d23" providerId="Windows Live" clId="Web-{CC4C286C-218A-473F-8DB1-E27B16DC99A0}" dt="2021-05-23T03:51:13.915" v="358" actId="1076"/>
-          <ac:picMkLst>
-            <pc:docMk/>
-            <pc:sldMk cId="3750459351" sldId="330"/>
-            <ac:picMk id="5" creationId="{3FE083DF-4162-480B-B53F-D12708B7CB45}"/>
-          </ac:picMkLst>
-        </pc:picChg>
-        <pc:picChg chg="add mod">
-          <ac:chgData name="손 경일" userId="0d74cfca41046d23" providerId="Windows Live" clId="Web-{CC4C286C-218A-473F-8DB1-E27B16DC99A0}" dt="2021-05-23T03:54:34.920" v="426" actId="1076"/>
-          <ac:picMkLst>
-            <pc:docMk/>
-            <pc:sldMk cId="3750459351" sldId="330"/>
-            <ac:picMk id="6" creationId="{CE988FE7-3A11-4FC1-A12A-0EDDFFE0C70B}"/>
-          </ac:picMkLst>
-        </pc:picChg>
-      </pc:sldChg>
-      <pc:sldChg chg="addSp delSp modSp add replId">
-        <pc:chgData name="손 경일" userId="0d74cfca41046d23" providerId="Windows Live" clId="Web-{CC4C286C-218A-473F-8DB1-E27B16DC99A0}" dt="2021-05-23T04:33:32.096" v="1184"/>
-        <pc:sldMkLst>
-          <pc:docMk/>
-          <pc:sldMk cId="3291391803" sldId="331"/>
-        </pc:sldMkLst>
-        <pc:spChg chg="add mod">
-          <ac:chgData name="손 경일" userId="0d74cfca41046d23" providerId="Windows Live" clId="Web-{CC4C286C-218A-473F-8DB1-E27B16DC99A0}" dt="2021-05-23T04:12:58.553" v="815" actId="1076"/>
-          <ac:spMkLst>
-            <pc:docMk/>
-            <pc:sldMk cId="3291391803" sldId="331"/>
-            <ac:spMk id="26" creationId="{DEEDEB2A-F093-4830-9CB6-FDD4216A873E}"/>
-          </ac:spMkLst>
-        </pc:spChg>
-        <pc:spChg chg="mod">
-          <ac:chgData name="손 경일" userId="0d74cfca41046d23" providerId="Windows Live" clId="Web-{CC4C286C-218A-473F-8DB1-E27B16DC99A0}" dt="2021-05-23T04:20:54.954" v="1000" actId="1076"/>
-          <ac:spMkLst>
-            <pc:docMk/>
-            <pc:sldMk cId="3291391803" sldId="331"/>
-            <ac:spMk id="31" creationId="{00000000-0000-0000-0000-000000000000}"/>
-          </ac:spMkLst>
-        </pc:spChg>
-        <pc:spChg chg="mod">
-          <ac:chgData name="손 경일" userId="0d74cfca41046d23" providerId="Windows Live" clId="Web-{CC4C286C-218A-473F-8DB1-E27B16DC99A0}" dt="2021-05-23T04:20:54.969" v="1001" actId="1076"/>
-          <ac:spMkLst>
-            <pc:docMk/>
-            <pc:sldMk cId="3291391803" sldId="331"/>
-            <ac:spMk id="33" creationId="{00000000-0000-0000-0000-000000000000}"/>
-          </ac:spMkLst>
-        </pc:spChg>
-        <pc:spChg chg="mod">
-          <ac:chgData name="손 경일" userId="0d74cfca41046d23" providerId="Windows Live" clId="Web-{CC4C286C-218A-473F-8DB1-E27B16DC99A0}" dt="2021-05-23T04:13:55.273" v="816" actId="14100"/>
-          <ac:spMkLst>
-            <pc:docMk/>
-            <pc:sldMk cId="3291391803" sldId="331"/>
-            <ac:spMk id="34" creationId="{00000000-0000-0000-0000-000000000000}"/>
-          </ac:spMkLst>
-        </pc:spChg>
-        <pc:spChg chg="del">
-          <ac:chgData name="손 경일" userId="0d74cfca41046d23" providerId="Windows Live" clId="Web-{CC4C286C-218A-473F-8DB1-E27B16DC99A0}" dt="2021-05-23T04:08:13.609" v="742"/>
-          <ac:spMkLst>
-            <pc:docMk/>
-            <pc:sldMk cId="3291391803" sldId="331"/>
-            <ac:spMk id="37" creationId="{00000000-0000-0000-0000-000000000000}"/>
-          </ac:spMkLst>
-        </pc:spChg>
-        <pc:spChg chg="mod">
-          <ac:chgData name="손 경일" userId="0d74cfca41046d23" providerId="Windows Live" clId="Web-{CC4C286C-218A-473F-8DB1-E27B16DC99A0}" dt="2021-05-23T04:14:09.383" v="832" actId="20577"/>
-          <ac:spMkLst>
-            <pc:docMk/>
-            <pc:sldMk cId="3291391803" sldId="331"/>
-            <ac:spMk id="42" creationId="{00000000-0000-0000-0000-000000000000}"/>
-          </ac:spMkLst>
-        </pc:spChg>
-        <pc:picChg chg="add del mod">
-          <ac:chgData name="손 경일" userId="0d74cfca41046d23" providerId="Windows Live" clId="Web-{CC4C286C-218A-473F-8DB1-E27B16DC99A0}" dt="2021-05-23T04:30:08.372" v="1117"/>
-          <ac:picMkLst>
-            <pc:docMk/>
-            <pc:sldMk cId="3291391803" sldId="331"/>
-            <ac:picMk id="3" creationId="{ADE46175-EA40-4764-B3DB-9086437341A9}"/>
-          </ac:picMkLst>
-        </pc:picChg>
-        <pc:picChg chg="add del mod">
-          <ac:chgData name="손 경일" userId="0d74cfca41046d23" providerId="Windows Live" clId="Web-{CC4C286C-218A-473F-8DB1-E27B16DC99A0}" dt="2021-05-23T04:31:05.279" v="1129"/>
-          <ac:picMkLst>
-            <pc:docMk/>
-            <pc:sldMk cId="3291391803" sldId="331"/>
-            <ac:picMk id="4" creationId="{E78C2E23-EC9F-45A6-AC52-C453C0ED935A}"/>
-          </ac:picMkLst>
-        </pc:picChg>
-        <pc:picChg chg="add del mod">
-          <ac:chgData name="손 경일" userId="0d74cfca41046d23" providerId="Windows Live" clId="Web-{CC4C286C-218A-473F-8DB1-E27B16DC99A0}" dt="2021-05-23T04:30:01.512" v="1114"/>
-          <ac:picMkLst>
-            <pc:docMk/>
-            <pc:sldMk cId="3291391803" sldId="331"/>
-            <ac:picMk id="5" creationId="{5086E9A8-10EB-401D-8BC3-C2D4E9DF27D2}"/>
-          </ac:picMkLst>
-        </pc:picChg>
-        <pc:picChg chg="add mod">
-          <ac:chgData name="손 경일" userId="0d74cfca41046d23" providerId="Windows Live" clId="Web-{CC4C286C-218A-473F-8DB1-E27B16DC99A0}" dt="2021-05-23T04:30:12.966" v="1119" actId="14100"/>
-          <ac:picMkLst>
-            <pc:docMk/>
-            <pc:sldMk cId="3291391803" sldId="331"/>
-            <ac:picMk id="6" creationId="{5557C46C-869A-4C74-9895-5EF7BCA01A73}"/>
-          </ac:picMkLst>
-        </pc:picChg>
-        <pc:picChg chg="add mod">
-          <ac:chgData name="손 경일" userId="0d74cfca41046d23" providerId="Windows Live" clId="Web-{CC4C286C-218A-473F-8DB1-E27B16DC99A0}" dt="2021-05-23T04:31:47.983" v="1140" actId="14100"/>
-          <ac:picMkLst>
-            <pc:docMk/>
-            <pc:sldMk cId="3291391803" sldId="331"/>
-            <ac:picMk id="32" creationId="{649586A0-031F-44DB-9DC0-85F26803DD77}"/>
-          </ac:picMkLst>
-        </pc:picChg>
-        <pc:inkChg chg="add">
-          <ac:chgData name="손 경일" userId="0d74cfca41046d23" providerId="Windows Live" clId="Web-{CC4C286C-218A-473F-8DB1-E27B16DC99A0}" dt="2021-05-23T04:30:22.716" v="1120"/>
-          <ac:inkMkLst>
-            <pc:docMk/>
-            <pc:sldMk cId="3291391803" sldId="331"/>
-            <ac:inkMk id="7" creationId="{E98667FF-1FD1-431C-9389-E00C658B9940}"/>
-          </ac:inkMkLst>
-        </pc:inkChg>
-        <pc:inkChg chg="add">
-          <ac:chgData name="손 경일" userId="0d74cfca41046d23" providerId="Windows Live" clId="Web-{CC4C286C-218A-473F-8DB1-E27B16DC99A0}" dt="2021-05-23T04:30:23.779" v="1121"/>
-          <ac:inkMkLst>
-            <pc:docMk/>
-            <pc:sldMk cId="3291391803" sldId="331"/>
-            <ac:inkMk id="8" creationId="{C33EF105-0D32-490F-B079-F0E8D38477B6}"/>
-          </ac:inkMkLst>
-        </pc:inkChg>
-        <pc:inkChg chg="add del">
-          <ac:chgData name="손 경일" userId="0d74cfca41046d23" providerId="Windows Live" clId="Web-{CC4C286C-218A-473F-8DB1-E27B16DC99A0}" dt="2021-05-23T04:32:55.658" v="1150"/>
-          <ac:inkMkLst>
-            <pc:docMk/>
-            <pc:sldMk cId="3291391803" sldId="331"/>
-            <ac:inkMk id="10" creationId="{8FF746FA-3E51-4E02-8B87-C5893101EDCE}"/>
-          </ac:inkMkLst>
-        </pc:inkChg>
-        <pc:inkChg chg="add del">
-          <ac:chgData name="손 경일" userId="0d74cfca41046d23" providerId="Windows Live" clId="Web-{CC4C286C-218A-473F-8DB1-E27B16DC99A0}" dt="2021-05-23T04:32:55.658" v="1149"/>
-          <ac:inkMkLst>
-            <pc:docMk/>
-            <pc:sldMk cId="3291391803" sldId="331"/>
-            <ac:inkMk id="11" creationId="{CC1CA9A3-83AD-4A16-B26E-2CF3F61FB10B}"/>
-          </ac:inkMkLst>
-        </pc:inkChg>
-        <pc:inkChg chg="add del">
-          <ac:chgData name="손 경일" userId="0d74cfca41046d23" providerId="Windows Live" clId="Web-{CC4C286C-218A-473F-8DB1-E27B16DC99A0}" dt="2021-05-23T04:32:55.658" v="1148"/>
-          <ac:inkMkLst>
-            <pc:docMk/>
-            <pc:sldMk cId="3291391803" sldId="331"/>
-            <ac:inkMk id="12" creationId="{E47A49B0-D221-4356-91CC-FBEDEA5313B8}"/>
-          </ac:inkMkLst>
-        </pc:inkChg>
-        <pc:inkChg chg="add del">
-          <ac:chgData name="손 경일" userId="0d74cfca41046d23" providerId="Windows Live" clId="Web-{CC4C286C-218A-473F-8DB1-E27B16DC99A0}" dt="2021-05-23T04:32:55.658" v="1147"/>
-          <ac:inkMkLst>
-            <pc:docMk/>
-            <pc:sldMk cId="3291391803" sldId="331"/>
-            <ac:inkMk id="13" creationId="{C9C2C5FC-00DC-4C7D-8873-8F2A73020737}"/>
-          </ac:inkMkLst>
-        </pc:inkChg>
-        <pc:inkChg chg="add del">
-          <ac:chgData name="손 경일" userId="0d74cfca41046d23" providerId="Windows Live" clId="Web-{CC4C286C-218A-473F-8DB1-E27B16DC99A0}" dt="2021-05-23T04:32:55.658" v="1146"/>
-          <ac:inkMkLst>
-            <pc:docMk/>
-            <pc:sldMk cId="3291391803" sldId="331"/>
-            <ac:inkMk id="14" creationId="{8F7423E7-F61E-4D50-BFCB-535BD387F968}"/>
-          </ac:inkMkLst>
-        </pc:inkChg>
-        <pc:inkChg chg="add del">
-          <ac:chgData name="손 경일" userId="0d74cfca41046d23" providerId="Windows Live" clId="Web-{CC4C286C-218A-473F-8DB1-E27B16DC99A0}" dt="2021-05-23T04:32:55.658" v="1145"/>
-          <ac:inkMkLst>
-            <pc:docMk/>
-            <pc:sldMk cId="3291391803" sldId="331"/>
-            <ac:inkMk id="16" creationId="{9448F401-29B1-4CFC-B4A3-D9E210005E4D}"/>
-          </ac:inkMkLst>
-        </pc:inkChg>
-        <pc:inkChg chg="add del">
-          <ac:chgData name="손 경일" userId="0d74cfca41046d23" providerId="Windows Live" clId="Web-{CC4C286C-218A-473F-8DB1-E27B16DC99A0}" dt="2021-05-23T04:32:55.658" v="1144"/>
-          <ac:inkMkLst>
-            <pc:docMk/>
-            <pc:sldMk cId="3291391803" sldId="331"/>
-            <ac:inkMk id="22" creationId="{2D559B5F-03EC-4D6C-B5F0-F589EC34B264}"/>
-          </ac:inkMkLst>
-        </pc:inkChg>
-        <pc:inkChg chg="add">
-          <ac:chgData name="손 경일" userId="0d74cfca41046d23" providerId="Windows Live" clId="Web-{CC4C286C-218A-473F-8DB1-E27B16DC99A0}" dt="2021-05-23T04:31:50.374" v="1141"/>
-          <ac:inkMkLst>
-            <pc:docMk/>
-            <pc:sldMk cId="3291391803" sldId="331"/>
-            <ac:inkMk id="35" creationId="{52DD1B7E-64F0-4D11-9C5E-076E7647548B}"/>
-          </ac:inkMkLst>
-        </pc:inkChg>
-        <pc:inkChg chg="add">
-          <ac:chgData name="손 경일" userId="0d74cfca41046d23" providerId="Windows Live" clId="Web-{CC4C286C-218A-473F-8DB1-E27B16DC99A0}" dt="2021-05-23T04:31:51.234" v="1142"/>
-          <ac:inkMkLst>
-            <pc:docMk/>
-            <pc:sldMk cId="3291391803" sldId="331"/>
-            <ac:inkMk id="36" creationId="{E497EEA6-A6CD-4489-AEA6-40BA1F6C301A}"/>
-          </ac:inkMkLst>
-        </pc:inkChg>
-        <pc:inkChg chg="add">
-          <ac:chgData name="손 경일" userId="0d74cfca41046d23" providerId="Windows Live" clId="Web-{CC4C286C-218A-473F-8DB1-E27B16DC99A0}" dt="2021-05-23T04:31:52.280" v="1143"/>
-          <ac:inkMkLst>
-            <pc:docMk/>
-            <pc:sldMk cId="3291391803" sldId="331"/>
-            <ac:inkMk id="38" creationId="{4E98209B-8A4F-4F51-99A0-AE3A4DE36763}"/>
-          </ac:inkMkLst>
-        </pc:inkChg>
-        <pc:inkChg chg="add">
-          <ac:chgData name="손 경일" userId="0d74cfca41046d23" providerId="Windows Live" clId="Web-{CC4C286C-218A-473F-8DB1-E27B16DC99A0}" dt="2021-05-23T04:33:00.330" v="1151"/>
-          <ac:inkMkLst>
-            <pc:docMk/>
-            <pc:sldMk cId="3291391803" sldId="331"/>
-            <ac:inkMk id="39" creationId="{70B64496-015B-4381-9FBC-856F54E565DD}"/>
-          </ac:inkMkLst>
-        </pc:inkChg>
-        <pc:inkChg chg="add">
-          <ac:chgData name="손 경일" userId="0d74cfca41046d23" providerId="Windows Live" clId="Web-{CC4C286C-218A-473F-8DB1-E27B16DC99A0}" dt="2021-05-23T04:33:00.346" v="1152"/>
-          <ac:inkMkLst>
-            <pc:docMk/>
-            <pc:sldMk cId="3291391803" sldId="331"/>
-            <ac:inkMk id="40" creationId="{20D6C716-2E9A-4964-ABFA-FACA2BC7BF36}"/>
-          </ac:inkMkLst>
-        </pc:inkChg>
-        <pc:inkChg chg="add">
-          <ac:chgData name="손 경일" userId="0d74cfca41046d23" providerId="Windows Live" clId="Web-{CC4C286C-218A-473F-8DB1-E27B16DC99A0}" dt="2021-05-23T04:33:00.377" v="1153"/>
-          <ac:inkMkLst>
-            <pc:docMk/>
-            <pc:sldMk cId="3291391803" sldId="331"/>
-            <ac:inkMk id="41" creationId="{B9E84102-F85E-439B-821B-4EE32C686CDD}"/>
-          </ac:inkMkLst>
-        </pc:inkChg>
-        <pc:inkChg chg="add">
-          <ac:chgData name="손 경일" userId="0d74cfca41046d23" providerId="Windows Live" clId="Web-{CC4C286C-218A-473F-8DB1-E27B16DC99A0}" dt="2021-05-23T04:33:00.393" v="1154"/>
-          <ac:inkMkLst>
-            <pc:docMk/>
-            <pc:sldMk cId="3291391803" sldId="331"/>
-            <ac:inkMk id="43" creationId="{1054CB7A-C027-48B8-982E-C5B136D25A43}"/>
-          </ac:inkMkLst>
-        </pc:inkChg>
-        <pc:inkChg chg="add">
-          <ac:chgData name="손 경일" userId="0d74cfca41046d23" providerId="Windows Live" clId="Web-{CC4C286C-218A-473F-8DB1-E27B16DC99A0}" dt="2021-05-23T04:33:00.424" v="1155"/>
-          <ac:inkMkLst>
-            <pc:docMk/>
-            <pc:sldMk cId="3291391803" sldId="331"/>
-            <ac:inkMk id="44" creationId="{3D1F38BC-F969-46AE-B6B9-454B9B767322}"/>
-          </ac:inkMkLst>
-        </pc:inkChg>
-        <pc:inkChg chg="add">
-          <ac:chgData name="손 경일" userId="0d74cfca41046d23" providerId="Windows Live" clId="Web-{CC4C286C-218A-473F-8DB1-E27B16DC99A0}" dt="2021-05-23T04:33:01.486" v="1156"/>
-          <ac:inkMkLst>
-            <pc:docMk/>
-            <pc:sldMk cId="3291391803" sldId="331"/>
-            <ac:inkMk id="45" creationId="{733D14A1-C87A-49D8-B557-3CCCD686BFE6}"/>
-          </ac:inkMkLst>
-        </pc:inkChg>
-        <pc:inkChg chg="add">
-          <ac:chgData name="손 경일" userId="0d74cfca41046d23" providerId="Windows Live" clId="Web-{CC4C286C-218A-473F-8DB1-E27B16DC99A0}" dt="2021-05-23T04:33:01.518" v="1157"/>
-          <ac:inkMkLst>
-            <pc:docMk/>
-            <pc:sldMk cId="3291391803" sldId="331"/>
-            <ac:inkMk id="46" creationId="{D60F2413-DBA3-44A6-BA80-8CD0B352FE27}"/>
-          </ac:inkMkLst>
-        </pc:inkChg>
-        <pc:inkChg chg="add">
-          <ac:chgData name="손 경일" userId="0d74cfca41046d23" providerId="Windows Live" clId="Web-{CC4C286C-218A-473F-8DB1-E27B16DC99A0}" dt="2021-05-23T04:33:04.799" v="1158"/>
-          <ac:inkMkLst>
-            <pc:docMk/>
-            <pc:sldMk cId="3291391803" sldId="331"/>
-            <ac:inkMk id="47" creationId="{CB0768CF-B30C-43EA-A5A0-FAED8C14ECD9}"/>
-          </ac:inkMkLst>
-        </pc:inkChg>
-        <pc:inkChg chg="add">
-          <ac:chgData name="손 경일" userId="0d74cfca41046d23" providerId="Windows Live" clId="Web-{CC4C286C-218A-473F-8DB1-E27B16DC99A0}" dt="2021-05-23T04:33:04.830" v="1159"/>
-          <ac:inkMkLst>
-            <pc:docMk/>
-            <pc:sldMk cId="3291391803" sldId="331"/>
-            <ac:inkMk id="48" creationId="{2B6E4E70-8472-4024-A7C0-9923069CF088}"/>
-          </ac:inkMkLst>
-        </pc:inkChg>
-        <pc:inkChg chg="add">
-          <ac:chgData name="손 경일" userId="0d74cfca41046d23" providerId="Windows Live" clId="Web-{CC4C286C-218A-473F-8DB1-E27B16DC99A0}" dt="2021-05-23T04:33:04.846" v="1160"/>
-          <ac:inkMkLst>
-            <pc:docMk/>
-            <pc:sldMk cId="3291391803" sldId="331"/>
-            <ac:inkMk id="49" creationId="{3FA12140-8C81-4ABB-8574-1EF5B487AFAA}"/>
-          </ac:inkMkLst>
-        </pc:inkChg>
-        <pc:inkChg chg="add">
-          <ac:chgData name="손 경일" userId="0d74cfca41046d23" providerId="Windows Live" clId="Web-{CC4C286C-218A-473F-8DB1-E27B16DC99A0}" dt="2021-05-23T04:33:04.877" v="1161"/>
-          <ac:inkMkLst>
-            <pc:docMk/>
-            <pc:sldMk cId="3291391803" sldId="331"/>
-            <ac:inkMk id="50" creationId="{D0ED4873-F284-4575-BAF2-780E8F375472}"/>
-          </ac:inkMkLst>
-        </pc:inkChg>
-        <pc:inkChg chg="add">
-          <ac:chgData name="손 경일" userId="0d74cfca41046d23" providerId="Windows Live" clId="Web-{CC4C286C-218A-473F-8DB1-E27B16DC99A0}" dt="2021-05-23T04:33:04.893" v="1162"/>
-          <ac:inkMkLst>
-            <pc:docMk/>
-            <pc:sldMk cId="3291391803" sldId="331"/>
-            <ac:inkMk id="51" creationId="{F0177B5A-5A0A-44CB-8ED4-8E6D37439D7E}"/>
-          </ac:inkMkLst>
-        </pc:inkChg>
-        <pc:inkChg chg="add">
-          <ac:chgData name="손 경일" userId="0d74cfca41046d23" providerId="Windows Live" clId="Web-{CC4C286C-218A-473F-8DB1-E27B16DC99A0}" dt="2021-05-23T04:33:04.908" v="1163"/>
-          <ac:inkMkLst>
-            <pc:docMk/>
-            <pc:sldMk cId="3291391803" sldId="331"/>
-            <ac:inkMk id="52" creationId="{5A65A35C-C2FD-4B00-BFFF-493D562B164A}"/>
-          </ac:inkMkLst>
-        </pc:inkChg>
-        <pc:inkChg chg="add del">
-          <ac:chgData name="손 경일" userId="0d74cfca41046d23" providerId="Windows Live" clId="Web-{CC4C286C-218A-473F-8DB1-E27B16DC99A0}" dt="2021-05-23T04:33:32.096" v="1178"/>
-          <ac:inkMkLst>
-            <pc:docMk/>
-            <pc:sldMk cId="3291391803" sldId="331"/>
-            <ac:inkMk id="53" creationId="{B03C4C7D-5403-4CC3-B25E-EC5D11EA59DA}"/>
-          </ac:inkMkLst>
-        </pc:inkChg>
-        <pc:inkChg chg="add del">
-          <ac:chgData name="손 경일" userId="0d74cfca41046d23" providerId="Windows Live" clId="Web-{CC4C286C-218A-473F-8DB1-E27B16DC99A0}" dt="2021-05-23T04:33:32.096" v="1179"/>
-          <ac:inkMkLst>
-            <pc:docMk/>
-            <pc:sldMk cId="3291391803" sldId="331"/>
-            <ac:inkMk id="54" creationId="{1D68EB3C-0C5B-4A00-8EA6-25B4FB9B02EC}"/>
-          </ac:inkMkLst>
-        </pc:inkChg>
-        <pc:inkChg chg="add del">
-          <ac:chgData name="손 경일" userId="0d74cfca41046d23" providerId="Windows Live" clId="Web-{CC4C286C-218A-473F-8DB1-E27B16DC99A0}" dt="2021-05-23T04:33:32.096" v="1180"/>
-          <ac:inkMkLst>
-            <pc:docMk/>
-            <pc:sldMk cId="3291391803" sldId="331"/>
-            <ac:inkMk id="55" creationId="{9B2837B9-59D0-45C3-A457-5FB8772DAA65}"/>
-          </ac:inkMkLst>
-        </pc:inkChg>
-        <pc:inkChg chg="add del">
-          <ac:chgData name="손 경일" userId="0d74cfca41046d23" providerId="Windows Live" clId="Web-{CC4C286C-218A-473F-8DB1-E27B16DC99A0}" dt="2021-05-23T04:33:32.096" v="1181"/>
-          <ac:inkMkLst>
-            <pc:docMk/>
-            <pc:sldMk cId="3291391803" sldId="331"/>
-            <ac:inkMk id="56" creationId="{E93D7079-E154-4F4B-8123-19EF04CB40A7}"/>
-          </ac:inkMkLst>
-        </pc:inkChg>
-        <pc:inkChg chg="add del">
-          <ac:chgData name="손 경일" userId="0d74cfca41046d23" providerId="Windows Live" clId="Web-{CC4C286C-218A-473F-8DB1-E27B16DC99A0}" dt="2021-05-23T04:33:32.096" v="1182"/>
-          <ac:inkMkLst>
-            <pc:docMk/>
-            <pc:sldMk cId="3291391803" sldId="331"/>
-            <ac:inkMk id="57" creationId="{0872CEC1-88F7-48FA-90AC-7D9E8DE5D72B}"/>
-          </ac:inkMkLst>
-        </pc:inkChg>
-        <pc:inkChg chg="add del">
-          <ac:chgData name="손 경일" userId="0d74cfca41046d23" providerId="Windows Live" clId="Web-{CC4C286C-218A-473F-8DB1-E27B16DC99A0}" dt="2021-05-23T04:33:32.096" v="1183"/>
-          <ac:inkMkLst>
-            <pc:docMk/>
-            <pc:sldMk cId="3291391803" sldId="331"/>
-            <ac:inkMk id="58" creationId="{A9F0F48B-DBD4-49C6-A352-D6D8DB4C5721}"/>
-          </ac:inkMkLst>
-        </pc:inkChg>
-        <pc:inkChg chg="add del">
-          <ac:chgData name="손 경일" userId="0d74cfca41046d23" providerId="Windows Live" clId="Web-{CC4C286C-218A-473F-8DB1-E27B16DC99A0}" dt="2021-05-23T04:33:32.096" v="1184"/>
-          <ac:inkMkLst>
-            <pc:docMk/>
-            <pc:sldMk cId="3291391803" sldId="331"/>
-            <ac:inkMk id="59" creationId="{B35CB0EE-B31C-45F7-9DC9-D49C202D789B}"/>
-          </ac:inkMkLst>
-        </pc:inkChg>
-      </pc:sldChg>
-      <pc:sldChg chg="addSp delSp modSp add replId">
-        <pc:chgData name="손 경일" userId="0d74cfca41046d23" providerId="Windows Live" clId="Web-{CC4C286C-218A-473F-8DB1-E27B16DC99A0}" dt="2021-05-23T05:09:31.226" v="1724"/>
-        <pc:sldMkLst>
-          <pc:docMk/>
-          <pc:sldMk cId="1872714273" sldId="332"/>
-        </pc:sldMkLst>
-        <pc:spChg chg="add mod">
-          <ac:chgData name="손 경일" userId="0d74cfca41046d23" providerId="Windows Live" clId="Web-{CC4C286C-218A-473F-8DB1-E27B16DC99A0}" dt="2021-05-23T04:50:07.103" v="1422" actId="20577"/>
-          <ac:spMkLst>
-            <pc:docMk/>
-            <pc:sldMk cId="1872714273" sldId="332"/>
-            <ac:spMk id="22" creationId="{60A5BF36-5A8E-48A2-80C9-6DAC5D0AFA30}"/>
-          </ac:spMkLst>
-        </pc:spChg>
-        <pc:spChg chg="mod">
-          <ac:chgData name="손 경일" userId="0d74cfca41046d23" providerId="Windows Live" clId="Web-{CC4C286C-218A-473F-8DB1-E27B16DC99A0}" dt="2021-05-23T04:29:07.542" v="1095" actId="1076"/>
-          <ac:spMkLst>
-            <pc:docMk/>
-            <pc:sldMk cId="1872714273" sldId="332"/>
-            <ac:spMk id="31" creationId="{00000000-0000-0000-0000-000000000000}"/>
-          </ac:spMkLst>
-        </pc:spChg>
-        <pc:spChg chg="mod">
-          <ac:chgData name="손 경일" userId="0d74cfca41046d23" providerId="Windows Live" clId="Web-{CC4C286C-218A-473F-8DB1-E27B16DC99A0}" dt="2021-05-23T04:29:07.558" v="1096" actId="1076"/>
-          <ac:spMkLst>
-            <pc:docMk/>
-            <pc:sldMk cId="1872714273" sldId="332"/>
-            <ac:spMk id="33" creationId="{00000000-0000-0000-0000-000000000000}"/>
-          </ac:spMkLst>
-        </pc:spChg>
-        <pc:spChg chg="del">
-          <ac:chgData name="손 경일" userId="0d74cfca41046d23" providerId="Windows Live" clId="Web-{CC4C286C-218A-473F-8DB1-E27B16DC99A0}" dt="2021-05-23T04:29:10.293" v="1098"/>
-          <ac:spMkLst>
-            <pc:docMk/>
-            <pc:sldMk cId="1872714273" sldId="332"/>
-            <ac:spMk id="34" creationId="{00000000-0000-0000-0000-000000000000}"/>
-          </ac:spMkLst>
-        </pc:spChg>
-        <pc:spChg chg="mod">
-          <ac:chgData name="손 경일" userId="0d74cfca41046d23" providerId="Windows Live" clId="Web-{CC4C286C-218A-473F-8DB1-E27B16DC99A0}" dt="2021-05-23T04:29:18.871" v="1111" actId="20577"/>
-          <ac:spMkLst>
-            <pc:docMk/>
-            <pc:sldMk cId="1872714273" sldId="332"/>
-            <ac:spMk id="37" creationId="{00000000-0000-0000-0000-000000000000}"/>
-          </ac:spMkLst>
-        </pc:spChg>
-        <pc:spChg chg="add mod">
-          <ac:chgData name="손 경일" userId="0d74cfca41046d23" providerId="Windows Live" clId="Web-{CC4C286C-218A-473F-8DB1-E27B16DC99A0}" dt="2021-05-23T05:03:29.765" v="1659" actId="1076"/>
-          <ac:spMkLst>
-            <pc:docMk/>
-            <pc:sldMk cId="1872714273" sldId="332"/>
-            <ac:spMk id="98" creationId="{4439E79A-C9BD-4D3F-AFF5-E726F64C634B}"/>
-          </ac:spMkLst>
-        </pc:spChg>
-        <pc:picChg chg="add mod">
-          <ac:chgData name="손 경일" userId="0d74cfca41046d23" providerId="Windows Live" clId="Web-{CC4C286C-218A-473F-8DB1-E27B16DC99A0}" dt="2021-05-23T04:42:59.765" v="1291" actId="14100"/>
-          <ac:picMkLst>
-            <pc:docMk/>
-            <pc:sldMk cId="1872714273" sldId="332"/>
-            <ac:picMk id="3" creationId="{175905EB-83B2-4FF7-9FCF-0A3EDC900A0A}"/>
-          </ac:picMkLst>
-        </pc:picChg>
-        <pc:picChg chg="add mod">
-          <ac:chgData name="손 경일" userId="0d74cfca41046d23" providerId="Windows Live" clId="Web-{CC4C286C-218A-473F-8DB1-E27B16DC99A0}" dt="2021-05-23T04:50:28.275" v="1424" actId="1076"/>
-          <ac:picMkLst>
-            <pc:docMk/>
-            <pc:sldMk cId="1872714273" sldId="332"/>
-            <ac:picMk id="26" creationId="{9BB09B87-3B14-4446-AF83-642BD8D1DA6C}"/>
-          </ac:picMkLst>
-        </pc:picChg>
-        <pc:picChg chg="add del mod">
-          <ac:chgData name="손 경일" userId="0d74cfca41046d23" providerId="Windows Live" clId="Web-{CC4C286C-218A-473F-8DB1-E27B16DC99A0}" dt="2021-05-23T04:55:55.986" v="1503"/>
-          <ac:picMkLst>
-            <pc:docMk/>
-            <pc:sldMk cId="1872714273" sldId="332"/>
-            <ac:picMk id="78" creationId="{E297C5A8-2955-4002-937D-53B41D0AD2D0}"/>
-          </ac:picMkLst>
-        </pc:picChg>
-        <pc:picChg chg="add mod">
-          <ac:chgData name="손 경일" userId="0d74cfca41046d23" providerId="Windows Live" clId="Web-{CC4C286C-218A-473F-8DB1-E27B16DC99A0}" dt="2021-05-23T05:01:30.559" v="1615" actId="1076"/>
-          <ac:picMkLst>
-            <pc:docMk/>
-            <pc:sldMk cId="1872714273" sldId="332"/>
-            <ac:picMk id="95" creationId="{CCAA707B-4EDE-460A-8498-E0293F7FD77E}"/>
-          </ac:picMkLst>
-        </pc:picChg>
-        <pc:picChg chg="add mod">
-          <ac:chgData name="손 경일" userId="0d74cfca41046d23" providerId="Windows Live" clId="Web-{CC4C286C-218A-473F-8DB1-E27B16DC99A0}" dt="2021-05-23T05:09:27.804" v="1723" actId="1076"/>
-          <ac:picMkLst>
-            <pc:docMk/>
-            <pc:sldMk cId="1872714273" sldId="332"/>
-            <ac:picMk id="115" creationId="{91902F56-806E-4E5B-AC30-FB5A0172EB73}"/>
-          </ac:picMkLst>
-        </pc:picChg>
-        <pc:inkChg chg="add">
-          <ac:chgData name="손 경일" userId="0d74cfca41046d23" providerId="Windows Live" clId="Web-{CC4C286C-218A-473F-8DB1-E27B16DC99A0}" dt="2021-05-23T04:43:43.516" v="1292"/>
-          <ac:inkMkLst>
-            <pc:docMk/>
-            <pc:sldMk cId="1872714273" sldId="332"/>
-            <ac:inkMk id="4" creationId="{8EB82233-05DE-4B6E-B045-387D8506CE4E}"/>
-          </ac:inkMkLst>
-        </pc:inkChg>
-        <pc:inkChg chg="add">
-          <ac:chgData name="손 경일" userId="0d74cfca41046d23" providerId="Windows Live" clId="Web-{CC4C286C-218A-473F-8DB1-E27B16DC99A0}" dt="2021-05-23T04:43:45.953" v="1293"/>
-          <ac:inkMkLst>
-            <pc:docMk/>
-            <pc:sldMk cId="1872714273" sldId="332"/>
-            <ac:inkMk id="5" creationId="{609A1743-941D-4724-81A8-E5E9AED78AE8}"/>
-          </ac:inkMkLst>
-        </pc:inkChg>
-        <pc:inkChg chg="add">
-          <ac:chgData name="손 경일" userId="0d74cfca41046d23" providerId="Windows Live" clId="Web-{CC4C286C-218A-473F-8DB1-E27B16DC99A0}" dt="2021-05-23T04:43:48.610" v="1294"/>
-          <ac:inkMkLst>
-            <pc:docMk/>
-            <pc:sldMk cId="1872714273" sldId="332"/>
-            <ac:inkMk id="6" creationId="{F7A625BA-64A0-4DA3-80AC-CA724221FE7F}"/>
-          </ac:inkMkLst>
-        </pc:inkChg>
-        <pc:inkChg chg="add">
-          <ac:chgData name="손 경일" userId="0d74cfca41046d23" providerId="Windows Live" clId="Web-{CC4C286C-218A-473F-8DB1-E27B16DC99A0}" dt="2021-05-23T04:43:50.860" v="1295"/>
-          <ac:inkMkLst>
-            <pc:docMk/>
-            <pc:sldMk cId="1872714273" sldId="332"/>
-            <ac:inkMk id="7" creationId="{4065C3C1-F247-4DBC-8DB5-2C2C1DF20F0D}"/>
-          </ac:inkMkLst>
-        </pc:inkChg>
-        <pc:inkChg chg="add">
-          <ac:chgData name="손 경일" userId="0d74cfca41046d23" providerId="Windows Live" clId="Web-{CC4C286C-218A-473F-8DB1-E27B16DC99A0}" dt="2021-05-23T04:43:50.860" v="1296"/>
-          <ac:inkMkLst>
-            <pc:docMk/>
-            <pc:sldMk cId="1872714273" sldId="332"/>
-            <ac:inkMk id="8" creationId="{F104954D-FFDC-45F3-B83A-9D2C3FBD813C}"/>
-          </ac:inkMkLst>
-        </pc:inkChg>
-        <pc:inkChg chg="add">
-          <ac:chgData name="손 경일" userId="0d74cfca41046d23" providerId="Windows Live" clId="Web-{CC4C286C-218A-473F-8DB1-E27B16DC99A0}" dt="2021-05-23T04:43:50.875" v="1297"/>
-          <ac:inkMkLst>
-            <pc:docMk/>
-            <pc:sldMk cId="1872714273" sldId="332"/>
-            <ac:inkMk id="10" creationId="{9C296C25-19BD-4004-8F85-1C33861C5920}"/>
-          </ac:inkMkLst>
-        </pc:inkChg>
-        <pc:inkChg chg="add">
-          <ac:chgData name="손 경일" userId="0d74cfca41046d23" providerId="Windows Live" clId="Web-{CC4C286C-218A-473F-8DB1-E27B16DC99A0}" dt="2021-05-23T04:43:50.891" v="1298"/>
-          <ac:inkMkLst>
-            <pc:docMk/>
-            <pc:sldMk cId="1872714273" sldId="332"/>
-            <ac:inkMk id="11" creationId="{5ECF0A31-5564-46D8-8D38-EFB8AB1EBF3E}"/>
-          </ac:inkMkLst>
-        </pc:inkChg>
-        <pc:inkChg chg="add">
-          <ac:chgData name="손 경일" userId="0d74cfca41046d23" providerId="Windows Live" clId="Web-{CC4C286C-218A-473F-8DB1-E27B16DC99A0}" dt="2021-05-23T04:43:53.375" v="1299"/>
-          <ac:inkMkLst>
-            <pc:docMk/>
-            <pc:sldMk cId="1872714273" sldId="332"/>
-            <ac:inkMk id="12" creationId="{E0E77AB1-9BBA-49DD-B9AF-5709647D9589}"/>
-          </ac:inkMkLst>
-        </pc:inkChg>
-        <pc:inkChg chg="add">
-          <ac:chgData name="손 경일" userId="0d74cfca41046d23" providerId="Windows Live" clId="Web-{CC4C286C-218A-473F-8DB1-E27B16DC99A0}" dt="2021-05-23T04:43:53.391" v="1300"/>
-          <ac:inkMkLst>
-            <pc:docMk/>
-            <pc:sldMk cId="1872714273" sldId="332"/>
-            <ac:inkMk id="13" creationId="{E0ECD8FF-157B-4169-B0D4-064C69E27EBE}"/>
-          </ac:inkMkLst>
-        </pc:inkChg>
-        <pc:inkChg chg="add">
-          <ac:chgData name="손 경일" userId="0d74cfca41046d23" providerId="Windows Live" clId="Web-{CC4C286C-218A-473F-8DB1-E27B16DC99A0}" dt="2021-05-23T04:43:53.407" v="1301"/>
-          <ac:inkMkLst>
-            <pc:docMk/>
-            <pc:sldMk cId="1872714273" sldId="332"/>
-            <ac:inkMk id="14" creationId="{8C587A52-AD93-4CDA-997F-9BDC69931B68}"/>
-          </ac:inkMkLst>
-        </pc:inkChg>
-        <pc:inkChg chg="add">
-          <ac:chgData name="손 경일" userId="0d74cfca41046d23" providerId="Windows Live" clId="Web-{CC4C286C-218A-473F-8DB1-E27B16DC99A0}" dt="2021-05-23T04:43:53.422" v="1302"/>
-          <ac:inkMkLst>
-            <pc:docMk/>
-            <pc:sldMk cId="1872714273" sldId="332"/>
-            <ac:inkMk id="16" creationId="{F600E1AC-3D93-46FC-9765-CE9841281F9B}"/>
-          </ac:inkMkLst>
-        </pc:inkChg>
-        <pc:inkChg chg="add del">
-          <ac:chgData name="손 경일" userId="0d74cfca41046d23" providerId="Windows Live" clId="Web-{CC4C286C-218A-473F-8DB1-E27B16DC99A0}" dt="2021-05-23T05:09:14.413" v="1714"/>
-          <ac:inkMkLst>
-            <pc:docMk/>
-            <pc:sldMk cId="1872714273" sldId="332"/>
-            <ac:inkMk id="32" creationId="{1B46D975-3E87-4421-A1FB-773F5AD4DE78}"/>
-          </ac:inkMkLst>
-        </pc:inkChg>
-        <pc:inkChg chg="add">
-          <ac:chgData name="손 경일" userId="0d74cfca41046d23" providerId="Windows Live" clId="Web-{CC4C286C-218A-473F-8DB1-E27B16DC99A0}" dt="2021-05-23T04:50:42.448" v="1426"/>
-          <ac:inkMkLst>
-            <pc:docMk/>
-            <pc:sldMk cId="1872714273" sldId="332"/>
-            <ac:inkMk id="38" creationId="{72183D81-5AD8-46CD-BC45-A256DA8861CF}"/>
-          </ac:inkMkLst>
-        </pc:inkChg>
-        <pc:inkChg chg="add">
-          <ac:chgData name="손 경일" userId="0d74cfca41046d23" providerId="Windows Live" clId="Web-{CC4C286C-218A-473F-8DB1-E27B16DC99A0}" dt="2021-05-23T04:50:45.635" v="1427"/>
-          <ac:inkMkLst>
-            <pc:docMk/>
-            <pc:sldMk cId="1872714273" sldId="332"/>
-            <ac:inkMk id="39" creationId="{554A04F4-9037-4D02-BC84-6C8440E78124}"/>
-          </ac:inkMkLst>
-        </pc:inkChg>
-        <pc:inkChg chg="add">
-          <ac:chgData name="손 경일" userId="0d74cfca41046d23" providerId="Windows Live" clId="Web-{CC4C286C-218A-473F-8DB1-E27B16DC99A0}" dt="2021-05-23T04:50:49.510" v="1428"/>
-          <ac:inkMkLst>
-            <pc:docMk/>
-            <pc:sldMk cId="1872714273" sldId="332"/>
-            <ac:inkMk id="40" creationId="{D8A1E73A-B989-4744-A39E-E1F120CDE911}"/>
-          </ac:inkMkLst>
-        </pc:inkChg>
-        <pc:inkChg chg="add">
-          <ac:chgData name="손 경일" userId="0d74cfca41046d23" providerId="Windows Live" clId="Web-{CC4C286C-218A-473F-8DB1-E27B16DC99A0}" dt="2021-05-23T04:50:51.151" v="1429"/>
-          <ac:inkMkLst>
-            <pc:docMk/>
-            <pc:sldMk cId="1872714273" sldId="332"/>
-            <ac:inkMk id="41" creationId="{AE7CA21B-0B68-4BD3-A60E-17AB76B4B6D7}"/>
-          </ac:inkMkLst>
-        </pc:inkChg>
-        <pc:inkChg chg="add del">
-          <ac:chgData name="손 경일" userId="0d74cfca41046d23" providerId="Windows Live" clId="Web-{CC4C286C-218A-473F-8DB1-E27B16DC99A0}" dt="2021-05-23T05:09:14.413" v="1713"/>
-          <ac:inkMkLst>
-            <pc:docMk/>
-            <pc:sldMk cId="1872714273" sldId="332"/>
-            <ac:inkMk id="43" creationId="{5ABAC22E-D218-4903-836F-16CDE627A0C0}"/>
-          </ac:inkMkLst>
-        </pc:inkChg>
-        <pc:inkChg chg="add del">
-          <ac:chgData name="손 경일" userId="0d74cfca41046d23" providerId="Windows Live" clId="Web-{CC4C286C-218A-473F-8DB1-E27B16DC99A0}" dt="2021-05-23T05:09:14.413" v="1712"/>
-          <ac:inkMkLst>
-            <pc:docMk/>
-            <pc:sldMk cId="1872714273" sldId="332"/>
-            <ac:inkMk id="44" creationId="{1C79DCC8-0A09-414C-B3E9-C05FF00EA467}"/>
-          </ac:inkMkLst>
-        </pc:inkChg>
-        <pc:inkChg chg="add del">
-          <ac:chgData name="손 경일" userId="0d74cfca41046d23" providerId="Windows Live" clId="Web-{CC4C286C-218A-473F-8DB1-E27B16DC99A0}" dt="2021-05-23T05:09:14.413" v="1711"/>
-          <ac:inkMkLst>
-            <pc:docMk/>
-            <pc:sldMk cId="1872714273" sldId="332"/>
-            <ac:inkMk id="45" creationId="{A62B44DD-BEED-40B3-B98B-6E2B02953248}"/>
-          </ac:inkMkLst>
-        </pc:inkChg>
-        <pc:inkChg chg="add del">
-          <ac:chgData name="손 경일" userId="0d74cfca41046d23" providerId="Windows Live" clId="Web-{CC4C286C-218A-473F-8DB1-E27B16DC99A0}" dt="2021-05-23T05:09:14.413" v="1710"/>
-          <ac:inkMkLst>
-            <pc:docMk/>
-            <pc:sldMk cId="1872714273" sldId="332"/>
-            <ac:inkMk id="46" creationId="{6C138B90-0819-4A8C-861C-53BB4E93EBB5}"/>
-          </ac:inkMkLst>
-        </pc:inkChg>
-        <pc:inkChg chg="add del">
-          <ac:chgData name="손 경일" userId="0d74cfca41046d23" providerId="Windows Live" clId="Web-{CC4C286C-218A-473F-8DB1-E27B16DC99A0}" dt="2021-05-23T05:09:14.397" v="1709"/>
-          <ac:inkMkLst>
-            <pc:docMk/>
-            <pc:sldMk cId="1872714273" sldId="332"/>
-            <ac:inkMk id="47" creationId="{EEA50A37-33D3-44D4-B41A-83727162B015}"/>
-          </ac:inkMkLst>
-        </pc:inkChg>
-        <pc:inkChg chg="add del">
-          <ac:chgData name="손 경일" userId="0d74cfca41046d23" providerId="Windows Live" clId="Web-{CC4C286C-218A-473F-8DB1-E27B16DC99A0}" dt="2021-05-23T05:09:14.397" v="1708"/>
-          <ac:inkMkLst>
-            <pc:docMk/>
-            <pc:sldMk cId="1872714273" sldId="332"/>
-            <ac:inkMk id="48" creationId="{818B9343-78CB-4F16-AC76-CBB4DC94289D}"/>
-          </ac:inkMkLst>
-        </pc:inkChg>
-        <pc:inkChg chg="add del">
-          <ac:chgData name="손 경일" userId="0d74cfca41046d23" providerId="Windows Live" clId="Web-{CC4C286C-218A-473F-8DB1-E27B16DC99A0}" dt="2021-05-23T05:09:14.397" v="1707"/>
-          <ac:inkMkLst>
-            <pc:docMk/>
-            <pc:sldMk cId="1872714273" sldId="332"/>
-            <ac:inkMk id="49" creationId="{20213914-F503-48C8-B8E2-E0562D443516}"/>
-          </ac:inkMkLst>
-        </pc:inkChg>
-        <pc:inkChg chg="add del">
-          <ac:chgData name="손 경일" userId="0d74cfca41046d23" providerId="Windows Live" clId="Web-{CC4C286C-218A-473F-8DB1-E27B16DC99A0}" dt="2021-05-23T05:09:14.397" v="1706"/>
-          <ac:inkMkLst>
-            <pc:docMk/>
-            <pc:sldMk cId="1872714273" sldId="332"/>
-            <ac:inkMk id="50" creationId="{C9B5DA6F-9DF5-4D51-AE48-F6ECA69A0B3C}"/>
-          </ac:inkMkLst>
-        </pc:inkChg>
-        <pc:inkChg chg="add del">
-          <ac:chgData name="손 경일" userId="0d74cfca41046d23" providerId="Windows Live" clId="Web-{CC4C286C-218A-473F-8DB1-E27B16DC99A0}" dt="2021-05-23T05:09:14.397" v="1705"/>
-          <ac:inkMkLst>
-            <pc:docMk/>
-            <pc:sldMk cId="1872714273" sldId="332"/>
-            <ac:inkMk id="51" creationId="{D0121DB0-676A-414B-B2C8-B7779B89911A}"/>
-          </ac:inkMkLst>
-        </pc:inkChg>
-        <pc:inkChg chg="add del">
-          <ac:chgData name="손 경일" userId="0d74cfca41046d23" providerId="Windows Live" clId="Web-{CC4C286C-218A-473F-8DB1-E27B16DC99A0}" dt="2021-05-23T05:09:14.397" v="1704"/>
-          <ac:inkMkLst>
-            <pc:docMk/>
-            <pc:sldMk cId="1872714273" sldId="332"/>
-            <ac:inkMk id="52" creationId="{1038C3F2-D1D1-4E38-A876-0F895139AD11}"/>
-          </ac:inkMkLst>
-        </pc:inkChg>
-        <pc:inkChg chg="add del">
-          <ac:chgData name="손 경일" userId="0d74cfca41046d23" providerId="Windows Live" clId="Web-{CC4C286C-218A-473F-8DB1-E27B16DC99A0}" dt="2021-05-23T05:09:14.397" v="1703"/>
-          <ac:inkMkLst>
-            <pc:docMk/>
-            <pc:sldMk cId="1872714273" sldId="332"/>
-            <ac:inkMk id="53" creationId="{830416E2-6FD3-4DB4-A681-5EA41FFED154}"/>
-          </ac:inkMkLst>
-        </pc:inkChg>
-        <pc:inkChg chg="add del">
-          <ac:chgData name="손 경일" userId="0d74cfca41046d23" providerId="Windows Live" clId="Web-{CC4C286C-218A-473F-8DB1-E27B16DC99A0}" dt="2021-05-23T05:09:14.397" v="1702"/>
-          <ac:inkMkLst>
-            <pc:docMk/>
-            <pc:sldMk cId="1872714273" sldId="332"/>
-            <ac:inkMk id="54" creationId="{DE1BC72E-2F26-4E10-9302-45228637074A}"/>
-          </ac:inkMkLst>
-        </pc:inkChg>
-        <pc:inkChg chg="add del">
-          <ac:chgData name="손 경일" userId="0d74cfca41046d23" providerId="Windows Live" clId="Web-{CC4C286C-218A-473F-8DB1-E27B16DC99A0}" dt="2021-05-23T05:09:14.397" v="1701"/>
-          <ac:inkMkLst>
-            <pc:docMk/>
-            <pc:sldMk cId="1872714273" sldId="332"/>
-            <ac:inkMk id="55" creationId="{87BECC28-D38D-427D-BF06-A05487DAEC82}"/>
-          </ac:inkMkLst>
-        </pc:inkChg>
-        <pc:inkChg chg="add del">
-          <ac:chgData name="손 경일" userId="0d74cfca41046d23" providerId="Windows Live" clId="Web-{CC4C286C-218A-473F-8DB1-E27B16DC99A0}" dt="2021-05-23T05:09:14.397" v="1700"/>
-          <ac:inkMkLst>
-            <pc:docMk/>
-            <pc:sldMk cId="1872714273" sldId="332"/>
-            <ac:inkMk id="56" creationId="{2EA95B90-1CF8-459C-B1C8-1F30A26B5DA3}"/>
-          </ac:inkMkLst>
-        </pc:inkChg>
-        <pc:inkChg chg="add del">
-          <ac:chgData name="손 경일" userId="0d74cfca41046d23" providerId="Windows Live" clId="Web-{CC4C286C-218A-473F-8DB1-E27B16DC99A0}" dt="2021-05-23T05:09:14.397" v="1699"/>
-          <ac:inkMkLst>
-            <pc:docMk/>
-            <pc:sldMk cId="1872714273" sldId="332"/>
-            <ac:inkMk id="57" creationId="{FB9F54C5-FBBA-4CE5-AAAA-EE4857378B34}"/>
-          </ac:inkMkLst>
-        </pc:inkChg>
-        <pc:inkChg chg="add del">
-          <ac:chgData name="손 경일" userId="0d74cfca41046d23" providerId="Windows Live" clId="Web-{CC4C286C-218A-473F-8DB1-E27B16DC99A0}" dt="2021-05-23T05:09:14.397" v="1698"/>
-          <ac:inkMkLst>
-            <pc:docMk/>
-            <pc:sldMk cId="1872714273" sldId="332"/>
-            <ac:inkMk id="58" creationId="{D35D3AAB-BDC7-4CAA-B2A0-A2D2E017B82D}"/>
-          </ac:inkMkLst>
-        </pc:inkChg>
-        <pc:inkChg chg="add del">
-          <ac:chgData name="손 경일" userId="0d74cfca41046d23" providerId="Windows Live" clId="Web-{CC4C286C-218A-473F-8DB1-E27B16DC99A0}" dt="2021-05-23T05:09:14.397" v="1697"/>
-          <ac:inkMkLst>
-            <pc:docMk/>
-            <pc:sldMk cId="1872714273" sldId="332"/>
-            <ac:inkMk id="59" creationId="{C3349675-6855-4A7C-ABD8-75E23352B853}"/>
-          </ac:inkMkLst>
-        </pc:inkChg>
-        <pc:inkChg chg="add del">
-          <ac:chgData name="손 경일" userId="0d74cfca41046d23" providerId="Windows Live" clId="Web-{CC4C286C-218A-473F-8DB1-E27B16DC99A0}" dt="2021-05-23T05:09:14.382" v="1696"/>
-          <ac:inkMkLst>
-            <pc:docMk/>
-            <pc:sldMk cId="1872714273" sldId="332"/>
-            <ac:inkMk id="60" creationId="{44E37FBC-4CE3-4917-9D7B-EC310200513F}"/>
-          </ac:inkMkLst>
-        </pc:inkChg>
-        <pc:inkChg chg="add del">
-          <ac:chgData name="손 경일" userId="0d74cfca41046d23" providerId="Windows Live" clId="Web-{CC4C286C-218A-473F-8DB1-E27B16DC99A0}" dt="2021-05-23T05:09:14.382" v="1695"/>
-          <ac:inkMkLst>
-            <pc:docMk/>
-            <pc:sldMk cId="1872714273" sldId="332"/>
-            <ac:inkMk id="61" creationId="{F36A3B57-2EBD-4B1E-B57A-4817B6D62912}"/>
-          </ac:inkMkLst>
-        </pc:inkChg>
-        <pc:inkChg chg="add del">
-          <ac:chgData name="손 경일" userId="0d74cfca41046d23" providerId="Windows Live" clId="Web-{CC4C286C-218A-473F-8DB1-E27B16DC99A0}" dt="2021-05-23T05:09:14.382" v="1694"/>
-          <ac:inkMkLst>
-            <pc:docMk/>
-            <pc:sldMk cId="1872714273" sldId="332"/>
-            <ac:inkMk id="62" creationId="{19D480E6-A43C-4225-AC33-E8DE34344410}"/>
-          </ac:inkMkLst>
-        </pc:inkChg>
-        <pc:inkChg chg="add del">
-          <ac:chgData name="손 경일" userId="0d74cfca41046d23" providerId="Windows Live" clId="Web-{CC4C286C-218A-473F-8DB1-E27B16DC99A0}" dt="2021-05-23T05:09:14.382" v="1693"/>
-          <ac:inkMkLst>
-            <pc:docMk/>
-            <pc:sldMk cId="1872714273" sldId="332"/>
-            <ac:inkMk id="63" creationId="{C05C0A62-0438-4868-9402-7D6CCF02BAD3}"/>
-          </ac:inkMkLst>
-        </pc:inkChg>
-        <pc:inkChg chg="add del">
-          <ac:chgData name="손 경일" userId="0d74cfca41046d23" providerId="Windows Live" clId="Web-{CC4C286C-218A-473F-8DB1-E27B16DC99A0}" dt="2021-05-23T05:09:14.382" v="1692"/>
-          <ac:inkMkLst>
-            <pc:docMk/>
-            <pc:sldMk cId="1872714273" sldId="332"/>
-            <ac:inkMk id="64" creationId="{8637748D-7705-4E46-93A7-D90B896F5F5B}"/>
-          </ac:inkMkLst>
-        </pc:inkChg>
-        <pc:inkChg chg="add del">
-          <ac:chgData name="손 경일" userId="0d74cfca41046d23" providerId="Windows Live" clId="Web-{CC4C286C-218A-473F-8DB1-E27B16DC99A0}" dt="2021-05-23T05:09:14.382" v="1691"/>
-          <ac:inkMkLst>
-            <pc:docMk/>
-            <pc:sldMk cId="1872714273" sldId="332"/>
-            <ac:inkMk id="65" creationId="{9F657110-1518-47A1-886A-206BF710D7AD}"/>
-          </ac:inkMkLst>
-        </pc:inkChg>
-        <pc:inkChg chg="add del">
-          <ac:chgData name="손 경일" userId="0d74cfca41046d23" providerId="Windows Live" clId="Web-{CC4C286C-218A-473F-8DB1-E27B16DC99A0}" dt="2021-05-23T05:09:14.382" v="1690"/>
-          <ac:inkMkLst>
-            <pc:docMk/>
-            <pc:sldMk cId="1872714273" sldId="332"/>
-            <ac:inkMk id="66" creationId="{7639F9B4-7D39-44B0-8CAB-E5D43C07959C}"/>
-          </ac:inkMkLst>
-        </pc:inkChg>
-        <pc:inkChg chg="add del">
-          <ac:chgData name="손 경일" userId="0d74cfca41046d23" providerId="Windows Live" clId="Web-{CC4C286C-218A-473F-8DB1-E27B16DC99A0}" dt="2021-05-23T05:09:14.382" v="1689"/>
-          <ac:inkMkLst>
-            <pc:docMk/>
-            <pc:sldMk cId="1872714273" sldId="332"/>
-            <ac:inkMk id="67" creationId="{DA1E244C-515D-4C2D-9A2D-9C33520BC9C9}"/>
-          </ac:inkMkLst>
-        </pc:inkChg>
-        <pc:inkChg chg="add del">
-          <ac:chgData name="손 경일" userId="0d74cfca41046d23" providerId="Windows Live" clId="Web-{CC4C286C-218A-473F-8DB1-E27B16DC99A0}" dt="2021-05-23T05:09:14.382" v="1688"/>
-          <ac:inkMkLst>
-            <pc:docMk/>
-            <pc:sldMk cId="1872714273" sldId="332"/>
-            <ac:inkMk id="68" creationId="{3F272720-3F10-4703-9311-1229F7780BF5}"/>
-          </ac:inkMkLst>
-        </pc:inkChg>
-        <pc:inkChg chg="add del">
-          <ac:chgData name="손 경일" userId="0d74cfca41046d23" providerId="Windows Live" clId="Web-{CC4C286C-218A-473F-8DB1-E27B16DC99A0}" dt="2021-05-23T05:09:14.382" v="1687"/>
-          <ac:inkMkLst>
-            <pc:docMk/>
-            <pc:sldMk cId="1872714273" sldId="332"/>
-            <ac:inkMk id="69" creationId="{5176F241-76F4-424E-8A51-4482104C3EAF}"/>
-          </ac:inkMkLst>
-        </pc:inkChg>
-        <pc:inkChg chg="add del">
-          <ac:chgData name="손 경일" userId="0d74cfca41046d23" providerId="Windows Live" clId="Web-{CC4C286C-218A-473F-8DB1-E27B16DC99A0}" dt="2021-05-23T05:09:14.382" v="1686"/>
-          <ac:inkMkLst>
-            <pc:docMk/>
-            <pc:sldMk cId="1872714273" sldId="332"/>
-            <ac:inkMk id="70" creationId="{3048C11A-FAFB-47B4-84E6-6D651276F6F6}"/>
-          </ac:inkMkLst>
-        </pc:inkChg>
-        <pc:inkChg chg="add del">
-          <ac:chgData name="손 경일" userId="0d74cfca41046d23" providerId="Windows Live" clId="Web-{CC4C286C-218A-473F-8DB1-E27B16DC99A0}" dt="2021-05-23T05:09:14.382" v="1685"/>
-          <ac:inkMkLst>
-            <pc:docMk/>
-            <pc:sldMk cId="1872714273" sldId="332"/>
-            <ac:inkMk id="71" creationId="{4E1A7EF2-5DE6-4D13-B1DE-C7CC7CD64EC8}"/>
-          </ac:inkMkLst>
-        </pc:inkChg>
-        <pc:inkChg chg="add del">
-          <ac:chgData name="손 경일" userId="0d74cfca41046d23" providerId="Windows Live" clId="Web-{CC4C286C-218A-473F-8DB1-E27B16DC99A0}" dt="2021-05-23T05:09:14.382" v="1684"/>
-          <ac:inkMkLst>
-            <pc:docMk/>
-            <pc:sldMk cId="1872714273" sldId="332"/>
-            <ac:inkMk id="72" creationId="{34C7B750-BD4D-44D1-8B7A-823A8C640260}"/>
-          </ac:inkMkLst>
-        </pc:inkChg>
-        <pc:inkChg chg="add del">
-          <ac:chgData name="손 경일" userId="0d74cfca41046d23" providerId="Windows Live" clId="Web-{CC4C286C-218A-473F-8DB1-E27B16DC99A0}" dt="2021-05-23T05:09:14.366" v="1683"/>
-          <ac:inkMkLst>
-            <pc:docMk/>
-            <pc:sldMk cId="1872714273" sldId="332"/>
-            <ac:inkMk id="73" creationId="{AF409FBB-239A-417A-A412-5D10A6F148DA}"/>
-          </ac:inkMkLst>
-        </pc:inkChg>
-        <pc:inkChg chg="add del">
-          <ac:chgData name="손 경일" userId="0d74cfca41046d23" providerId="Windows Live" clId="Web-{CC4C286C-218A-473F-8DB1-E27B16DC99A0}" dt="2021-05-23T05:09:14.366" v="1682"/>
-          <ac:inkMkLst>
-            <pc:docMk/>
-            <pc:sldMk cId="1872714273" sldId="332"/>
-            <ac:inkMk id="74" creationId="{157C7D52-E0BA-41A7-BCF6-D3C1A86003D8}"/>
-          </ac:inkMkLst>
-        </pc:inkChg>
-        <pc:inkChg chg="add del">
-          <ac:chgData name="손 경일" userId="0d74cfca41046d23" providerId="Windows Live" clId="Web-{CC4C286C-218A-473F-8DB1-E27B16DC99A0}" dt="2021-05-23T05:09:14.366" v="1681"/>
-          <ac:inkMkLst>
-            <pc:docMk/>
-            <pc:sldMk cId="1872714273" sldId="332"/>
-            <ac:inkMk id="75" creationId="{A59ED962-F275-4788-BAAB-07E9A55DE63C}"/>
-          </ac:inkMkLst>
-        </pc:inkChg>
-        <pc:inkChg chg="add del">
-          <ac:chgData name="손 경일" userId="0d74cfca41046d23" providerId="Windows Live" clId="Web-{CC4C286C-218A-473F-8DB1-E27B16DC99A0}" dt="2021-05-23T05:09:14.366" v="1680"/>
-          <ac:inkMkLst>
-            <pc:docMk/>
-            <pc:sldMk cId="1872714273" sldId="332"/>
-            <ac:inkMk id="76" creationId="{A969AB15-3D09-4454-9C8F-74A629BFD4E2}"/>
-          </ac:inkMkLst>
-        </pc:inkChg>
-        <pc:inkChg chg="add del">
-          <ac:chgData name="손 경일" userId="0d74cfca41046d23" providerId="Windows Live" clId="Web-{CC4C286C-218A-473F-8DB1-E27B16DC99A0}" dt="2021-05-23T05:09:14.366" v="1679"/>
-          <ac:inkMkLst>
-            <pc:docMk/>
-            <pc:sldMk cId="1872714273" sldId="332"/>
-            <ac:inkMk id="77" creationId="{59F614CF-54E7-4955-96D0-A3132A8DBF64}"/>
-          </ac:inkMkLst>
-        </pc:inkChg>
-        <pc:inkChg chg="add">
-          <ac:chgData name="손 경일" userId="0d74cfca41046d23" providerId="Windows Live" clId="Web-{CC4C286C-218A-473F-8DB1-E27B16DC99A0}" dt="2021-05-23T05:00:13.319" v="1581"/>
-          <ac:inkMkLst>
-            <pc:docMk/>
-            <pc:sldMk cId="1872714273" sldId="332"/>
-            <ac:inkMk id="79" creationId="{EA27A6FB-BCE9-463A-9019-F75673883966}"/>
-          </ac:inkMkLst>
-        </pc:inkChg>
-        <pc:inkChg chg="add del">
-          <ac:chgData name="손 경일" userId="0d74cfca41046d23" providerId="Windows Live" clId="Web-{CC4C286C-218A-473F-8DB1-E27B16DC99A0}" dt="2021-05-23T05:01:21.199" v="1611"/>
-          <ac:inkMkLst>
-            <pc:docMk/>
-            <pc:sldMk cId="1872714273" sldId="332"/>
-            <ac:inkMk id="80" creationId="{9C5D6419-D5CB-46B8-BD9B-CCEED8BCC535}"/>
-          </ac:inkMkLst>
-        </pc:inkChg>
-        <pc:inkChg chg="add del">
-          <ac:chgData name="손 경일" userId="0d74cfca41046d23" providerId="Windows Live" clId="Web-{CC4C286C-218A-473F-8DB1-E27B16DC99A0}" dt="2021-05-23T05:01:21.199" v="1610"/>
-          <ac:inkMkLst>
-            <pc:docMk/>
-            <pc:sldMk cId="1872714273" sldId="332"/>
-            <ac:inkMk id="81" creationId="{0754D5E2-D64A-411C-934D-F34E587676B3}"/>
-          </ac:inkMkLst>
-        </pc:inkChg>
-        <pc:inkChg chg="add del">
-          <ac:chgData name="손 경일" userId="0d74cfca41046d23" providerId="Windows Live" clId="Web-{CC4C286C-218A-473F-8DB1-E27B16DC99A0}" dt="2021-05-23T05:01:21.199" v="1609"/>
-          <ac:inkMkLst>
-            <pc:docMk/>
-            <pc:sldMk cId="1872714273" sldId="332"/>
-            <ac:inkMk id="82" creationId="{CAC58621-95E4-4B90-A1A2-5B53EBDF6AAE}"/>
-          </ac:inkMkLst>
-        </pc:inkChg>
-        <pc:inkChg chg="add del">
-          <ac:chgData name="손 경일" userId="0d74cfca41046d23" providerId="Windows Live" clId="Web-{CC4C286C-218A-473F-8DB1-E27B16DC99A0}" dt="2021-05-23T05:01:21.199" v="1608"/>
-          <ac:inkMkLst>
-            <pc:docMk/>
-            <pc:sldMk cId="1872714273" sldId="332"/>
-            <ac:inkMk id="83" creationId="{433AC227-B910-4431-9FF2-B86298FB1AD7}"/>
-          </ac:inkMkLst>
-        </pc:inkChg>
-        <pc:inkChg chg="add del">
-          <ac:chgData name="손 경일" userId="0d74cfca41046d23" providerId="Windows Live" clId="Web-{CC4C286C-218A-473F-8DB1-E27B16DC99A0}" dt="2021-05-23T05:01:21.184" v="1607"/>
-          <ac:inkMkLst>
-            <pc:docMk/>
-            <pc:sldMk cId="1872714273" sldId="332"/>
-            <ac:inkMk id="84" creationId="{0EE602BB-74CD-4C3A-81D1-52BA27C1F0A0}"/>
-          </ac:inkMkLst>
-        </pc:inkChg>
-        <pc:inkChg chg="add del">
-          <ac:chgData name="손 경일" userId="0d74cfca41046d23" providerId="Windows Live" clId="Web-{CC4C286C-218A-473F-8DB1-E27B16DC99A0}" dt="2021-05-23T05:01:21.184" v="1606"/>
-          <ac:inkMkLst>
-            <pc:docMk/>
-            <pc:sldMk cId="1872714273" sldId="332"/>
-            <ac:inkMk id="85" creationId="{46955E63-00FF-4D65-8B7F-188C776E3543}"/>
-          </ac:inkMkLst>
-        </pc:inkChg>
-        <pc:inkChg chg="add del">
-          <ac:chgData name="손 경일" userId="0d74cfca41046d23" providerId="Windows Live" clId="Web-{CC4C286C-218A-473F-8DB1-E27B16DC99A0}" dt="2021-05-23T05:01:21.184" v="1605"/>
-          <ac:inkMkLst>
-            <pc:docMk/>
-            <pc:sldMk cId="1872714273" sldId="332"/>
-            <ac:inkMk id="86" creationId="{3D8A6A9E-E334-4F1F-9B41-7D25BAD6B1F1}"/>
-          </ac:inkMkLst>
-        </pc:inkChg>
-        <pc:inkChg chg="add del">
-          <ac:chgData name="손 경일" userId="0d74cfca41046d23" providerId="Windows Live" clId="Web-{CC4C286C-218A-473F-8DB1-E27B16DC99A0}" dt="2021-05-23T05:01:21.184" v="1604"/>
-          <ac:inkMkLst>
-            <pc:docMk/>
-            <pc:sldMk cId="1872714273" sldId="332"/>
-            <ac:inkMk id="87" creationId="{1C7AC008-35FA-4358-A270-DFE9C5CC2C84}"/>
-          </ac:inkMkLst>
-        </pc:inkChg>
-        <pc:inkChg chg="add del">
-          <ac:chgData name="손 경일" userId="0d74cfca41046d23" providerId="Windows Live" clId="Web-{CC4C286C-218A-473F-8DB1-E27B16DC99A0}" dt="2021-05-23T05:01:21.184" v="1603"/>
-          <ac:inkMkLst>
-            <pc:docMk/>
-            <pc:sldMk cId="1872714273" sldId="332"/>
-            <ac:inkMk id="88" creationId="{29280CF3-9879-4DEB-8F6C-7502783B423D}"/>
-          </ac:inkMkLst>
-        </pc:inkChg>
-        <pc:inkChg chg="add del">
-          <ac:chgData name="손 경일" userId="0d74cfca41046d23" providerId="Windows Live" clId="Web-{CC4C286C-218A-473F-8DB1-E27B16DC99A0}" dt="2021-05-23T05:01:21.184" v="1602"/>
-          <ac:inkMkLst>
-            <pc:docMk/>
-            <pc:sldMk cId="1872714273" sldId="332"/>
-            <ac:inkMk id="89" creationId="{DB194AD3-F922-4A26-BD0A-761CBE61CFB7}"/>
-          </ac:inkMkLst>
-        </pc:inkChg>
-        <pc:inkChg chg="add del">
-          <ac:chgData name="손 경일" userId="0d74cfca41046d23" providerId="Windows Live" clId="Web-{CC4C286C-218A-473F-8DB1-E27B16DC99A0}" dt="2021-05-23T05:01:21.184" v="1601"/>
-          <ac:inkMkLst>
-            <pc:docMk/>
-            <pc:sldMk cId="1872714273" sldId="332"/>
-            <ac:inkMk id="90" creationId="{E8514284-7FF0-496D-9798-A589D58DA5FF}"/>
-          </ac:inkMkLst>
-        </pc:inkChg>
-        <pc:inkChg chg="add del">
-          <ac:chgData name="손 경일" userId="0d74cfca41046d23" providerId="Windows Live" clId="Web-{CC4C286C-218A-473F-8DB1-E27B16DC99A0}" dt="2021-05-23T05:01:21.184" v="1600"/>
-          <ac:inkMkLst>
-            <pc:docMk/>
-            <pc:sldMk cId="1872714273" sldId="332"/>
-            <ac:inkMk id="91" creationId="{C92D7654-C3B0-4EBE-ADA3-9E2D56B8913A}"/>
-          </ac:inkMkLst>
-        </pc:inkChg>
-        <pc:inkChg chg="add del">
-          <ac:chgData name="손 경일" userId="0d74cfca41046d23" providerId="Windows Live" clId="Web-{CC4C286C-218A-473F-8DB1-E27B16DC99A0}" dt="2021-05-23T05:01:21.184" v="1599"/>
-          <ac:inkMkLst>
-            <pc:docMk/>
-            <pc:sldMk cId="1872714273" sldId="332"/>
-            <ac:inkMk id="92" creationId="{F78905BC-088F-4C77-B4F1-E17B66D895E3}"/>
-          </ac:inkMkLst>
-        </pc:inkChg>
-        <pc:inkChg chg="add del">
-          <ac:chgData name="손 경일" userId="0d74cfca41046d23" providerId="Windows Live" clId="Web-{CC4C286C-218A-473F-8DB1-E27B16DC99A0}" dt="2021-05-23T05:01:21.184" v="1598"/>
-          <ac:inkMkLst>
-            <pc:docMk/>
-            <pc:sldMk cId="1872714273" sldId="332"/>
-            <ac:inkMk id="93" creationId="{C7FA77D1-2087-49B9-86F3-623D0D83E821}"/>
-          </ac:inkMkLst>
-        </pc:inkChg>
-        <pc:inkChg chg="add del">
-          <ac:chgData name="손 경일" userId="0d74cfca41046d23" providerId="Windows Live" clId="Web-{CC4C286C-218A-473F-8DB1-E27B16DC99A0}" dt="2021-05-23T05:01:21.184" v="1597"/>
-          <ac:inkMkLst>
-            <pc:docMk/>
-            <pc:sldMk cId="1872714273" sldId="332"/>
-            <ac:inkMk id="94" creationId="{F3E7C775-698F-48B6-B031-0D3D5EFFD9B6}"/>
-          </ac:inkMkLst>
-        </pc:inkChg>
-        <pc:inkChg chg="add">
-          <ac:chgData name="손 경일" userId="0d74cfca41046d23" providerId="Windows Live" clId="Web-{CC4C286C-218A-473F-8DB1-E27B16DC99A0}" dt="2021-05-23T05:01:37.684" v="1616"/>
-          <ac:inkMkLst>
-            <pc:docMk/>
-            <pc:sldMk cId="1872714273" sldId="332"/>
-            <ac:inkMk id="96" creationId="{26D08A69-FB2A-4F26-9F17-159B9095E97F}"/>
-          </ac:inkMkLst>
-        </pc:inkChg>
-        <pc:inkChg chg="add">
-          <ac:chgData name="손 경일" userId="0d74cfca41046d23" providerId="Windows Live" clId="Web-{CC4C286C-218A-473F-8DB1-E27B16DC99A0}" dt="2021-05-23T05:08:30.287" v="1660"/>
-          <ac:inkMkLst>
-            <pc:docMk/>
-            <pc:sldMk cId="1872714273" sldId="332"/>
-            <ac:inkMk id="99" creationId="{857BE2DE-1065-4247-A05A-864E98F5DB55}"/>
-          </ac:inkMkLst>
-        </pc:inkChg>
-        <pc:inkChg chg="add">
-          <ac:chgData name="손 경일" userId="0d74cfca41046d23" providerId="Windows Live" clId="Web-{CC4C286C-218A-473F-8DB1-E27B16DC99A0}" dt="2021-05-23T05:08:32.896" v="1661"/>
-          <ac:inkMkLst>
-            <pc:docMk/>
-            <pc:sldMk cId="1872714273" sldId="332"/>
-            <ac:inkMk id="100" creationId="{44C23876-B064-4A20-94F3-84D51D6819AE}"/>
-          </ac:inkMkLst>
-        </pc:inkChg>
-        <pc:inkChg chg="add">
-          <ac:chgData name="손 경일" userId="0d74cfca41046d23" providerId="Windows Live" clId="Web-{CC4C286C-218A-473F-8DB1-E27B16DC99A0}" dt="2021-05-23T05:08:32.912" v="1662"/>
-          <ac:inkMkLst>
-            <pc:docMk/>
-            <pc:sldMk cId="1872714273" sldId="332"/>
-            <ac:inkMk id="101" creationId="{2FACBBAB-E451-422E-882A-75775E2756B4}"/>
-          </ac:inkMkLst>
-        </pc:inkChg>
-        <pc:inkChg chg="add">
-          <ac:chgData name="손 경일" userId="0d74cfca41046d23" providerId="Windows Live" clId="Web-{CC4C286C-218A-473F-8DB1-E27B16DC99A0}" dt="2021-05-23T05:08:32.943" v="1663"/>
-          <ac:inkMkLst>
-            <pc:docMk/>
-            <pc:sldMk cId="1872714273" sldId="332"/>
-            <ac:inkMk id="102" creationId="{FD659CBF-11FC-4843-8C81-368E75953EBE}"/>
-          </ac:inkMkLst>
-        </pc:inkChg>
-        <pc:inkChg chg="add">
-          <ac:chgData name="손 경일" userId="0d74cfca41046d23" providerId="Windows Live" clId="Web-{CC4C286C-218A-473F-8DB1-E27B16DC99A0}" dt="2021-05-23T05:08:32.959" v="1664"/>
-          <ac:inkMkLst>
-            <pc:docMk/>
-            <pc:sldMk cId="1872714273" sldId="332"/>
-            <ac:inkMk id="103" creationId="{C4B760CA-BEE8-4575-9224-E00242BAB36F}"/>
-          </ac:inkMkLst>
-        </pc:inkChg>
-        <pc:inkChg chg="add">
-          <ac:chgData name="손 경일" userId="0d74cfca41046d23" providerId="Windows Live" clId="Web-{CC4C286C-218A-473F-8DB1-E27B16DC99A0}" dt="2021-05-23T05:08:33.006" v="1665"/>
-          <ac:inkMkLst>
-            <pc:docMk/>
-            <pc:sldMk cId="1872714273" sldId="332"/>
-            <ac:inkMk id="104" creationId="{1F33E828-7652-49B3-B792-91568745EF9C}"/>
-          </ac:inkMkLst>
-        </pc:inkChg>
-        <pc:inkChg chg="add">
-          <ac:chgData name="손 경일" userId="0d74cfca41046d23" providerId="Windows Live" clId="Web-{CC4C286C-218A-473F-8DB1-E27B16DC99A0}" dt="2021-05-23T05:08:33.021" v="1666"/>
-          <ac:inkMkLst>
-            <pc:docMk/>
-            <pc:sldMk cId="1872714273" sldId="332"/>
-            <ac:inkMk id="105" creationId="{E32B4C66-07FD-4139-A1AA-FD402597A548}"/>
-          </ac:inkMkLst>
-        </pc:inkChg>
-        <pc:inkChg chg="add">
-          <ac:chgData name="손 경일" userId="0d74cfca41046d23" providerId="Windows Live" clId="Web-{CC4C286C-218A-473F-8DB1-E27B16DC99A0}" dt="2021-05-23T05:08:35.474" v="1667"/>
-          <ac:inkMkLst>
-            <pc:docMk/>
-            <pc:sldMk cId="1872714273" sldId="332"/>
-            <ac:inkMk id="106" creationId="{BA163408-3EF4-40DB-8A6A-BC2F3C2CCA39}"/>
-          </ac:inkMkLst>
-        </pc:inkChg>
-        <pc:inkChg chg="add">
-          <ac:chgData name="손 경일" userId="0d74cfca41046d23" providerId="Windows Live" clId="Web-{CC4C286C-218A-473F-8DB1-E27B16DC99A0}" dt="2021-05-23T05:08:35.506" v="1668"/>
-          <ac:inkMkLst>
-            <pc:docMk/>
-            <pc:sldMk cId="1872714273" sldId="332"/>
-            <ac:inkMk id="107" creationId="{DA3529E4-9C5F-4856-B901-78A9A51EEABD}"/>
-          </ac:inkMkLst>
-        </pc:inkChg>
-        <pc:inkChg chg="add">
-          <ac:chgData name="손 경일" userId="0d74cfca41046d23" providerId="Windows Live" clId="Web-{CC4C286C-218A-473F-8DB1-E27B16DC99A0}" dt="2021-05-23T05:08:35.537" v="1669"/>
-          <ac:inkMkLst>
-            <pc:docMk/>
-            <pc:sldMk cId="1872714273" sldId="332"/>
-            <ac:inkMk id="108" creationId="{2F7FAC3B-0299-406B-9159-AEF7428577BB}"/>
-          </ac:inkMkLst>
-        </pc:inkChg>
-        <pc:inkChg chg="add">
-          <ac:chgData name="손 경일" userId="0d74cfca41046d23" providerId="Windows Live" clId="Web-{CC4C286C-218A-473F-8DB1-E27B16DC99A0}" dt="2021-05-23T05:08:38.271" v="1670"/>
-          <ac:inkMkLst>
-            <pc:docMk/>
-            <pc:sldMk cId="1872714273" sldId="332"/>
-            <ac:inkMk id="109" creationId="{2E64CF2B-2F8C-4A0D-96B9-08F736170EE0}"/>
-          </ac:inkMkLst>
-        </pc:inkChg>
-        <pc:inkChg chg="add">
-          <ac:chgData name="손 경일" userId="0d74cfca41046d23" providerId="Windows Live" clId="Web-{CC4C286C-218A-473F-8DB1-E27B16DC99A0}" dt="2021-05-23T05:08:38.303" v="1671"/>
-          <ac:inkMkLst>
-            <pc:docMk/>
-            <pc:sldMk cId="1872714273" sldId="332"/>
-            <ac:inkMk id="110" creationId="{B18A8FF7-E852-4622-800F-52F10AE49781}"/>
-          </ac:inkMkLst>
-        </pc:inkChg>
-        <pc:inkChg chg="add">
-          <ac:chgData name="손 경일" userId="0d74cfca41046d23" providerId="Windows Live" clId="Web-{CC4C286C-218A-473F-8DB1-E27B16DC99A0}" dt="2021-05-23T05:08:38.318" v="1672"/>
-          <ac:inkMkLst>
-            <pc:docMk/>
-            <pc:sldMk cId="1872714273" sldId="332"/>
-            <ac:inkMk id="111" creationId="{F6DC7955-51ED-47EB-90E8-EC9477DBE474}"/>
-          </ac:inkMkLst>
-        </pc:inkChg>
-        <pc:inkChg chg="add">
-          <ac:chgData name="손 경일" userId="0d74cfca41046d23" providerId="Windows Live" clId="Web-{CC4C286C-218A-473F-8DB1-E27B16DC99A0}" dt="2021-05-23T05:08:38.334" v="1673"/>
-          <ac:inkMkLst>
-            <pc:docMk/>
-            <pc:sldMk cId="1872714273" sldId="332"/>
-            <ac:inkMk id="112" creationId="{9968629A-2A82-4D43-A55A-951556D912B3}"/>
-          </ac:inkMkLst>
-        </pc:inkChg>
-        <pc:inkChg chg="add">
-          <ac:chgData name="손 경일" userId="0d74cfca41046d23" providerId="Windows Live" clId="Web-{CC4C286C-218A-473F-8DB1-E27B16DC99A0}" dt="2021-05-23T05:08:38.365" v="1674"/>
-          <ac:inkMkLst>
-            <pc:docMk/>
-            <pc:sldMk cId="1872714273" sldId="332"/>
-            <ac:inkMk id="113" creationId="{A8A45518-2130-476A-AEE8-12A23EE145B8}"/>
-          </ac:inkMkLst>
-        </pc:inkChg>
-        <pc:inkChg chg="add">
-          <ac:chgData name="손 경일" userId="0d74cfca41046d23" providerId="Windows Live" clId="Web-{CC4C286C-218A-473F-8DB1-E27B16DC99A0}" dt="2021-05-23T05:08:38.397" v="1675"/>
-          <ac:inkMkLst>
-            <pc:docMk/>
-            <pc:sldMk cId="1872714273" sldId="332"/>
-            <ac:inkMk id="114" creationId="{2AB8EAFC-2CE4-4AED-B139-A9AFF934F453}"/>
-          </ac:inkMkLst>
-        </pc:inkChg>
-        <pc:inkChg chg="add del">
-          <ac:chgData name="손 경일" userId="0d74cfca41046d23" providerId="Windows Live" clId="Web-{CC4C286C-218A-473F-8DB1-E27B16DC99A0}" dt="2021-05-23T05:09:23.116" v="1722"/>
-          <ac:inkMkLst>
-            <pc:docMk/>
-            <pc:sldMk cId="1872714273" sldId="332"/>
-            <ac:inkMk id="116" creationId="{4C46C458-C993-4582-A931-A9275646F7F2}"/>
-          </ac:inkMkLst>
-        </pc:inkChg>
-        <pc:inkChg chg="add del">
-          <ac:chgData name="손 경일" userId="0d74cfca41046d23" providerId="Windows Live" clId="Web-{CC4C286C-218A-473F-8DB1-E27B16DC99A0}" dt="2021-05-23T05:09:23.116" v="1721"/>
-          <ac:inkMkLst>
-            <pc:docMk/>
-            <pc:sldMk cId="1872714273" sldId="332"/>
-            <ac:inkMk id="117" creationId="{4383E592-5B49-4497-98DF-361197572DB9}"/>
-          </ac:inkMkLst>
-        </pc:inkChg>
-        <pc:inkChg chg="add del">
-          <ac:chgData name="손 경일" userId="0d74cfca41046d23" providerId="Windows Live" clId="Web-{CC4C286C-218A-473F-8DB1-E27B16DC99A0}" dt="2021-05-23T05:09:23.116" v="1720"/>
-          <ac:inkMkLst>
-            <pc:docMk/>
-            <pc:sldMk cId="1872714273" sldId="332"/>
-            <ac:inkMk id="118" creationId="{BE510019-3EFB-449F-B7F1-0F4A630E744B}"/>
-          </ac:inkMkLst>
-        </pc:inkChg>
-        <pc:inkChg chg="add del">
-          <ac:chgData name="손 경일" userId="0d74cfca41046d23" providerId="Windows Live" clId="Web-{CC4C286C-218A-473F-8DB1-E27B16DC99A0}" dt="2021-05-23T05:09:23.116" v="1719"/>
-          <ac:inkMkLst>
-            <pc:docMk/>
-            <pc:sldMk cId="1872714273" sldId="332"/>
-            <ac:inkMk id="119" creationId="{3E3AB03D-4510-4801-A77C-8A5906210D4C}"/>
-          </ac:inkMkLst>
-        </pc:inkChg>
-        <pc:inkChg chg="add">
-          <ac:chgData name="손 경일" userId="0d74cfca41046d23" providerId="Windows Live" clId="Web-{CC4C286C-218A-473F-8DB1-E27B16DC99A0}" dt="2021-05-23T05:09:31.226" v="1724"/>
-          <ac:inkMkLst>
-            <pc:docMk/>
-            <pc:sldMk cId="1872714273" sldId="332"/>
-            <ac:inkMk id="120" creationId="{830BCEE6-9BF2-4960-90BB-0BBD3CCE6569}"/>
-          </ac:inkMkLst>
-        </pc:inkChg>
-      </pc:sldChg>
-      <pc:sldChg chg="modSp add ord replId">
-        <pc:chgData name="손 경일" userId="0d74cfca41046d23" providerId="Windows Live" clId="Web-{CC4C286C-218A-473F-8DB1-E27B16DC99A0}" dt="2021-05-23T04:38:52.228" v="1237" actId="20577"/>
-        <pc:sldMkLst>
-          <pc:docMk/>
-          <pc:sldMk cId="2175625643" sldId="333"/>
-        </pc:sldMkLst>
-        <pc:spChg chg="mod">
-          <ac:chgData name="손 경일" userId="0d74cfca41046d23" providerId="Windows Live" clId="Web-{CC4C286C-218A-473F-8DB1-E27B16DC99A0}" dt="2021-05-23T04:38:52.228" v="1237" actId="20577"/>
-          <ac:spMkLst>
-            <pc:docMk/>
-            <pc:sldMk cId="2175625643" sldId="333"/>
-            <ac:spMk id="4" creationId="{00000000-0000-0000-0000-000000000000}"/>
-          </ac:spMkLst>
-        </pc:spChg>
-      </pc:sldChg>
-      <pc:sldChg chg="modSp add replId">
-        <pc:chgData name="손 경일" userId="0d74cfca41046d23" providerId="Windows Live" clId="Web-{CC4C286C-218A-473F-8DB1-E27B16DC99A0}" dt="2021-05-23T04:40:26.371" v="1280" actId="1076"/>
-        <pc:sldMkLst>
-          <pc:docMk/>
-          <pc:sldMk cId="3088884307" sldId="334"/>
-        </pc:sldMkLst>
-        <pc:spChg chg="mod">
-          <ac:chgData name="손 경일" userId="0d74cfca41046d23" providerId="Windows Live" clId="Web-{CC4C286C-218A-473F-8DB1-E27B16DC99A0}" dt="2021-05-23T04:40:26.371" v="1280" actId="1076"/>
-          <ac:spMkLst>
-            <pc:docMk/>
-            <pc:sldMk cId="3088884307" sldId="334"/>
-            <ac:spMk id="4" creationId="{00000000-0000-0000-0000-000000000000}"/>
-          </ac:spMkLst>
-        </pc:spChg>
-      </pc:sldChg>
-      <pc:sldChg chg="modSp add replId">
-        <pc:chgData name="손 경일" userId="0d74cfca41046d23" providerId="Windows Live" clId="Web-{CC4C286C-218A-473F-8DB1-E27B16DC99A0}" dt="2021-05-23T06:10:32.191" v="2207" actId="1076"/>
-        <pc:sldMkLst>
-          <pc:docMk/>
-          <pc:sldMk cId="2553872658" sldId="335"/>
-        </pc:sldMkLst>
-        <pc:spChg chg="mod">
-          <ac:chgData name="손 경일" userId="0d74cfca41046d23" providerId="Windows Live" clId="Web-{CC4C286C-218A-473F-8DB1-E27B16DC99A0}" dt="2021-05-23T06:10:32.191" v="2207" actId="1076"/>
-          <ac:spMkLst>
-            <pc:docMk/>
-            <pc:sldMk cId="2553872658" sldId="335"/>
-            <ac:spMk id="2" creationId="{0FDB38B1-759A-47AB-B610-0FBB124B4C14}"/>
-          </ac:spMkLst>
-        </pc:spChg>
-        <pc:spChg chg="mod">
-          <ac:chgData name="손 경일" userId="0d74cfca41046d23" providerId="Windows Live" clId="Web-{CC4C286C-218A-473F-8DB1-E27B16DC99A0}" dt="2021-05-23T06:01:04.199" v="1913" actId="20577"/>
-          <ac:spMkLst>
-            <pc:docMk/>
-            <pc:sldMk cId="2553872658" sldId="335"/>
-            <ac:spMk id="27" creationId="{00000000-0000-0000-0000-000000000000}"/>
-          </ac:spMkLst>
-        </pc:spChg>
-      </pc:sldChg>
-    </pc:docChg>
-  </pc:docChgLst>
-</pc:chgInfo>
 </file>
 
 <file path=ppt/ink/ink1.xml><?xml version="1.0" encoding="utf-8"?>
@@ -11396,14 +7896,13 @@
 </file>
 
 <file path=ppt/slides/slide1.xml><?xml version="1.0" encoding="utf-8"?>
-<p:sld xmlns:a="http://schemas.openxmlformats.org/drawingml/2006/main" xmlns:r="http://schemas.openxmlformats.org/officeDocument/2006/relationships" xmlns:p="http://schemas.openxmlformats.org/presentationml/2006/main">
+<p:sld xmlns:r="http://schemas.openxmlformats.org/officeDocument/2006/relationships" xmlns:c="http://schemas.openxmlformats.org/drawingml/2006/chart" xmlns:a="http://schemas.openxmlformats.org/drawingml/2006/main" xmlns:dgm="http://schemas.openxmlformats.org/drawingml/2006/diagram" xmlns:dsp="http://schemas.microsoft.com/office/drawing/2008/diagram" xmlns:p="http://schemas.openxmlformats.org/presentationml/2006/main">
   <p:cSld>
     <p:bg>
-      <p:bgPr>
+      <p:bgPr shadeToTitle="0">
         <a:solidFill>
           <a:srgbClr val="272123"/>
         </a:solidFill>
-        <a:effectLst/>
       </p:bgPr>
     </p:bg>
     <p:spTree>
@@ -11428,8 +7927,8 @@
         </p:nvSpPr>
         <p:spPr>
           <a:xfrm>
-            <a:off x="683568" y="3008933"/>
-            <a:ext cx="6129122" cy="707886"/>
+            <a:off x="619354" y="2398905"/>
+            <a:ext cx="7820078" cy="694815"/>
           </a:xfrm>
           <a:prstGeom prst="rect">
             <a:avLst/>
@@ -11465,6 +7964,15 @@
               </a:rPr>
               <a:t>2-StageDetector(2):SPPNet</a:t>
             </a:r>
+            <a:endParaRPr lang="en-US" altLang="ko-KR" sz="4000" b="1">
+              <a:solidFill>
+                <a:schemeClr val="bg1">
+                  <a:lumMod val="95000"/>
+                </a:schemeClr>
+              </a:solidFill>
+              <a:latin typeface="Yoon 윤고딕 520_TT"/>
+              <a:ea typeface="Yoon 윤고딕 520_TT"/>
+            </a:endParaRPr>
           </a:p>
         </p:txBody>
       </p:sp>
@@ -11476,7 +7984,7 @@
         </p:nvSpPr>
         <p:spPr>
           <a:xfrm>
-            <a:off x="683567" y="3625279"/>
+            <a:off x="704971" y="3603874"/>
             <a:ext cx="4968553" cy="738664"/>
           </a:xfrm>
           <a:prstGeom prst="rect">
@@ -11511,11 +8019,20 @@
               </a:rPr>
               <a:t>SpatiaI Pyramid Pooling in Deep Convolutional</a:t>
             </a:r>
-            <a:endParaRPr lang="ko-KR">
+            <a:endParaRPr lang="ko-KR" sz="1400">
+              <a:ln w="9525">
+                <a:solidFill>
+                  <a:prstClr val="white">
+                    <a:lumMod val="85000"/>
+                    <a:alpha val="30000"/>
+                  </a:prstClr>
+                </a:solidFill>
+              </a:ln>
               <a:solidFill>
                 <a:schemeClr val="bg1"/>
               </a:solidFill>
-              <a:ea typeface="맑은 고딕"/>
+              <a:ea typeface="+mn-lt"/>
+              <a:cs typeface="+mn-lt"/>
             </a:endParaRPr>
           </a:p>
           <a:p>
@@ -11540,18 +8057,27 @@
               </a:rPr>
               <a:t>Networks for Visual Recognition</a:t>
             </a:r>
-            <a:endParaRPr lang="ko-KR">
+            <a:endParaRPr lang="ko-KR" sz="1400">
+              <a:ln w="9525">
+                <a:solidFill>
+                  <a:prstClr val="white">
+                    <a:lumMod val="85000"/>
+                    <a:alpha val="30000"/>
+                  </a:prstClr>
+                </a:solidFill>
+              </a:ln>
               <a:solidFill>
                 <a:schemeClr val="bg1"/>
               </a:solidFill>
-              <a:ea typeface="맑은 고딕"/>
+              <a:ea typeface="+mn-lt"/>
+              <a:cs typeface="+mn-lt"/>
             </a:endParaRPr>
           </a:p>
           <a:p>
             <a:pPr lvl="0">
               <a:defRPr/>
             </a:pPr>
-            <a:endParaRPr lang="ko-KR" altLang="en-US" sz="1400" dirty="0">
+            <a:endParaRPr lang="ko-KR" altLang="en-US" sz="1400">
               <a:ln w="9525">
                 <a:solidFill>
                   <a:prstClr val="white">
@@ -11597,26 +8123,6 @@
               <a:defRPr/>
             </a:pPr>
             <a:r>
-              <a:rPr lang="en-US" altLang="ko-KR" sz="1400" err="1">
-                <a:ln w="9525">
-                  <a:solidFill>
-                    <a:schemeClr val="bg1">
-                      <a:lumMod val="85000"/>
-                      <a:alpha val="30000"/>
-                    </a:schemeClr>
-                  </a:solidFill>
-                </a:ln>
-                <a:solidFill>
-                  <a:schemeClr val="bg1">
-                    <a:lumMod val="85000"/>
-                  </a:schemeClr>
-                </a:solidFill>
-                <a:latin typeface="Yoon 윤고딕 520_TT"/>
-                <a:ea typeface="Yoon 윤고딕 520_TT"/>
-              </a:rPr>
-              <a:t>멋사</a:t>
-            </a:r>
-            <a:r>
               <a:rPr lang="en-US" altLang="ko-KR" sz="1400">
                 <a:ln w="9525">
                   <a:solidFill>
@@ -11634,27 +8140,7 @@
                 <a:latin typeface="Yoon 윤고딕 520_TT"/>
                 <a:ea typeface="Yoon 윤고딕 520_TT"/>
               </a:rPr>
-              <a:t> </a:t>
-            </a:r>
-            <a:r>
-              <a:rPr lang="en-US" altLang="ko-KR" sz="1400" err="1">
-                <a:ln w="9525">
-                  <a:solidFill>
-                    <a:schemeClr val="bg1">
-                      <a:lumMod val="85000"/>
-                      <a:alpha val="30000"/>
-                    </a:schemeClr>
-                  </a:solidFill>
-                </a:ln>
-                <a:solidFill>
-                  <a:schemeClr val="bg1">
-                    <a:lumMod val="85000"/>
-                  </a:schemeClr>
-                </a:solidFill>
-                <a:latin typeface="Yoon 윤고딕 520_TT"/>
-                <a:ea typeface="Yoon 윤고딕 520_TT"/>
-              </a:rPr>
-              <a:t>스터디</a:t>
+              <a:t>멋사 스터디</a:t>
             </a:r>
             <a:r>
               <a:rPr lang="ko-KR" altLang="en-US" sz="1400">
@@ -11697,7 +8183,7 @@
               <a:t>|  </a:t>
             </a:r>
             <a:r>
-              <a:rPr lang="ko-KR" altLang="en-US" sz="1400" err="1">
+              <a:rPr lang="ko-KR" altLang="en-US" sz="1400">
                 <a:ln w="9525">
                   <a:solidFill>
                     <a:schemeClr val="bg1">
@@ -11716,7 +8202,7 @@
               </a:rPr>
               <a:t>손경일</a:t>
             </a:r>
-            <a:endParaRPr lang="ko-KR" altLang="en-US" sz="1400" err="1">
+            <a:endParaRPr lang="ko-KR" altLang="en-US" sz="1400">
               <a:ln w="9525">
                 <a:solidFill>
                   <a:prstClr val="white">
@@ -11741,14 +8227,14 @@
   <p:clrMapOvr>
     <a:masterClrMapping/>
   </p:clrMapOvr>
-  <mc:AlternateContent xmlns:mc="http://schemas.openxmlformats.org/markup-compatibility/2006" xmlns:p14="http://schemas.microsoft.com/office/powerpoint/2010/main">
-    <mc:Choice Requires="p14">
-      <p:transition spd="med" p14:dur="700">
+  <mc:AlternateContent xmlns:mc="http://schemas.openxmlformats.org/markup-compatibility/2006">
+    <mc:Choice xmlns:p14="http://schemas.microsoft.com/office/powerpoint/2010/main" Requires="p14">
+      <p:transition xmlns:mc="http://schemas.openxmlformats.org/markup-compatibility/2006" xmlns:p14="http://schemas.microsoft.com/office/powerpoint/2010/main" mc:Ignorable="p14" p14:dur="700">
         <p:fade/>
       </p:transition>
     </mc:Choice>
-    <mc:Fallback xmlns="">
-      <p:transition spd="med">
+    <mc:Fallback>
+      <p:transition xmlns:mc="http://schemas.openxmlformats.org/markup-compatibility/2006" xmlns:hp="http://schemas.haansoft.com/office/presentation/8.0" mc:Ignorable="hp" hp:hslDur="700">
         <p:fade/>
       </p:transition>
     </mc:Fallback>
@@ -39257,41 +35743,41 @@
 </file>
 
 <file path=ppt/theme/theme1.xml><?xml version="1.0" encoding="utf-8"?>
-<a:theme xmlns:a="http://schemas.openxmlformats.org/drawingml/2006/main" name="Office 테마">
+<a:theme xmlns:r="http://schemas.openxmlformats.org/officeDocument/2006/relationships" xmlns:c="http://schemas.openxmlformats.org/drawingml/2006/chart" xmlns:dgm="http://schemas.openxmlformats.org/drawingml/2006/diagram" xmlns:dsp="http://schemas.microsoft.com/office/drawing/2008/diagram" xmlns:a="http://schemas.openxmlformats.org/drawingml/2006/main" xmlns:pic="http://schemas.openxmlformats.org/drawingml/2006/picture" xmlns:wp="http://schemas.openxmlformats.org/drawingml/2006/wordprocessingDrawing" xmlns:xdr="http://schemas.openxmlformats.org/drawingml/2006/spreadsheetDrawing" xmlns:lc="http://schemas.openxmlformats.org/drawingml/2006/lockedCanvas" xmlns:p="http://schemas.openxmlformats.org/presentationml/2006/main" name="Office 테마">
   <a:themeElements>
     <a:clrScheme name="Office">
       <a:dk1>
         <a:sysClr val="windowText" lastClr="000000"/>
       </a:dk1>
       <a:lt1>
-        <a:sysClr val="window" lastClr="FFFFFF"/>
+        <a:sysClr val="window" lastClr="ffffff"/>
       </a:lt1>
       <a:dk2>
-        <a:srgbClr val="1F497D"/>
+        <a:srgbClr val="1f497d"/>
       </a:dk2>
       <a:lt2>
-        <a:srgbClr val="EEECE1"/>
+        <a:srgbClr val="eeece1"/>
       </a:lt2>
       <a:accent1>
-        <a:srgbClr val="4F81BD"/>
+        <a:srgbClr val="4f81bd"/>
       </a:accent1>
       <a:accent2>
-        <a:srgbClr val="C0504D"/>
+        <a:srgbClr val="c0504d"/>
       </a:accent2>
       <a:accent3>
-        <a:srgbClr val="9BBB59"/>
+        <a:srgbClr val="9bbb59"/>
       </a:accent3>
       <a:accent4>
-        <a:srgbClr val="8064A2"/>
+        <a:srgbClr val="8064a2"/>
       </a:accent4>
       <a:accent5>
-        <a:srgbClr val="4BACC6"/>
+        <a:srgbClr val="4bacc6"/>
       </a:accent5>
       <a:accent6>
-        <a:srgbClr val="F79646"/>
+        <a:srgbClr val="f79646"/>
       </a:accent6>
       <a:hlink>
-        <a:srgbClr val="0000FF"/>
+        <a:srgbClr val="0000ff"/>
       </a:hlink>
       <a:folHlink>
         <a:srgbClr val="800080"/>
@@ -39536,7 +36022,5 @@
       </a:bgFillStyleLst>
     </a:fmtScheme>
   </a:themeElements>
-  <a:objectDefaults/>
-  <a:extraClrSchemeLst/>
 </a:theme>
 </file>